--- a/manuscript/sup.pptx
+++ b/manuscript/sup.pptx
@@ -1,116 +1,22 @@
 
 <file path=ppt/presentation.xml><?xml version="1.0" encoding="utf-8"?>
-<p:presentation xmlns:a="http://schemas.openxmlformats.org/drawingml/2006/main" xmlns:r="http://schemas.openxmlformats.org/officeDocument/2006/relationships" xmlns:p="http://schemas.openxmlformats.org/presentationml/2006/main">
+<p:presentation xmlns:a="http://schemas.openxmlformats.org/drawingml/2006/main" xmlns:p="http://schemas.openxmlformats.org/presentationml/2006/main" xmlns:r="http://schemas.openxmlformats.org/officeDocument/2006/relationships" xmlns:p14="http://schemas.microsoft.com/office/powerpoint/2010/main" xmlns:p15="http://schemas.microsoft.com/office/powerpoint/2012/main" xmlns:mc="http://schemas.openxmlformats.org/markup-compatibility/2006">
   <p:sldMasterIdLst>
-    <p:sldMasterId id="2147483648" r:id="rId1"/>
-    <p:sldMasterId id="2147483661" r:id="rId2"/>
+    <p:sldMasterId id="2147483648" r:id="rId2"/>
+    <p:sldMasterId id="2147483661" r:id="rId3"/>
   </p:sldMasterIdLst>
   <p:sldIdLst>
-    <p:sldId id="256" r:id="rId3"/>
-    <p:sldId id="258" r:id="rId4"/>
+    <p:sldId id="256" r:id="rId4"/>
+    <p:sldId id="257" r:id="rId5"/>
+    <p:sldId id="258" r:id="rId6"/>
   </p:sldIdLst>
   <p:sldSz cx="10080625" cy="5670550"/>
   <p:notesSz cx="7559675" cy="10691813"/>
-  <p:defaultTextStyle>
-    <a:defPPr>
-      <a:defRPr lang="fi-FI"/>
-    </a:defPPr>
-    <a:lvl1pPr marL="0" algn="l" defTabSz="914400" rtl="0" eaLnBrk="1" latinLnBrk="0" hangingPunct="1">
-      <a:defRPr sz="1800" kern="1200">
-        <a:solidFill>
-          <a:schemeClr val="tx1"/>
-        </a:solidFill>
-        <a:latin typeface="+mn-lt"/>
-        <a:ea typeface="+mn-ea"/>
-        <a:cs typeface="+mn-cs"/>
-      </a:defRPr>
-    </a:lvl1pPr>
-    <a:lvl2pPr marL="457200" algn="l" defTabSz="914400" rtl="0" eaLnBrk="1" latinLnBrk="0" hangingPunct="1">
-      <a:defRPr sz="1800" kern="1200">
-        <a:solidFill>
-          <a:schemeClr val="tx1"/>
-        </a:solidFill>
-        <a:latin typeface="+mn-lt"/>
-        <a:ea typeface="+mn-ea"/>
-        <a:cs typeface="+mn-cs"/>
-      </a:defRPr>
-    </a:lvl2pPr>
-    <a:lvl3pPr marL="914400" algn="l" defTabSz="914400" rtl="0" eaLnBrk="1" latinLnBrk="0" hangingPunct="1">
-      <a:defRPr sz="1800" kern="1200">
-        <a:solidFill>
-          <a:schemeClr val="tx1"/>
-        </a:solidFill>
-        <a:latin typeface="+mn-lt"/>
-        <a:ea typeface="+mn-ea"/>
-        <a:cs typeface="+mn-cs"/>
-      </a:defRPr>
-    </a:lvl3pPr>
-    <a:lvl4pPr marL="1371600" algn="l" defTabSz="914400" rtl="0" eaLnBrk="1" latinLnBrk="0" hangingPunct="1">
-      <a:defRPr sz="1800" kern="1200">
-        <a:solidFill>
-          <a:schemeClr val="tx1"/>
-        </a:solidFill>
-        <a:latin typeface="+mn-lt"/>
-        <a:ea typeface="+mn-ea"/>
-        <a:cs typeface="+mn-cs"/>
-      </a:defRPr>
-    </a:lvl4pPr>
-    <a:lvl5pPr marL="1828800" algn="l" defTabSz="914400" rtl="0" eaLnBrk="1" latinLnBrk="0" hangingPunct="1">
-      <a:defRPr sz="1800" kern="1200">
-        <a:solidFill>
-          <a:schemeClr val="tx1"/>
-        </a:solidFill>
-        <a:latin typeface="+mn-lt"/>
-        <a:ea typeface="+mn-ea"/>
-        <a:cs typeface="+mn-cs"/>
-      </a:defRPr>
-    </a:lvl5pPr>
-    <a:lvl6pPr marL="2286000" algn="l" defTabSz="914400" rtl="0" eaLnBrk="1" latinLnBrk="0" hangingPunct="1">
-      <a:defRPr sz="1800" kern="1200">
-        <a:solidFill>
-          <a:schemeClr val="tx1"/>
-        </a:solidFill>
-        <a:latin typeface="+mn-lt"/>
-        <a:ea typeface="+mn-ea"/>
-        <a:cs typeface="+mn-cs"/>
-      </a:defRPr>
-    </a:lvl6pPr>
-    <a:lvl7pPr marL="2743200" algn="l" defTabSz="914400" rtl="0" eaLnBrk="1" latinLnBrk="0" hangingPunct="1">
-      <a:defRPr sz="1800" kern="1200">
-        <a:solidFill>
-          <a:schemeClr val="tx1"/>
-        </a:solidFill>
-        <a:latin typeface="+mn-lt"/>
-        <a:ea typeface="+mn-ea"/>
-        <a:cs typeface="+mn-cs"/>
-      </a:defRPr>
-    </a:lvl7pPr>
-    <a:lvl8pPr marL="3200400" algn="l" defTabSz="914400" rtl="0" eaLnBrk="1" latinLnBrk="0" hangingPunct="1">
-      <a:defRPr sz="1800" kern="1200">
-        <a:solidFill>
-          <a:schemeClr val="tx1"/>
-        </a:solidFill>
-        <a:latin typeface="+mn-lt"/>
-        <a:ea typeface="+mn-ea"/>
-        <a:cs typeface="+mn-cs"/>
-      </a:defRPr>
-    </a:lvl8pPr>
-    <a:lvl9pPr marL="3657600" algn="l" defTabSz="914400" rtl="0" eaLnBrk="1" latinLnBrk="0" hangingPunct="1">
-      <a:defRPr sz="1800" kern="1200">
-        <a:solidFill>
-          <a:schemeClr val="tx1"/>
-        </a:solidFill>
-        <a:latin typeface="+mn-lt"/>
-        <a:ea typeface="+mn-ea"/>
-        <a:cs typeface="+mn-cs"/>
-      </a:defRPr>
-    </a:lvl9pPr>
-  </p:defaultTextStyle>
 </p:presentation>
 </file>
 
 <file path=ppt/slideLayouts/slideLayout1.xml><?xml version="1.0" encoding="utf-8"?>
-<p:sldLayout xmlns:a="http://schemas.openxmlformats.org/drawingml/2006/main" xmlns:r="http://schemas.openxmlformats.org/officeDocument/2006/relationships" xmlns:p="http://schemas.openxmlformats.org/presentationml/2006/main" type="blank" preserve="1">
+<p:sldLayout xmlns:a="http://schemas.openxmlformats.org/drawingml/2006/main" xmlns:p="http://schemas.openxmlformats.org/presentationml/2006/main" xmlns:r="http://schemas.openxmlformats.org/officeDocument/2006/relationships" xmlns:p14="http://schemas.microsoft.com/office/powerpoint/2010/main" xmlns:p15="http://schemas.microsoft.com/office/powerpoint/2012/main" xmlns:mc="http://schemas.openxmlformats.org/markup-compatibility/2006" type="blank" preserve="1">
   <p:cSld name="Blank Slide">
     <p:spTree>
       <p:nvGrpSpPr>
@@ -139,7 +45,6 @@
         <p:spPr/>
         <p:txBody>
           <a:bodyPr/>
-          <a:lstStyle/>
           <a:p>
             <a:r>
               <a:t>Footer</a:t>
@@ -160,12 +65,10 @@
         <p:spPr/>
         <p:txBody>
           <a:bodyPr/>
-          <a:lstStyle/>
-          <a:p>
-            <a:fld id="{491A635A-F328-4480-A1C8-C4F7129A9005}" type="slidenum">
-              <a:t>‹#›</a:t>
+          <a:p>
+            <a:fld id="{F2910DD9-CFBC-4AC9-87BF-48C182835718}" type="slidenum">
+              <a:t>&lt;#&gt;</a:t>
             </a:fld>
-            <a:endParaRPr/>
           </a:p>
         </p:txBody>
       </p:sp>
@@ -182,22 +85,21 @@
         <p:spPr/>
         <p:txBody>
           <a:bodyPr/>
-          <a:lstStyle/>
-          <a:p>
-            <a:endParaRPr/>
+          <a:p>
+            <a:r>
+              <a:rPr lang="en-GB"/>
+              <a:t/>
+            </a:r>
           </a:p>
         </p:txBody>
       </p:sp>
     </p:spTree>
   </p:cSld>
-  <p:clrMapOvr>
-    <a:masterClrMapping/>
-  </p:clrMapOvr>
 </p:sldLayout>
 </file>
 
 <file path=ppt/slideLayouts/slideLayout10.xml><?xml version="1.0" encoding="utf-8"?>
-<p:sldLayout xmlns:a="http://schemas.openxmlformats.org/drawingml/2006/main" xmlns:r="http://schemas.openxmlformats.org/officeDocument/2006/relationships" xmlns:p="http://schemas.openxmlformats.org/presentationml/2006/main" type="objOverTx" preserve="1">
+<p:sldLayout xmlns:a="http://schemas.openxmlformats.org/drawingml/2006/main" xmlns:p="http://schemas.openxmlformats.org/presentationml/2006/main" xmlns:r="http://schemas.openxmlformats.org/officeDocument/2006/relationships" xmlns:p14="http://schemas.microsoft.com/office/powerpoint/2010/main" xmlns:p15="http://schemas.microsoft.com/office/powerpoint/2012/main" xmlns:mc="http://schemas.openxmlformats.org/markup-compatibility/2006" type="objOverTx" preserve="1">
   <p:cSld name="Title, Content over Content">
     <p:spTree>
       <p:nvGrpSpPr>
@@ -226,23 +128,22 @@
         <p:spPr>
           <a:xfrm>
             <a:off x="504000" y="226080"/>
-            <a:ext cx="9071280" cy="945720"/>
-          </a:xfrm>
-          <a:prstGeom prst="rect">
-            <a:avLst/>
-          </a:prstGeom>
-          <a:noFill/>
-          <a:ln w="0">
-            <a:noFill/>
-          </a:ln>
-        </p:spPr>
-        <p:txBody>
-          <a:bodyPr lIns="0" tIns="0" rIns="0" bIns="0" anchor="ctr">
+            <a:ext cx="9072000" cy="946440"/>
+          </a:xfrm>
+          <a:prstGeom prst="rect">
+            <a:avLst/>
+          </a:prstGeom>
+          <a:noFill/>
+          <a:ln w="0">
+            <a:noFill/>
+          </a:ln>
+        </p:spPr>
+        <p:txBody>
+          <a:bodyPr lIns="0" rIns="0" tIns="0" bIns="0" anchor="ctr">
             <a:noAutofit/>
           </a:bodyPr>
-          <a:lstStyle/>
-          <a:p>
-            <a:endParaRPr lang="fi-FI" sz="1800" b="0" strike="noStrike" spc="-1">
+          <a:p>
+            <a:endParaRPr b="0" lang="fi-FI" sz="1800" spc="-1" strike="noStrike">
               <a:solidFill>
                 <a:srgbClr val="000000"/>
               </a:solidFill>
@@ -264,21 +165,20 @@
         <p:spPr>
           <a:xfrm>
             <a:off x="504000" y="1326600"/>
-            <a:ext cx="9071640" cy="1568160"/>
-          </a:xfrm>
-          <a:prstGeom prst="rect">
-            <a:avLst/>
-          </a:prstGeom>
-          <a:noFill/>
-          <a:ln w="0">
-            <a:noFill/>
-          </a:ln>
-        </p:spPr>
-        <p:txBody>
-          <a:bodyPr lIns="0" tIns="0" rIns="0" bIns="0" anchor="t">
+            <a:ext cx="9072000" cy="1568520"/>
+          </a:xfrm>
+          <a:prstGeom prst="rect">
+            <a:avLst/>
+          </a:prstGeom>
+          <a:noFill/>
+          <a:ln w="0">
+            <a:noFill/>
+          </a:ln>
+        </p:spPr>
+        <p:txBody>
+          <a:bodyPr lIns="0" rIns="0" tIns="0" bIns="0" anchor="t">
             <a:normAutofit/>
           </a:bodyPr>
-          <a:lstStyle/>
           <a:p>
             <a:pPr>
               <a:lnSpc>
@@ -289,7 +189,7 @@
               </a:spcBef>
               <a:buNone/>
             </a:pPr>
-            <a:endParaRPr lang="fi-FI" sz="2800" b="0" strike="noStrike" spc="-1">
+            <a:endParaRPr b="0" lang="fi-FI" sz="2800" spc="-1" strike="noStrike">
               <a:solidFill>
                 <a:srgbClr val="000000"/>
               </a:solidFill>
@@ -310,22 +210,21 @@
         </p:nvSpPr>
         <p:spPr>
           <a:xfrm>
-            <a:off x="504000" y="3044160"/>
-            <a:ext cx="9071640" cy="1568160"/>
-          </a:xfrm>
-          <a:prstGeom prst="rect">
-            <a:avLst/>
-          </a:prstGeom>
-          <a:noFill/>
-          <a:ln w="0">
-            <a:noFill/>
-          </a:ln>
-        </p:spPr>
-        <p:txBody>
-          <a:bodyPr lIns="0" tIns="0" rIns="0" bIns="0" anchor="t">
+            <a:off x="504000" y="3044520"/>
+            <a:ext cx="9072000" cy="1568520"/>
+          </a:xfrm>
+          <a:prstGeom prst="rect">
+            <a:avLst/>
+          </a:prstGeom>
+          <a:noFill/>
+          <a:ln w="0">
+            <a:noFill/>
+          </a:ln>
+        </p:spPr>
+        <p:txBody>
+          <a:bodyPr lIns="0" rIns="0" tIns="0" bIns="0" anchor="t">
             <a:normAutofit/>
           </a:bodyPr>
-          <a:lstStyle/>
           <a:p>
             <a:pPr>
               <a:lnSpc>
@@ -336,7 +235,7 @@
               </a:spcBef>
               <a:buNone/>
             </a:pPr>
-            <a:endParaRPr lang="fi-FI" sz="2800" b="0" strike="noStrike" spc="-1">
+            <a:endParaRPr b="0" lang="fi-FI" sz="2800" spc="-1" strike="noStrike">
               <a:solidFill>
                 <a:srgbClr val="000000"/>
               </a:solidFill>
@@ -358,7 +257,6 @@
         <p:spPr/>
         <p:txBody>
           <a:bodyPr/>
-          <a:lstStyle/>
           <a:p>
             <a:r>
               <a:t>Footer</a:t>
@@ -379,12 +277,10 @@
         <p:spPr/>
         <p:txBody>
           <a:bodyPr/>
-          <a:lstStyle/>
-          <a:p>
-            <a:fld id="{D6EE743C-7092-4FEB-9793-60124187FC14}" type="slidenum">
-              <a:t>‹#›</a:t>
+          <a:p>
+            <a:fld id="{61008FE6-A77B-4A2A-B11F-95E318D92138}" type="slidenum">
+              <a:t>&lt;#&gt;</a:t>
             </a:fld>
-            <a:endParaRPr/>
           </a:p>
         </p:txBody>
       </p:sp>
@@ -401,22 +297,21 @@
         <p:spPr/>
         <p:txBody>
           <a:bodyPr/>
-          <a:lstStyle/>
-          <a:p>
-            <a:endParaRPr/>
+          <a:p>
+            <a:r>
+              <a:rPr lang="en-GB"/>
+              <a:t/>
+            </a:r>
           </a:p>
         </p:txBody>
       </p:sp>
     </p:spTree>
   </p:cSld>
-  <p:clrMapOvr>
-    <a:masterClrMapping/>
-  </p:clrMapOvr>
 </p:sldLayout>
 </file>
 
 <file path=ppt/slideLayouts/slideLayout11.xml><?xml version="1.0" encoding="utf-8"?>
-<p:sldLayout xmlns:a="http://schemas.openxmlformats.org/drawingml/2006/main" xmlns:r="http://schemas.openxmlformats.org/officeDocument/2006/relationships" xmlns:p="http://schemas.openxmlformats.org/presentationml/2006/main" type="fourObj" preserve="1">
+<p:sldLayout xmlns:a="http://schemas.openxmlformats.org/drawingml/2006/main" xmlns:p="http://schemas.openxmlformats.org/presentationml/2006/main" xmlns:r="http://schemas.openxmlformats.org/officeDocument/2006/relationships" xmlns:p14="http://schemas.microsoft.com/office/powerpoint/2010/main" xmlns:p15="http://schemas.microsoft.com/office/powerpoint/2012/main" xmlns:mc="http://schemas.openxmlformats.org/markup-compatibility/2006" type="fourObj" preserve="1">
   <p:cSld name="Title, 4 Content">
     <p:spTree>
       <p:nvGrpSpPr>
@@ -445,23 +340,22 @@
         <p:spPr>
           <a:xfrm>
             <a:off x="504000" y="226080"/>
-            <a:ext cx="9071280" cy="945720"/>
-          </a:xfrm>
-          <a:prstGeom prst="rect">
-            <a:avLst/>
-          </a:prstGeom>
-          <a:noFill/>
-          <a:ln w="0">
-            <a:noFill/>
-          </a:ln>
-        </p:spPr>
-        <p:txBody>
-          <a:bodyPr lIns="0" tIns="0" rIns="0" bIns="0" anchor="ctr">
+            <a:ext cx="9072000" cy="946440"/>
+          </a:xfrm>
+          <a:prstGeom prst="rect">
+            <a:avLst/>
+          </a:prstGeom>
+          <a:noFill/>
+          <a:ln w="0">
+            <a:noFill/>
+          </a:ln>
+        </p:spPr>
+        <p:txBody>
+          <a:bodyPr lIns="0" rIns="0" tIns="0" bIns="0" anchor="ctr">
             <a:noAutofit/>
           </a:bodyPr>
-          <a:lstStyle/>
-          <a:p>
-            <a:endParaRPr lang="fi-FI" sz="1800" b="0" strike="noStrike" spc="-1">
+          <a:p>
+            <a:endParaRPr b="0" lang="fi-FI" sz="1800" spc="-1" strike="noStrike">
               <a:solidFill>
                 <a:srgbClr val="000000"/>
               </a:solidFill>
@@ -483,21 +377,20 @@
         <p:spPr>
           <a:xfrm>
             <a:off x="504000" y="1326600"/>
-            <a:ext cx="4426920" cy="1568160"/>
-          </a:xfrm>
-          <a:prstGeom prst="rect">
-            <a:avLst/>
-          </a:prstGeom>
-          <a:noFill/>
-          <a:ln w="0">
-            <a:noFill/>
-          </a:ln>
-        </p:spPr>
-        <p:txBody>
-          <a:bodyPr lIns="0" tIns="0" rIns="0" bIns="0" anchor="t">
+            <a:ext cx="4426920" cy="1568520"/>
+          </a:xfrm>
+          <a:prstGeom prst="rect">
+            <a:avLst/>
+          </a:prstGeom>
+          <a:noFill/>
+          <a:ln w="0">
+            <a:noFill/>
+          </a:ln>
+        </p:spPr>
+        <p:txBody>
+          <a:bodyPr lIns="0" rIns="0" tIns="0" bIns="0" anchor="t">
             <a:normAutofit/>
           </a:bodyPr>
-          <a:lstStyle/>
           <a:p>
             <a:pPr>
               <a:lnSpc>
@@ -508,7 +401,7 @@
               </a:spcBef>
               <a:buNone/>
             </a:pPr>
-            <a:endParaRPr lang="fi-FI" sz="2800" b="0" strike="noStrike" spc="-1">
+            <a:endParaRPr b="0" lang="fi-FI" sz="2800" spc="-1" strike="noStrike">
               <a:solidFill>
                 <a:srgbClr val="000000"/>
               </a:solidFill>
@@ -530,21 +423,20 @@
         <p:spPr>
           <a:xfrm>
             <a:off x="5152680" y="1326600"/>
-            <a:ext cx="4426920" cy="1568160"/>
-          </a:xfrm>
-          <a:prstGeom prst="rect">
-            <a:avLst/>
-          </a:prstGeom>
-          <a:noFill/>
-          <a:ln w="0">
-            <a:noFill/>
-          </a:ln>
-        </p:spPr>
-        <p:txBody>
-          <a:bodyPr lIns="0" tIns="0" rIns="0" bIns="0" anchor="t">
+            <a:ext cx="4426920" cy="1568520"/>
+          </a:xfrm>
+          <a:prstGeom prst="rect">
+            <a:avLst/>
+          </a:prstGeom>
+          <a:noFill/>
+          <a:ln w="0">
+            <a:noFill/>
+          </a:ln>
+        </p:spPr>
+        <p:txBody>
+          <a:bodyPr lIns="0" rIns="0" tIns="0" bIns="0" anchor="t">
             <a:normAutofit/>
           </a:bodyPr>
-          <a:lstStyle/>
           <a:p>
             <a:pPr>
               <a:lnSpc>
@@ -555,7 +447,7 @@
               </a:spcBef>
               <a:buNone/>
             </a:pPr>
-            <a:endParaRPr lang="fi-FI" sz="2800" b="0" strike="noStrike" spc="-1">
+            <a:endParaRPr b="0" lang="fi-FI" sz="2800" spc="-1" strike="noStrike">
               <a:solidFill>
                 <a:srgbClr val="000000"/>
               </a:solidFill>
@@ -576,22 +468,21 @@
         </p:nvSpPr>
         <p:spPr>
           <a:xfrm>
-            <a:off x="504000" y="3044160"/>
-            <a:ext cx="4426920" cy="1568160"/>
-          </a:xfrm>
-          <a:prstGeom prst="rect">
-            <a:avLst/>
-          </a:prstGeom>
-          <a:noFill/>
-          <a:ln w="0">
-            <a:noFill/>
-          </a:ln>
-        </p:spPr>
-        <p:txBody>
-          <a:bodyPr lIns="0" tIns="0" rIns="0" bIns="0" anchor="t">
+            <a:off x="504000" y="3044520"/>
+            <a:ext cx="4426920" cy="1568520"/>
+          </a:xfrm>
+          <a:prstGeom prst="rect">
+            <a:avLst/>
+          </a:prstGeom>
+          <a:noFill/>
+          <a:ln w="0">
+            <a:noFill/>
+          </a:ln>
+        </p:spPr>
+        <p:txBody>
+          <a:bodyPr lIns="0" rIns="0" tIns="0" bIns="0" anchor="t">
             <a:normAutofit/>
           </a:bodyPr>
-          <a:lstStyle/>
           <a:p>
             <a:pPr>
               <a:lnSpc>
@@ -602,7 +493,7 @@
               </a:spcBef>
               <a:buNone/>
             </a:pPr>
-            <a:endParaRPr lang="fi-FI" sz="2800" b="0" strike="noStrike" spc="-1">
+            <a:endParaRPr b="0" lang="fi-FI" sz="2800" spc="-1" strike="noStrike">
               <a:solidFill>
                 <a:srgbClr val="000000"/>
               </a:solidFill>
@@ -623,22 +514,21 @@
         </p:nvSpPr>
         <p:spPr>
           <a:xfrm>
-            <a:off x="5152680" y="3044160"/>
-            <a:ext cx="4426920" cy="1568160"/>
-          </a:xfrm>
-          <a:prstGeom prst="rect">
-            <a:avLst/>
-          </a:prstGeom>
-          <a:noFill/>
-          <a:ln w="0">
-            <a:noFill/>
-          </a:ln>
-        </p:spPr>
-        <p:txBody>
-          <a:bodyPr lIns="0" tIns="0" rIns="0" bIns="0" anchor="t">
+            <a:off x="5152680" y="3044520"/>
+            <a:ext cx="4426920" cy="1568520"/>
+          </a:xfrm>
+          <a:prstGeom prst="rect">
+            <a:avLst/>
+          </a:prstGeom>
+          <a:noFill/>
+          <a:ln w="0">
+            <a:noFill/>
+          </a:ln>
+        </p:spPr>
+        <p:txBody>
+          <a:bodyPr lIns="0" rIns="0" tIns="0" bIns="0" anchor="t">
             <a:normAutofit/>
           </a:bodyPr>
-          <a:lstStyle/>
           <a:p>
             <a:pPr>
               <a:lnSpc>
@@ -649,7 +539,7 @@
               </a:spcBef>
               <a:buNone/>
             </a:pPr>
-            <a:endParaRPr lang="fi-FI" sz="2800" b="0" strike="noStrike" spc="-1">
+            <a:endParaRPr b="0" lang="fi-FI" sz="2800" spc="-1" strike="noStrike">
               <a:solidFill>
                 <a:srgbClr val="000000"/>
               </a:solidFill>
@@ -671,7 +561,6 @@
         <p:spPr/>
         <p:txBody>
           <a:bodyPr/>
-          <a:lstStyle/>
           <a:p>
             <a:r>
               <a:t>Footer</a:t>
@@ -692,12 +581,10 @@
         <p:spPr/>
         <p:txBody>
           <a:bodyPr/>
-          <a:lstStyle/>
-          <a:p>
-            <a:fld id="{AB7A5EBE-4C63-42F5-9E3D-00B106C731FE}" type="slidenum">
-              <a:t>‹#›</a:t>
+          <a:p>
+            <a:fld id="{B449AFA4-093A-4B22-97F0-854645C13EA4}" type="slidenum">
+              <a:t>&lt;#&gt;</a:t>
             </a:fld>
-            <a:endParaRPr/>
           </a:p>
         </p:txBody>
       </p:sp>
@@ -714,22 +601,21 @@
         <p:spPr/>
         <p:txBody>
           <a:bodyPr/>
-          <a:lstStyle/>
-          <a:p>
-            <a:endParaRPr/>
+          <a:p>
+            <a:r>
+              <a:rPr lang="en-GB"/>
+              <a:t/>
+            </a:r>
           </a:p>
         </p:txBody>
       </p:sp>
     </p:spTree>
   </p:cSld>
-  <p:clrMapOvr>
-    <a:masterClrMapping/>
-  </p:clrMapOvr>
 </p:sldLayout>
 </file>
 
 <file path=ppt/slideLayouts/slideLayout12.xml><?xml version="1.0" encoding="utf-8"?>
-<p:sldLayout xmlns:a="http://schemas.openxmlformats.org/drawingml/2006/main" xmlns:r="http://schemas.openxmlformats.org/officeDocument/2006/relationships" xmlns:p="http://schemas.openxmlformats.org/presentationml/2006/main" type="blank" preserve="1">
+<p:sldLayout xmlns:a="http://schemas.openxmlformats.org/drawingml/2006/main" xmlns:p="http://schemas.openxmlformats.org/presentationml/2006/main" xmlns:r="http://schemas.openxmlformats.org/officeDocument/2006/relationships" xmlns:p14="http://schemas.microsoft.com/office/powerpoint/2010/main" xmlns:p15="http://schemas.microsoft.com/office/powerpoint/2012/main" xmlns:mc="http://schemas.openxmlformats.org/markup-compatibility/2006" type="blank" preserve="1">
   <p:cSld name="Title, 6 Content">
     <p:spTree>
       <p:nvGrpSpPr>
@@ -758,23 +644,22 @@
         <p:spPr>
           <a:xfrm>
             <a:off x="504000" y="226080"/>
-            <a:ext cx="9071280" cy="945720"/>
-          </a:xfrm>
-          <a:prstGeom prst="rect">
-            <a:avLst/>
-          </a:prstGeom>
-          <a:noFill/>
-          <a:ln w="0">
-            <a:noFill/>
-          </a:ln>
-        </p:spPr>
-        <p:txBody>
-          <a:bodyPr lIns="0" tIns="0" rIns="0" bIns="0" anchor="ctr">
+            <a:ext cx="9072000" cy="946440"/>
+          </a:xfrm>
+          <a:prstGeom prst="rect">
+            <a:avLst/>
+          </a:prstGeom>
+          <a:noFill/>
+          <a:ln w="0">
+            <a:noFill/>
+          </a:ln>
+        </p:spPr>
+        <p:txBody>
+          <a:bodyPr lIns="0" rIns="0" tIns="0" bIns="0" anchor="ctr">
             <a:noAutofit/>
           </a:bodyPr>
-          <a:lstStyle/>
-          <a:p>
-            <a:endParaRPr lang="fi-FI" sz="1800" b="0" strike="noStrike" spc="-1">
+          <a:p>
+            <a:endParaRPr b="0" lang="fi-FI" sz="1800" spc="-1" strike="noStrike">
               <a:solidFill>
                 <a:srgbClr val="000000"/>
               </a:solidFill>
@@ -796,21 +681,20 @@
         <p:spPr>
           <a:xfrm>
             <a:off x="504000" y="1326600"/>
-            <a:ext cx="2920680" cy="1568160"/>
-          </a:xfrm>
-          <a:prstGeom prst="rect">
-            <a:avLst/>
-          </a:prstGeom>
-          <a:noFill/>
-          <a:ln w="0">
-            <a:noFill/>
-          </a:ln>
-        </p:spPr>
-        <p:txBody>
-          <a:bodyPr lIns="0" tIns="0" rIns="0" bIns="0" anchor="t">
+            <a:ext cx="2921040" cy="1568520"/>
+          </a:xfrm>
+          <a:prstGeom prst="rect">
+            <a:avLst/>
+          </a:prstGeom>
+          <a:noFill/>
+          <a:ln w="0">
+            <a:noFill/>
+          </a:ln>
+        </p:spPr>
+        <p:txBody>
+          <a:bodyPr lIns="0" rIns="0" tIns="0" bIns="0" anchor="t">
             <a:normAutofit/>
           </a:bodyPr>
-          <a:lstStyle/>
           <a:p>
             <a:pPr>
               <a:lnSpc>
@@ -821,7 +705,7 @@
               </a:spcBef>
               <a:buNone/>
             </a:pPr>
-            <a:endParaRPr lang="fi-FI" sz="2800" b="0" strike="noStrike" spc="-1">
+            <a:endParaRPr b="0" lang="fi-FI" sz="2800" spc="-1" strike="noStrike">
               <a:solidFill>
                 <a:srgbClr val="000000"/>
               </a:solidFill>
@@ -842,22 +726,21 @@
         </p:nvSpPr>
         <p:spPr>
           <a:xfrm>
-            <a:off x="3571200" y="1326600"/>
-            <a:ext cx="2920680" cy="1568160"/>
-          </a:xfrm>
-          <a:prstGeom prst="rect">
-            <a:avLst/>
-          </a:prstGeom>
-          <a:noFill/>
-          <a:ln w="0">
-            <a:noFill/>
-          </a:ln>
-        </p:spPr>
-        <p:txBody>
-          <a:bodyPr lIns="0" tIns="0" rIns="0" bIns="0" anchor="t">
+            <a:off x="3571560" y="1326600"/>
+            <a:ext cx="2921040" cy="1568520"/>
+          </a:xfrm>
+          <a:prstGeom prst="rect">
+            <a:avLst/>
+          </a:prstGeom>
+          <a:noFill/>
+          <a:ln w="0">
+            <a:noFill/>
+          </a:ln>
+        </p:spPr>
+        <p:txBody>
+          <a:bodyPr lIns="0" rIns="0" tIns="0" bIns="0" anchor="t">
             <a:normAutofit/>
           </a:bodyPr>
-          <a:lstStyle/>
           <a:p>
             <a:pPr>
               <a:lnSpc>
@@ -868,7 +751,7 @@
               </a:spcBef>
               <a:buNone/>
             </a:pPr>
-            <a:endParaRPr lang="fi-FI" sz="2800" b="0" strike="noStrike" spc="-1">
+            <a:endParaRPr b="0" lang="fi-FI" sz="2800" spc="-1" strike="noStrike">
               <a:solidFill>
                 <a:srgbClr val="000000"/>
               </a:solidFill>
@@ -889,22 +772,21 @@
         </p:nvSpPr>
         <p:spPr>
           <a:xfrm>
-            <a:off x="6638040" y="1326600"/>
-            <a:ext cx="2920680" cy="1568160"/>
-          </a:xfrm>
-          <a:prstGeom prst="rect">
-            <a:avLst/>
-          </a:prstGeom>
-          <a:noFill/>
-          <a:ln w="0">
-            <a:noFill/>
-          </a:ln>
-        </p:spPr>
-        <p:txBody>
-          <a:bodyPr lIns="0" tIns="0" rIns="0" bIns="0" anchor="t">
+            <a:off x="6639120" y="1326600"/>
+            <a:ext cx="2921040" cy="1568520"/>
+          </a:xfrm>
+          <a:prstGeom prst="rect">
+            <a:avLst/>
+          </a:prstGeom>
+          <a:noFill/>
+          <a:ln w="0">
+            <a:noFill/>
+          </a:ln>
+        </p:spPr>
+        <p:txBody>
+          <a:bodyPr lIns="0" rIns="0" tIns="0" bIns="0" anchor="t">
             <a:normAutofit/>
           </a:bodyPr>
-          <a:lstStyle/>
           <a:p>
             <a:pPr>
               <a:lnSpc>
@@ -915,7 +797,7 @@
               </a:spcBef>
               <a:buNone/>
             </a:pPr>
-            <a:endParaRPr lang="fi-FI" sz="2800" b="0" strike="noStrike" spc="-1">
+            <a:endParaRPr b="0" lang="fi-FI" sz="2800" spc="-1" strike="noStrike">
               <a:solidFill>
                 <a:srgbClr val="000000"/>
               </a:solidFill>
@@ -936,22 +818,21 @@
         </p:nvSpPr>
         <p:spPr>
           <a:xfrm>
-            <a:off x="504000" y="3044160"/>
-            <a:ext cx="2920680" cy="1568160"/>
-          </a:xfrm>
-          <a:prstGeom prst="rect">
-            <a:avLst/>
-          </a:prstGeom>
-          <a:noFill/>
-          <a:ln w="0">
-            <a:noFill/>
-          </a:ln>
-        </p:spPr>
-        <p:txBody>
-          <a:bodyPr lIns="0" tIns="0" rIns="0" bIns="0" anchor="t">
+            <a:off x="504000" y="3044520"/>
+            <a:ext cx="2921040" cy="1568520"/>
+          </a:xfrm>
+          <a:prstGeom prst="rect">
+            <a:avLst/>
+          </a:prstGeom>
+          <a:noFill/>
+          <a:ln w="0">
+            <a:noFill/>
+          </a:ln>
+        </p:spPr>
+        <p:txBody>
+          <a:bodyPr lIns="0" rIns="0" tIns="0" bIns="0" anchor="t">
             <a:normAutofit/>
           </a:bodyPr>
-          <a:lstStyle/>
           <a:p>
             <a:pPr>
               <a:lnSpc>
@@ -962,7 +843,7 @@
               </a:spcBef>
               <a:buNone/>
             </a:pPr>
-            <a:endParaRPr lang="fi-FI" sz="2800" b="0" strike="noStrike" spc="-1">
+            <a:endParaRPr b="0" lang="fi-FI" sz="2800" spc="-1" strike="noStrike">
               <a:solidFill>
                 <a:srgbClr val="000000"/>
               </a:solidFill>
@@ -983,22 +864,21 @@
         </p:nvSpPr>
         <p:spPr>
           <a:xfrm>
-            <a:off x="3571200" y="3044160"/>
-            <a:ext cx="2920680" cy="1568160"/>
-          </a:xfrm>
-          <a:prstGeom prst="rect">
-            <a:avLst/>
-          </a:prstGeom>
-          <a:noFill/>
-          <a:ln w="0">
-            <a:noFill/>
-          </a:ln>
-        </p:spPr>
-        <p:txBody>
-          <a:bodyPr lIns="0" tIns="0" rIns="0" bIns="0" anchor="t">
+            <a:off x="3571560" y="3044520"/>
+            <a:ext cx="2921040" cy="1568520"/>
+          </a:xfrm>
+          <a:prstGeom prst="rect">
+            <a:avLst/>
+          </a:prstGeom>
+          <a:noFill/>
+          <a:ln w="0">
+            <a:noFill/>
+          </a:ln>
+        </p:spPr>
+        <p:txBody>
+          <a:bodyPr lIns="0" rIns="0" tIns="0" bIns="0" anchor="t">
             <a:normAutofit/>
           </a:bodyPr>
-          <a:lstStyle/>
           <a:p>
             <a:pPr>
               <a:lnSpc>
@@ -1009,7 +889,7 @@
               </a:spcBef>
               <a:buNone/>
             </a:pPr>
-            <a:endParaRPr lang="fi-FI" sz="2800" b="0" strike="noStrike" spc="-1">
+            <a:endParaRPr b="0" lang="fi-FI" sz="2800" spc="-1" strike="noStrike">
               <a:solidFill>
                 <a:srgbClr val="000000"/>
               </a:solidFill>
@@ -1030,22 +910,21 @@
         </p:nvSpPr>
         <p:spPr>
           <a:xfrm>
-            <a:off x="6638040" y="3044160"/>
-            <a:ext cx="2920680" cy="1568160"/>
-          </a:xfrm>
-          <a:prstGeom prst="rect">
-            <a:avLst/>
-          </a:prstGeom>
-          <a:noFill/>
-          <a:ln w="0">
-            <a:noFill/>
-          </a:ln>
-        </p:spPr>
-        <p:txBody>
-          <a:bodyPr lIns="0" tIns="0" rIns="0" bIns="0" anchor="t">
+            <a:off x="6639120" y="3044520"/>
+            <a:ext cx="2921040" cy="1568520"/>
+          </a:xfrm>
+          <a:prstGeom prst="rect">
+            <a:avLst/>
+          </a:prstGeom>
+          <a:noFill/>
+          <a:ln w="0">
+            <a:noFill/>
+          </a:ln>
+        </p:spPr>
+        <p:txBody>
+          <a:bodyPr lIns="0" rIns="0" tIns="0" bIns="0" anchor="t">
             <a:normAutofit/>
           </a:bodyPr>
-          <a:lstStyle/>
           <a:p>
             <a:pPr>
               <a:lnSpc>
@@ -1056,7 +935,7 @@
               </a:spcBef>
               <a:buNone/>
             </a:pPr>
-            <a:endParaRPr lang="fi-FI" sz="2800" b="0" strike="noStrike" spc="-1">
+            <a:endParaRPr b="0" lang="fi-FI" sz="2800" spc="-1" strike="noStrike">
               <a:solidFill>
                 <a:srgbClr val="000000"/>
               </a:solidFill>
@@ -1078,7 +957,6 @@
         <p:spPr/>
         <p:txBody>
           <a:bodyPr/>
-          <a:lstStyle/>
           <a:p>
             <a:r>
               <a:t>Footer</a:t>
@@ -1099,12 +977,10 @@
         <p:spPr/>
         <p:txBody>
           <a:bodyPr/>
-          <a:lstStyle/>
-          <a:p>
-            <a:fld id="{0ABC1679-034C-4382-BD00-7040ACBDF935}" type="slidenum">
-              <a:t>‹#›</a:t>
+          <a:p>
+            <a:fld id="{71E8A6F9-4A6F-417D-807E-381D04ADE510}" type="slidenum">
+              <a:t>&lt;#&gt;</a:t>
             </a:fld>
-            <a:endParaRPr/>
           </a:p>
         </p:txBody>
       </p:sp>
@@ -1121,22 +997,21 @@
         <p:spPr/>
         <p:txBody>
           <a:bodyPr/>
-          <a:lstStyle/>
-          <a:p>
-            <a:endParaRPr/>
+          <a:p>
+            <a:r>
+              <a:rPr lang="en-GB"/>
+              <a:t/>
+            </a:r>
           </a:p>
         </p:txBody>
       </p:sp>
     </p:spTree>
   </p:cSld>
-  <p:clrMapOvr>
-    <a:masterClrMapping/>
-  </p:clrMapOvr>
 </p:sldLayout>
 </file>
 
 <file path=ppt/slideLayouts/slideLayout13.xml><?xml version="1.0" encoding="utf-8"?>
-<p:sldLayout xmlns:a="http://schemas.openxmlformats.org/drawingml/2006/main" xmlns:r="http://schemas.openxmlformats.org/officeDocument/2006/relationships" xmlns:p="http://schemas.openxmlformats.org/presentationml/2006/main" type="blank" preserve="1">
+<p:sldLayout xmlns:a="http://schemas.openxmlformats.org/drawingml/2006/main" xmlns:p="http://schemas.openxmlformats.org/presentationml/2006/main" xmlns:r="http://schemas.openxmlformats.org/officeDocument/2006/relationships" xmlns:p14="http://schemas.microsoft.com/office/powerpoint/2010/main" xmlns:p15="http://schemas.microsoft.com/office/powerpoint/2012/main" xmlns:mc="http://schemas.openxmlformats.org/markup-compatibility/2006" type="blank" preserve="1">
   <p:cSld name="Blank Slide">
     <p:spTree>
       <p:nvGrpSpPr>
@@ -1165,7 +1040,6 @@
         <p:spPr/>
         <p:txBody>
           <a:bodyPr/>
-          <a:lstStyle/>
           <a:p>
             <a:r>
               <a:t>Footer</a:t>
@@ -1186,12 +1060,10 @@
         <p:spPr/>
         <p:txBody>
           <a:bodyPr/>
-          <a:lstStyle/>
-          <a:p>
-            <a:fld id="{37763134-E0DC-44BD-9F9F-7E7B1CDE5031}" type="slidenum">
-              <a:t>‹#›</a:t>
+          <a:p>
+            <a:fld id="{9DBBC190-275C-4639-8E4B-CE8D59C551F5}" type="slidenum">
+              <a:t>&lt;#&gt;</a:t>
             </a:fld>
-            <a:endParaRPr/>
           </a:p>
         </p:txBody>
       </p:sp>
@@ -1208,22 +1080,21 @@
         <p:spPr/>
         <p:txBody>
           <a:bodyPr/>
-          <a:lstStyle/>
-          <a:p>
-            <a:endParaRPr/>
+          <a:p>
+            <a:r>
+              <a:rPr lang="en-GB"/>
+              <a:t/>
+            </a:r>
           </a:p>
         </p:txBody>
       </p:sp>
     </p:spTree>
   </p:cSld>
-  <p:clrMapOvr>
-    <a:masterClrMapping/>
-  </p:clrMapOvr>
 </p:sldLayout>
 </file>
 
 <file path=ppt/slideLayouts/slideLayout14.xml><?xml version="1.0" encoding="utf-8"?>
-<p:sldLayout xmlns:a="http://schemas.openxmlformats.org/drawingml/2006/main" xmlns:r="http://schemas.openxmlformats.org/officeDocument/2006/relationships" xmlns:p="http://schemas.openxmlformats.org/presentationml/2006/main" type="tx" preserve="1">
+<p:sldLayout xmlns:a="http://schemas.openxmlformats.org/drawingml/2006/main" xmlns:p="http://schemas.openxmlformats.org/presentationml/2006/main" xmlns:r="http://schemas.openxmlformats.org/officeDocument/2006/relationships" xmlns:p14="http://schemas.microsoft.com/office/powerpoint/2010/main" xmlns:p15="http://schemas.microsoft.com/office/powerpoint/2012/main" xmlns:mc="http://schemas.openxmlformats.org/markup-compatibility/2006" type="tx" preserve="1">
   <p:cSld name="Title Slide">
     <p:spTree>
       <p:nvGrpSpPr>
@@ -1252,23 +1123,22 @@
         <p:spPr>
           <a:xfrm>
             <a:off x="504000" y="226080"/>
-            <a:ext cx="9071280" cy="945720"/>
-          </a:xfrm>
-          <a:prstGeom prst="rect">
-            <a:avLst/>
-          </a:prstGeom>
-          <a:noFill/>
-          <a:ln w="0">
-            <a:noFill/>
-          </a:ln>
-        </p:spPr>
-        <p:txBody>
-          <a:bodyPr lIns="0" tIns="0" rIns="0" bIns="0" anchor="ctr">
+            <a:ext cx="9072000" cy="946440"/>
+          </a:xfrm>
+          <a:prstGeom prst="rect">
+            <a:avLst/>
+          </a:prstGeom>
+          <a:noFill/>
+          <a:ln w="0">
+            <a:noFill/>
+          </a:ln>
+        </p:spPr>
+        <p:txBody>
+          <a:bodyPr lIns="0" rIns="0" tIns="0" bIns="0" anchor="ctr">
             <a:noAutofit/>
           </a:bodyPr>
-          <a:lstStyle/>
-          <a:p>
-            <a:endParaRPr lang="fi-FI" sz="1800" b="0" strike="noStrike" spc="-1">
+          <a:p>
+            <a:endParaRPr b="0" lang="fi-FI" sz="1800" spc="-1" strike="noStrike">
               <a:solidFill>
                 <a:srgbClr val="000000"/>
               </a:solidFill>
@@ -1290,26 +1160,25 @@
         <p:spPr>
           <a:xfrm>
             <a:off x="504000" y="1326600"/>
-            <a:ext cx="9071640" cy="3288240"/>
-          </a:xfrm>
-          <a:prstGeom prst="rect">
-            <a:avLst/>
-          </a:prstGeom>
-          <a:noFill/>
-          <a:ln w="0">
-            <a:noFill/>
-          </a:ln>
-        </p:spPr>
-        <p:txBody>
-          <a:bodyPr lIns="0" tIns="0" rIns="0" bIns="0" anchor="ctr">
+            <a:ext cx="9072000" cy="3288600"/>
+          </a:xfrm>
+          <a:prstGeom prst="rect">
+            <a:avLst/>
+          </a:prstGeom>
+          <a:noFill/>
+          <a:ln w="0">
+            <a:noFill/>
+          </a:ln>
+        </p:spPr>
+        <p:txBody>
+          <a:bodyPr lIns="0" rIns="0" tIns="0" bIns="0" anchor="ctr">
             <a:noAutofit/>
           </a:bodyPr>
-          <a:lstStyle/>
           <a:p>
             <a:pPr algn="ctr">
               <a:buNone/>
             </a:pPr>
-            <a:endParaRPr lang="en-GB" sz="3200" b="0" strike="noStrike" spc="-1">
+            <a:endParaRPr b="0" lang="en-GB" sz="3200" spc="-1" strike="noStrike">
               <a:latin typeface="Arial"/>
             </a:endParaRPr>
           </a:p>
@@ -1328,7 +1197,6 @@
         <p:spPr/>
         <p:txBody>
           <a:bodyPr/>
-          <a:lstStyle/>
           <a:p>
             <a:r>
               <a:t>Footer</a:t>
@@ -1349,12 +1217,10 @@
         <p:spPr/>
         <p:txBody>
           <a:bodyPr/>
-          <a:lstStyle/>
-          <a:p>
-            <a:fld id="{FFEC034D-5A99-4938-8043-57838E92A2DB}" type="slidenum">
-              <a:t>‹#›</a:t>
+          <a:p>
+            <a:fld id="{301D65CE-5DB3-4837-A36C-B0A874FD771F}" type="slidenum">
+              <a:t>&lt;#&gt;</a:t>
             </a:fld>
-            <a:endParaRPr/>
           </a:p>
         </p:txBody>
       </p:sp>
@@ -1371,22 +1237,21 @@
         <p:spPr/>
         <p:txBody>
           <a:bodyPr/>
-          <a:lstStyle/>
-          <a:p>
-            <a:endParaRPr/>
+          <a:p>
+            <a:r>
+              <a:rPr lang="en-GB"/>
+              <a:t/>
+            </a:r>
           </a:p>
         </p:txBody>
       </p:sp>
     </p:spTree>
   </p:cSld>
-  <p:clrMapOvr>
-    <a:masterClrMapping/>
-  </p:clrMapOvr>
 </p:sldLayout>
 </file>
 
 <file path=ppt/slideLayouts/slideLayout15.xml><?xml version="1.0" encoding="utf-8"?>
-<p:sldLayout xmlns:a="http://schemas.openxmlformats.org/drawingml/2006/main" xmlns:r="http://schemas.openxmlformats.org/officeDocument/2006/relationships" xmlns:p="http://schemas.openxmlformats.org/presentationml/2006/main" type="obj" preserve="1">
+<p:sldLayout xmlns:a="http://schemas.openxmlformats.org/drawingml/2006/main" xmlns:p="http://schemas.openxmlformats.org/presentationml/2006/main" xmlns:r="http://schemas.openxmlformats.org/officeDocument/2006/relationships" xmlns:p14="http://schemas.microsoft.com/office/powerpoint/2010/main" xmlns:p15="http://schemas.microsoft.com/office/powerpoint/2012/main" xmlns:mc="http://schemas.openxmlformats.org/markup-compatibility/2006" type="obj" preserve="1">
   <p:cSld name="Title, Content">
     <p:spTree>
       <p:nvGrpSpPr>
@@ -1415,23 +1280,22 @@
         <p:spPr>
           <a:xfrm>
             <a:off x="504000" y="226080"/>
-            <a:ext cx="9071280" cy="945720"/>
-          </a:xfrm>
-          <a:prstGeom prst="rect">
-            <a:avLst/>
-          </a:prstGeom>
-          <a:noFill/>
-          <a:ln w="0">
-            <a:noFill/>
-          </a:ln>
-        </p:spPr>
-        <p:txBody>
-          <a:bodyPr lIns="0" tIns="0" rIns="0" bIns="0" anchor="ctr">
+            <a:ext cx="9072000" cy="946440"/>
+          </a:xfrm>
+          <a:prstGeom prst="rect">
+            <a:avLst/>
+          </a:prstGeom>
+          <a:noFill/>
+          <a:ln w="0">
+            <a:noFill/>
+          </a:ln>
+        </p:spPr>
+        <p:txBody>
+          <a:bodyPr lIns="0" rIns="0" tIns="0" bIns="0" anchor="ctr">
             <a:noAutofit/>
           </a:bodyPr>
-          <a:lstStyle/>
-          <a:p>
-            <a:endParaRPr lang="fi-FI" sz="1800" b="0" strike="noStrike" spc="-1">
+          <a:p>
+            <a:endParaRPr b="0" lang="fi-FI" sz="1800" spc="-1" strike="noStrike">
               <a:solidFill>
                 <a:srgbClr val="000000"/>
               </a:solidFill>
@@ -1453,21 +1317,20 @@
         <p:spPr>
           <a:xfrm>
             <a:off x="504000" y="1326600"/>
-            <a:ext cx="9071640" cy="3288240"/>
-          </a:xfrm>
-          <a:prstGeom prst="rect">
-            <a:avLst/>
-          </a:prstGeom>
-          <a:noFill/>
-          <a:ln w="0">
-            <a:noFill/>
-          </a:ln>
-        </p:spPr>
-        <p:txBody>
-          <a:bodyPr lIns="0" tIns="0" rIns="0" bIns="0" anchor="t">
+            <a:ext cx="9072000" cy="3288600"/>
+          </a:xfrm>
+          <a:prstGeom prst="rect">
+            <a:avLst/>
+          </a:prstGeom>
+          <a:noFill/>
+          <a:ln w="0">
+            <a:noFill/>
+          </a:ln>
+        </p:spPr>
+        <p:txBody>
+          <a:bodyPr lIns="0" rIns="0" tIns="0" bIns="0" anchor="t">
             <a:normAutofit/>
           </a:bodyPr>
-          <a:lstStyle/>
           <a:p>
             <a:pPr>
               <a:lnSpc>
@@ -1478,7 +1341,7 @@
               </a:spcBef>
               <a:buNone/>
             </a:pPr>
-            <a:endParaRPr lang="fi-FI" sz="2800" b="0" strike="noStrike" spc="-1">
+            <a:endParaRPr b="0" lang="fi-FI" sz="2800" spc="-1" strike="noStrike">
               <a:solidFill>
                 <a:srgbClr val="000000"/>
               </a:solidFill>
@@ -1500,7 +1363,6 @@
         <p:spPr/>
         <p:txBody>
           <a:bodyPr/>
-          <a:lstStyle/>
           <a:p>
             <a:r>
               <a:t>Footer</a:t>
@@ -1521,12 +1383,10 @@
         <p:spPr/>
         <p:txBody>
           <a:bodyPr/>
-          <a:lstStyle/>
-          <a:p>
-            <a:fld id="{599E92A3-F741-473D-A8C3-6451EB602E16}" type="slidenum">
-              <a:t>‹#›</a:t>
+          <a:p>
+            <a:fld id="{DFC602DB-3E61-4462-841C-B0A5FCB8C9E7}" type="slidenum">
+              <a:t>&lt;#&gt;</a:t>
             </a:fld>
-            <a:endParaRPr/>
           </a:p>
         </p:txBody>
       </p:sp>
@@ -1543,22 +1403,21 @@
         <p:spPr/>
         <p:txBody>
           <a:bodyPr/>
-          <a:lstStyle/>
-          <a:p>
-            <a:endParaRPr/>
+          <a:p>
+            <a:r>
+              <a:rPr lang="en-GB"/>
+              <a:t/>
+            </a:r>
           </a:p>
         </p:txBody>
       </p:sp>
     </p:spTree>
   </p:cSld>
-  <p:clrMapOvr>
-    <a:masterClrMapping/>
-  </p:clrMapOvr>
 </p:sldLayout>
 </file>
 
 <file path=ppt/slideLayouts/slideLayout16.xml><?xml version="1.0" encoding="utf-8"?>
-<p:sldLayout xmlns:a="http://schemas.openxmlformats.org/drawingml/2006/main" xmlns:r="http://schemas.openxmlformats.org/officeDocument/2006/relationships" xmlns:p="http://schemas.openxmlformats.org/presentationml/2006/main" type="twoObj" preserve="1">
+<p:sldLayout xmlns:a="http://schemas.openxmlformats.org/drawingml/2006/main" xmlns:p="http://schemas.openxmlformats.org/presentationml/2006/main" xmlns:r="http://schemas.openxmlformats.org/officeDocument/2006/relationships" xmlns:p14="http://schemas.microsoft.com/office/powerpoint/2010/main" xmlns:p15="http://schemas.microsoft.com/office/powerpoint/2012/main" xmlns:mc="http://schemas.openxmlformats.org/markup-compatibility/2006" type="twoObj" preserve="1">
   <p:cSld name="Title, 2 Content">
     <p:spTree>
       <p:nvGrpSpPr>
@@ -1587,23 +1446,22 @@
         <p:spPr>
           <a:xfrm>
             <a:off x="504000" y="226080"/>
-            <a:ext cx="9071280" cy="945720"/>
-          </a:xfrm>
-          <a:prstGeom prst="rect">
-            <a:avLst/>
-          </a:prstGeom>
-          <a:noFill/>
-          <a:ln w="0">
-            <a:noFill/>
-          </a:ln>
-        </p:spPr>
-        <p:txBody>
-          <a:bodyPr lIns="0" tIns="0" rIns="0" bIns="0" anchor="ctr">
+            <a:ext cx="9072000" cy="946440"/>
+          </a:xfrm>
+          <a:prstGeom prst="rect">
+            <a:avLst/>
+          </a:prstGeom>
+          <a:noFill/>
+          <a:ln w="0">
+            <a:noFill/>
+          </a:ln>
+        </p:spPr>
+        <p:txBody>
+          <a:bodyPr lIns="0" rIns="0" tIns="0" bIns="0" anchor="ctr">
             <a:noAutofit/>
           </a:bodyPr>
-          <a:lstStyle/>
-          <a:p>
-            <a:endParaRPr lang="fi-FI" sz="1800" b="0" strike="noStrike" spc="-1">
+          <a:p>
+            <a:endParaRPr b="0" lang="fi-FI" sz="1800" spc="-1" strike="noStrike">
               <a:solidFill>
                 <a:srgbClr val="000000"/>
               </a:solidFill>
@@ -1625,21 +1483,20 @@
         <p:spPr>
           <a:xfrm>
             <a:off x="504000" y="1326600"/>
-            <a:ext cx="4426920" cy="3288240"/>
-          </a:xfrm>
-          <a:prstGeom prst="rect">
-            <a:avLst/>
-          </a:prstGeom>
-          <a:noFill/>
-          <a:ln w="0">
-            <a:noFill/>
-          </a:ln>
-        </p:spPr>
-        <p:txBody>
-          <a:bodyPr lIns="0" tIns="0" rIns="0" bIns="0" anchor="t">
+            <a:ext cx="4426920" cy="3288600"/>
+          </a:xfrm>
+          <a:prstGeom prst="rect">
+            <a:avLst/>
+          </a:prstGeom>
+          <a:noFill/>
+          <a:ln w="0">
+            <a:noFill/>
+          </a:ln>
+        </p:spPr>
+        <p:txBody>
+          <a:bodyPr lIns="0" rIns="0" tIns="0" bIns="0" anchor="t">
             <a:normAutofit/>
           </a:bodyPr>
-          <a:lstStyle/>
           <a:p>
             <a:pPr>
               <a:lnSpc>
@@ -1650,7 +1507,7 @@
               </a:spcBef>
               <a:buNone/>
             </a:pPr>
-            <a:endParaRPr lang="fi-FI" sz="2800" b="0" strike="noStrike" spc="-1">
+            <a:endParaRPr b="0" lang="fi-FI" sz="2800" spc="-1" strike="noStrike">
               <a:solidFill>
                 <a:srgbClr val="000000"/>
               </a:solidFill>
@@ -1672,21 +1529,20 @@
         <p:spPr>
           <a:xfrm>
             <a:off x="5152680" y="1326600"/>
-            <a:ext cx="4426920" cy="3288240"/>
-          </a:xfrm>
-          <a:prstGeom prst="rect">
-            <a:avLst/>
-          </a:prstGeom>
-          <a:noFill/>
-          <a:ln w="0">
-            <a:noFill/>
-          </a:ln>
-        </p:spPr>
-        <p:txBody>
-          <a:bodyPr lIns="0" tIns="0" rIns="0" bIns="0" anchor="t">
+            <a:ext cx="4426920" cy="3288600"/>
+          </a:xfrm>
+          <a:prstGeom prst="rect">
+            <a:avLst/>
+          </a:prstGeom>
+          <a:noFill/>
+          <a:ln w="0">
+            <a:noFill/>
+          </a:ln>
+        </p:spPr>
+        <p:txBody>
+          <a:bodyPr lIns="0" rIns="0" tIns="0" bIns="0" anchor="t">
             <a:normAutofit/>
           </a:bodyPr>
-          <a:lstStyle/>
           <a:p>
             <a:pPr>
               <a:lnSpc>
@@ -1697,7 +1553,7 @@
               </a:spcBef>
               <a:buNone/>
             </a:pPr>
-            <a:endParaRPr lang="fi-FI" sz="2800" b="0" strike="noStrike" spc="-1">
+            <a:endParaRPr b="0" lang="fi-FI" sz="2800" spc="-1" strike="noStrike">
               <a:solidFill>
                 <a:srgbClr val="000000"/>
               </a:solidFill>
@@ -1719,7 +1575,6 @@
         <p:spPr/>
         <p:txBody>
           <a:bodyPr/>
-          <a:lstStyle/>
           <a:p>
             <a:r>
               <a:t>Footer</a:t>
@@ -1740,12 +1595,10 @@
         <p:spPr/>
         <p:txBody>
           <a:bodyPr/>
-          <a:lstStyle/>
-          <a:p>
-            <a:fld id="{298F8BFF-2775-4A1B-8F64-3D313B16B85D}" type="slidenum">
-              <a:t>‹#›</a:t>
+          <a:p>
+            <a:fld id="{B1FA8F0B-AC38-4DEB-B03B-C38B522A56B9}" type="slidenum">
+              <a:t>&lt;#&gt;</a:t>
             </a:fld>
-            <a:endParaRPr/>
           </a:p>
         </p:txBody>
       </p:sp>
@@ -1762,22 +1615,21 @@
         <p:spPr/>
         <p:txBody>
           <a:bodyPr/>
-          <a:lstStyle/>
-          <a:p>
-            <a:endParaRPr/>
+          <a:p>
+            <a:r>
+              <a:rPr lang="en-GB"/>
+              <a:t/>
+            </a:r>
           </a:p>
         </p:txBody>
       </p:sp>
     </p:spTree>
   </p:cSld>
-  <p:clrMapOvr>
-    <a:masterClrMapping/>
-  </p:clrMapOvr>
 </p:sldLayout>
 </file>
 
 <file path=ppt/slideLayouts/slideLayout17.xml><?xml version="1.0" encoding="utf-8"?>
-<p:sldLayout xmlns:a="http://schemas.openxmlformats.org/drawingml/2006/main" xmlns:r="http://schemas.openxmlformats.org/officeDocument/2006/relationships" xmlns:p="http://schemas.openxmlformats.org/presentationml/2006/main" type="titleOnly" preserve="1">
+<p:sldLayout xmlns:a="http://schemas.openxmlformats.org/drawingml/2006/main" xmlns:p="http://schemas.openxmlformats.org/presentationml/2006/main" xmlns:r="http://schemas.openxmlformats.org/officeDocument/2006/relationships" xmlns:p14="http://schemas.microsoft.com/office/powerpoint/2010/main" xmlns:p15="http://schemas.microsoft.com/office/powerpoint/2012/main" xmlns:mc="http://schemas.openxmlformats.org/markup-compatibility/2006" type="titleOnly" preserve="1">
   <p:cSld name="Title Only">
     <p:spTree>
       <p:nvGrpSpPr>
@@ -1806,23 +1658,22 @@
         <p:spPr>
           <a:xfrm>
             <a:off x="504000" y="226080"/>
-            <a:ext cx="9071280" cy="945720"/>
-          </a:xfrm>
-          <a:prstGeom prst="rect">
-            <a:avLst/>
-          </a:prstGeom>
-          <a:noFill/>
-          <a:ln w="0">
-            <a:noFill/>
-          </a:ln>
-        </p:spPr>
-        <p:txBody>
-          <a:bodyPr lIns="0" tIns="0" rIns="0" bIns="0" anchor="ctr">
+            <a:ext cx="9072000" cy="946440"/>
+          </a:xfrm>
+          <a:prstGeom prst="rect">
+            <a:avLst/>
+          </a:prstGeom>
+          <a:noFill/>
+          <a:ln w="0">
+            <a:noFill/>
+          </a:ln>
+        </p:spPr>
+        <p:txBody>
+          <a:bodyPr lIns="0" rIns="0" tIns="0" bIns="0" anchor="ctr">
             <a:noAutofit/>
           </a:bodyPr>
-          <a:lstStyle/>
-          <a:p>
-            <a:endParaRPr lang="fi-FI" sz="1800" b="0" strike="noStrike" spc="-1">
+          <a:p>
+            <a:endParaRPr b="0" lang="fi-FI" sz="1800" spc="-1" strike="noStrike">
               <a:solidFill>
                 <a:srgbClr val="000000"/>
               </a:solidFill>
@@ -1844,7 +1695,6 @@
         <p:spPr/>
         <p:txBody>
           <a:bodyPr/>
-          <a:lstStyle/>
           <a:p>
             <a:r>
               <a:t>Footer</a:t>
@@ -1865,12 +1715,10 @@
         <p:spPr/>
         <p:txBody>
           <a:bodyPr/>
-          <a:lstStyle/>
-          <a:p>
-            <a:fld id="{893DA5EF-BDAF-4865-92DB-F2C19A4994AB}" type="slidenum">
-              <a:t>‹#›</a:t>
+          <a:p>
+            <a:fld id="{FF7EFAB3-B4D7-47F4-BBB3-6A50624A4BD5}" type="slidenum">
+              <a:t>&lt;#&gt;</a:t>
             </a:fld>
-            <a:endParaRPr/>
           </a:p>
         </p:txBody>
       </p:sp>
@@ -1887,22 +1735,21 @@
         <p:spPr/>
         <p:txBody>
           <a:bodyPr/>
-          <a:lstStyle/>
-          <a:p>
-            <a:endParaRPr/>
+          <a:p>
+            <a:r>
+              <a:rPr lang="en-GB"/>
+              <a:t/>
+            </a:r>
           </a:p>
         </p:txBody>
       </p:sp>
     </p:spTree>
   </p:cSld>
-  <p:clrMapOvr>
-    <a:masterClrMapping/>
-  </p:clrMapOvr>
 </p:sldLayout>
 </file>
 
 <file path=ppt/slideLayouts/slideLayout18.xml><?xml version="1.0" encoding="utf-8"?>
-<p:sldLayout xmlns:a="http://schemas.openxmlformats.org/drawingml/2006/main" xmlns:r="http://schemas.openxmlformats.org/officeDocument/2006/relationships" xmlns:p="http://schemas.openxmlformats.org/presentationml/2006/main" type="objOnly" preserve="1">
+<p:sldLayout xmlns:a="http://schemas.openxmlformats.org/drawingml/2006/main" xmlns:p="http://schemas.openxmlformats.org/presentationml/2006/main" xmlns:r="http://schemas.openxmlformats.org/officeDocument/2006/relationships" xmlns:p14="http://schemas.microsoft.com/office/powerpoint/2010/main" xmlns:p15="http://schemas.microsoft.com/office/powerpoint/2012/main" xmlns:mc="http://schemas.openxmlformats.org/markup-compatibility/2006" type="objOnly" preserve="1">
   <p:cSld name="Centered Text">
     <p:spTree>
       <p:nvGrpSpPr>
@@ -1931,26 +1778,25 @@
         <p:spPr>
           <a:xfrm>
             <a:off x="504000" y="226080"/>
-            <a:ext cx="9071280" cy="4385160"/>
-          </a:xfrm>
-          <a:prstGeom prst="rect">
-            <a:avLst/>
-          </a:prstGeom>
-          <a:noFill/>
-          <a:ln w="0">
-            <a:noFill/>
-          </a:ln>
-        </p:spPr>
-        <p:txBody>
-          <a:bodyPr lIns="0" tIns="0" rIns="0" bIns="0" anchor="ctr">
+            <a:ext cx="9072000" cy="4388400"/>
+          </a:xfrm>
+          <a:prstGeom prst="rect">
+            <a:avLst/>
+          </a:prstGeom>
+          <a:noFill/>
+          <a:ln w="0">
+            <a:noFill/>
+          </a:ln>
+        </p:spPr>
+        <p:txBody>
+          <a:bodyPr lIns="0" rIns="0" tIns="0" bIns="0" anchor="ctr">
             <a:noAutofit/>
           </a:bodyPr>
-          <a:lstStyle/>
           <a:p>
             <a:pPr algn="ctr">
               <a:buNone/>
             </a:pPr>
-            <a:endParaRPr lang="en-GB" sz="3200" b="0" strike="noStrike" spc="-1">
+            <a:endParaRPr b="0" lang="en-GB" sz="3200" spc="-1" strike="noStrike">
               <a:latin typeface="Arial"/>
             </a:endParaRPr>
           </a:p>
@@ -1969,7 +1815,6 @@
         <p:spPr/>
         <p:txBody>
           <a:bodyPr/>
-          <a:lstStyle/>
           <a:p>
             <a:r>
               <a:t>Footer</a:t>
@@ -1990,12 +1835,10 @@
         <p:spPr/>
         <p:txBody>
           <a:bodyPr/>
-          <a:lstStyle/>
-          <a:p>
-            <a:fld id="{9D6F0B41-52A7-4073-A9CD-59CA43EAE676}" type="slidenum">
-              <a:t>‹#›</a:t>
+          <a:p>
+            <a:fld id="{D4A652CE-3DAC-48D3-B9EB-7BD2DEB177DE}" type="slidenum">
+              <a:t>&lt;#&gt;</a:t>
             </a:fld>
-            <a:endParaRPr/>
           </a:p>
         </p:txBody>
       </p:sp>
@@ -2012,22 +1855,21 @@
         <p:spPr/>
         <p:txBody>
           <a:bodyPr/>
-          <a:lstStyle/>
-          <a:p>
-            <a:endParaRPr/>
+          <a:p>
+            <a:r>
+              <a:rPr lang="en-GB"/>
+              <a:t/>
+            </a:r>
           </a:p>
         </p:txBody>
       </p:sp>
     </p:spTree>
   </p:cSld>
-  <p:clrMapOvr>
-    <a:masterClrMapping/>
-  </p:clrMapOvr>
 </p:sldLayout>
 </file>
 
 <file path=ppt/slideLayouts/slideLayout19.xml><?xml version="1.0" encoding="utf-8"?>
-<p:sldLayout xmlns:a="http://schemas.openxmlformats.org/drawingml/2006/main" xmlns:r="http://schemas.openxmlformats.org/officeDocument/2006/relationships" xmlns:p="http://schemas.openxmlformats.org/presentationml/2006/main" type="twoObjAndObj" preserve="1">
+<p:sldLayout xmlns:a="http://schemas.openxmlformats.org/drawingml/2006/main" xmlns:p="http://schemas.openxmlformats.org/presentationml/2006/main" xmlns:r="http://schemas.openxmlformats.org/officeDocument/2006/relationships" xmlns:p14="http://schemas.microsoft.com/office/powerpoint/2010/main" xmlns:p15="http://schemas.microsoft.com/office/powerpoint/2012/main" xmlns:mc="http://schemas.openxmlformats.org/markup-compatibility/2006" type="twoObjAndObj" preserve="1">
   <p:cSld name="Title, 2 Content and Content">
     <p:spTree>
       <p:nvGrpSpPr>
@@ -2056,23 +1898,22 @@
         <p:spPr>
           <a:xfrm>
             <a:off x="504000" y="226080"/>
-            <a:ext cx="9071280" cy="945720"/>
-          </a:xfrm>
-          <a:prstGeom prst="rect">
-            <a:avLst/>
-          </a:prstGeom>
-          <a:noFill/>
-          <a:ln w="0">
-            <a:noFill/>
-          </a:ln>
-        </p:spPr>
-        <p:txBody>
-          <a:bodyPr lIns="0" tIns="0" rIns="0" bIns="0" anchor="ctr">
+            <a:ext cx="9072000" cy="946440"/>
+          </a:xfrm>
+          <a:prstGeom prst="rect">
+            <a:avLst/>
+          </a:prstGeom>
+          <a:noFill/>
+          <a:ln w="0">
+            <a:noFill/>
+          </a:ln>
+        </p:spPr>
+        <p:txBody>
+          <a:bodyPr lIns="0" rIns="0" tIns="0" bIns="0" anchor="ctr">
             <a:noAutofit/>
           </a:bodyPr>
-          <a:lstStyle/>
-          <a:p>
-            <a:endParaRPr lang="fi-FI" sz="1800" b="0" strike="noStrike" spc="-1">
+          <a:p>
+            <a:endParaRPr b="0" lang="fi-FI" sz="1800" spc="-1" strike="noStrike">
               <a:solidFill>
                 <a:srgbClr val="000000"/>
               </a:solidFill>
@@ -2094,21 +1935,20 @@
         <p:spPr>
           <a:xfrm>
             <a:off x="504000" y="1326600"/>
-            <a:ext cx="4426920" cy="1568160"/>
-          </a:xfrm>
-          <a:prstGeom prst="rect">
-            <a:avLst/>
-          </a:prstGeom>
-          <a:noFill/>
-          <a:ln w="0">
-            <a:noFill/>
-          </a:ln>
-        </p:spPr>
-        <p:txBody>
-          <a:bodyPr lIns="0" tIns="0" rIns="0" bIns="0" anchor="t">
+            <a:ext cx="4426920" cy="1568520"/>
+          </a:xfrm>
+          <a:prstGeom prst="rect">
+            <a:avLst/>
+          </a:prstGeom>
+          <a:noFill/>
+          <a:ln w="0">
+            <a:noFill/>
+          </a:ln>
+        </p:spPr>
+        <p:txBody>
+          <a:bodyPr lIns="0" rIns="0" tIns="0" bIns="0" anchor="t">
             <a:normAutofit/>
           </a:bodyPr>
-          <a:lstStyle/>
           <a:p>
             <a:pPr>
               <a:lnSpc>
@@ -2119,7 +1959,7 @@
               </a:spcBef>
               <a:buNone/>
             </a:pPr>
-            <a:endParaRPr lang="fi-FI" sz="2800" b="0" strike="noStrike" spc="-1">
+            <a:endParaRPr b="0" lang="fi-FI" sz="2800" spc="-1" strike="noStrike">
               <a:solidFill>
                 <a:srgbClr val="000000"/>
               </a:solidFill>
@@ -2141,21 +1981,20 @@
         <p:spPr>
           <a:xfrm>
             <a:off x="5152680" y="1326600"/>
-            <a:ext cx="4426920" cy="3288240"/>
-          </a:xfrm>
-          <a:prstGeom prst="rect">
-            <a:avLst/>
-          </a:prstGeom>
-          <a:noFill/>
-          <a:ln w="0">
-            <a:noFill/>
-          </a:ln>
-        </p:spPr>
-        <p:txBody>
-          <a:bodyPr lIns="0" tIns="0" rIns="0" bIns="0" anchor="t">
+            <a:ext cx="4426920" cy="3288600"/>
+          </a:xfrm>
+          <a:prstGeom prst="rect">
+            <a:avLst/>
+          </a:prstGeom>
+          <a:noFill/>
+          <a:ln w="0">
+            <a:noFill/>
+          </a:ln>
+        </p:spPr>
+        <p:txBody>
+          <a:bodyPr lIns="0" rIns="0" tIns="0" bIns="0" anchor="t">
             <a:normAutofit/>
           </a:bodyPr>
-          <a:lstStyle/>
           <a:p>
             <a:pPr>
               <a:lnSpc>
@@ -2166,7 +2005,7 @@
               </a:spcBef>
               <a:buNone/>
             </a:pPr>
-            <a:endParaRPr lang="fi-FI" sz="2800" b="0" strike="noStrike" spc="-1">
+            <a:endParaRPr b="0" lang="fi-FI" sz="2800" spc="-1" strike="noStrike">
               <a:solidFill>
                 <a:srgbClr val="000000"/>
               </a:solidFill>
@@ -2187,22 +2026,21 @@
         </p:nvSpPr>
         <p:spPr>
           <a:xfrm>
-            <a:off x="504000" y="3044160"/>
-            <a:ext cx="4426920" cy="1568160"/>
-          </a:xfrm>
-          <a:prstGeom prst="rect">
-            <a:avLst/>
-          </a:prstGeom>
-          <a:noFill/>
-          <a:ln w="0">
-            <a:noFill/>
-          </a:ln>
-        </p:spPr>
-        <p:txBody>
-          <a:bodyPr lIns="0" tIns="0" rIns="0" bIns="0" anchor="t">
+            <a:off x="504000" y="3044520"/>
+            <a:ext cx="4426920" cy="1568520"/>
+          </a:xfrm>
+          <a:prstGeom prst="rect">
+            <a:avLst/>
+          </a:prstGeom>
+          <a:noFill/>
+          <a:ln w="0">
+            <a:noFill/>
+          </a:ln>
+        </p:spPr>
+        <p:txBody>
+          <a:bodyPr lIns="0" rIns="0" tIns="0" bIns="0" anchor="t">
             <a:normAutofit/>
           </a:bodyPr>
-          <a:lstStyle/>
           <a:p>
             <a:pPr>
               <a:lnSpc>
@@ -2213,7 +2051,7 @@
               </a:spcBef>
               <a:buNone/>
             </a:pPr>
-            <a:endParaRPr lang="fi-FI" sz="2800" b="0" strike="noStrike" spc="-1">
+            <a:endParaRPr b="0" lang="fi-FI" sz="2800" spc="-1" strike="noStrike">
               <a:solidFill>
                 <a:srgbClr val="000000"/>
               </a:solidFill>
@@ -2235,7 +2073,6 @@
         <p:spPr/>
         <p:txBody>
           <a:bodyPr/>
-          <a:lstStyle/>
           <a:p>
             <a:r>
               <a:t>Footer</a:t>
@@ -2256,12 +2093,10 @@
         <p:spPr/>
         <p:txBody>
           <a:bodyPr/>
-          <a:lstStyle/>
-          <a:p>
-            <a:fld id="{D282FCD2-6059-4DFF-B9DB-89B7A8BCF771}" type="slidenum">
-              <a:t>‹#›</a:t>
+          <a:p>
+            <a:fld id="{81BB515B-35F4-4270-B7F3-D79048B14C5B}" type="slidenum">
+              <a:t>&lt;#&gt;</a:t>
             </a:fld>
-            <a:endParaRPr/>
           </a:p>
         </p:txBody>
       </p:sp>
@@ -2278,22 +2113,21 @@
         <p:spPr/>
         <p:txBody>
           <a:bodyPr/>
-          <a:lstStyle/>
-          <a:p>
-            <a:endParaRPr/>
+          <a:p>
+            <a:r>
+              <a:rPr lang="en-GB"/>
+              <a:t/>
+            </a:r>
           </a:p>
         </p:txBody>
       </p:sp>
     </p:spTree>
   </p:cSld>
-  <p:clrMapOvr>
-    <a:masterClrMapping/>
-  </p:clrMapOvr>
 </p:sldLayout>
 </file>
 
 <file path=ppt/slideLayouts/slideLayout2.xml><?xml version="1.0" encoding="utf-8"?>
-<p:sldLayout xmlns:a="http://schemas.openxmlformats.org/drawingml/2006/main" xmlns:r="http://schemas.openxmlformats.org/officeDocument/2006/relationships" xmlns:p="http://schemas.openxmlformats.org/presentationml/2006/main" type="tx" preserve="1">
+<p:sldLayout xmlns:a="http://schemas.openxmlformats.org/drawingml/2006/main" xmlns:p="http://schemas.openxmlformats.org/presentationml/2006/main" xmlns:r="http://schemas.openxmlformats.org/officeDocument/2006/relationships" xmlns:p14="http://schemas.microsoft.com/office/powerpoint/2010/main" xmlns:p15="http://schemas.microsoft.com/office/powerpoint/2012/main" xmlns:mc="http://schemas.openxmlformats.org/markup-compatibility/2006" type="tx" preserve="1">
   <p:cSld name="Title Slide">
     <p:spTree>
       <p:nvGrpSpPr>
@@ -2322,23 +2156,22 @@
         <p:spPr>
           <a:xfrm>
             <a:off x="504000" y="226080"/>
-            <a:ext cx="9071280" cy="945720"/>
-          </a:xfrm>
-          <a:prstGeom prst="rect">
-            <a:avLst/>
-          </a:prstGeom>
-          <a:noFill/>
-          <a:ln w="0">
-            <a:noFill/>
-          </a:ln>
-        </p:spPr>
-        <p:txBody>
-          <a:bodyPr lIns="0" tIns="0" rIns="0" bIns="0" anchor="ctr">
+            <a:ext cx="9072000" cy="946440"/>
+          </a:xfrm>
+          <a:prstGeom prst="rect">
+            <a:avLst/>
+          </a:prstGeom>
+          <a:noFill/>
+          <a:ln w="0">
+            <a:noFill/>
+          </a:ln>
+        </p:spPr>
+        <p:txBody>
+          <a:bodyPr lIns="0" rIns="0" tIns="0" bIns="0" anchor="ctr">
             <a:noAutofit/>
           </a:bodyPr>
-          <a:lstStyle/>
-          <a:p>
-            <a:endParaRPr lang="fi-FI" sz="1800" b="0" strike="noStrike" spc="-1">
+          <a:p>
+            <a:endParaRPr b="0" lang="fi-FI" sz="1800" spc="-1" strike="noStrike">
               <a:solidFill>
                 <a:srgbClr val="000000"/>
               </a:solidFill>
@@ -2360,26 +2193,25 @@
         <p:spPr>
           <a:xfrm>
             <a:off x="504000" y="1326600"/>
-            <a:ext cx="9071640" cy="3288240"/>
-          </a:xfrm>
-          <a:prstGeom prst="rect">
-            <a:avLst/>
-          </a:prstGeom>
-          <a:noFill/>
-          <a:ln w="0">
-            <a:noFill/>
-          </a:ln>
-        </p:spPr>
-        <p:txBody>
-          <a:bodyPr lIns="0" tIns="0" rIns="0" bIns="0" anchor="ctr">
+            <a:ext cx="9072000" cy="3288600"/>
+          </a:xfrm>
+          <a:prstGeom prst="rect">
+            <a:avLst/>
+          </a:prstGeom>
+          <a:noFill/>
+          <a:ln w="0">
+            <a:noFill/>
+          </a:ln>
+        </p:spPr>
+        <p:txBody>
+          <a:bodyPr lIns="0" rIns="0" tIns="0" bIns="0" anchor="ctr">
             <a:noAutofit/>
           </a:bodyPr>
-          <a:lstStyle/>
           <a:p>
             <a:pPr algn="ctr">
               <a:buNone/>
             </a:pPr>
-            <a:endParaRPr lang="en-GB" sz="3200" b="0" strike="noStrike" spc="-1">
+            <a:endParaRPr b="0" lang="en-GB" sz="3200" spc="-1" strike="noStrike">
               <a:latin typeface="Arial"/>
             </a:endParaRPr>
           </a:p>
@@ -2398,7 +2230,6 @@
         <p:spPr/>
         <p:txBody>
           <a:bodyPr/>
-          <a:lstStyle/>
           <a:p>
             <a:r>
               <a:t>Footer</a:t>
@@ -2408,7 +2239,7 @@
       </p:sp>
       <p:sp>
         <p:nvSpPr>
-          <p:cNvPr id="2" name="PlaceHolder 4"/>
+          <p:cNvPr id="5" name="PlaceHolder 4"/>
           <p:cNvSpPr>
             <a:spLocks noGrp="1"/>
           </p:cNvSpPr>
@@ -2419,18 +2250,16 @@
         <p:spPr/>
         <p:txBody>
           <a:bodyPr/>
-          <a:lstStyle/>
-          <a:p>
-            <a:fld id="{072ADF5B-F5EA-4670-94FD-ED189E9B6631}" type="slidenum">
-              <a:t>‹#›</a:t>
+          <a:p>
+            <a:fld id="{8C060865-A5F1-4294-8E2D-5A01F4BC966B}" type="slidenum">
+              <a:t>&lt;#&gt;</a:t>
             </a:fld>
-            <a:endParaRPr/>
-          </a:p>
-        </p:txBody>
-      </p:sp>
-      <p:sp>
-        <p:nvSpPr>
-          <p:cNvPr id="3" name="PlaceHolder 5"/>
+          </a:p>
+        </p:txBody>
+      </p:sp>
+      <p:sp>
+        <p:nvSpPr>
+          <p:cNvPr id="6" name="PlaceHolder 5"/>
           <p:cNvSpPr>
             <a:spLocks noGrp="1"/>
           </p:cNvSpPr>
@@ -2441,22 +2270,21 @@
         <p:spPr/>
         <p:txBody>
           <a:bodyPr/>
-          <a:lstStyle/>
-          <a:p>
-            <a:endParaRPr/>
+          <a:p>
+            <a:r>
+              <a:rPr lang="en-GB"/>
+              <a:t/>
+            </a:r>
           </a:p>
         </p:txBody>
       </p:sp>
     </p:spTree>
   </p:cSld>
-  <p:clrMapOvr>
-    <a:masterClrMapping/>
-  </p:clrMapOvr>
 </p:sldLayout>
 </file>
 
 <file path=ppt/slideLayouts/slideLayout20.xml><?xml version="1.0" encoding="utf-8"?>
-<p:sldLayout xmlns:a="http://schemas.openxmlformats.org/drawingml/2006/main" xmlns:r="http://schemas.openxmlformats.org/officeDocument/2006/relationships" xmlns:p="http://schemas.openxmlformats.org/presentationml/2006/main" type="objAndTwoObj" preserve="1">
+<p:sldLayout xmlns:a="http://schemas.openxmlformats.org/drawingml/2006/main" xmlns:p="http://schemas.openxmlformats.org/presentationml/2006/main" xmlns:r="http://schemas.openxmlformats.org/officeDocument/2006/relationships" xmlns:p14="http://schemas.microsoft.com/office/powerpoint/2010/main" xmlns:p15="http://schemas.microsoft.com/office/powerpoint/2012/main" xmlns:mc="http://schemas.openxmlformats.org/markup-compatibility/2006" type="objAndTwoObj" preserve="1">
   <p:cSld name="Title Content and 2 Content">
     <p:spTree>
       <p:nvGrpSpPr>
@@ -2485,23 +2313,22 @@
         <p:spPr>
           <a:xfrm>
             <a:off x="504000" y="226080"/>
-            <a:ext cx="9071280" cy="945720"/>
-          </a:xfrm>
-          <a:prstGeom prst="rect">
-            <a:avLst/>
-          </a:prstGeom>
-          <a:noFill/>
-          <a:ln w="0">
-            <a:noFill/>
-          </a:ln>
-        </p:spPr>
-        <p:txBody>
-          <a:bodyPr lIns="0" tIns="0" rIns="0" bIns="0" anchor="ctr">
+            <a:ext cx="9072000" cy="946440"/>
+          </a:xfrm>
+          <a:prstGeom prst="rect">
+            <a:avLst/>
+          </a:prstGeom>
+          <a:noFill/>
+          <a:ln w="0">
+            <a:noFill/>
+          </a:ln>
+        </p:spPr>
+        <p:txBody>
+          <a:bodyPr lIns="0" rIns="0" tIns="0" bIns="0" anchor="ctr">
             <a:noAutofit/>
           </a:bodyPr>
-          <a:lstStyle/>
-          <a:p>
-            <a:endParaRPr lang="fi-FI" sz="1800" b="0" strike="noStrike" spc="-1">
+          <a:p>
+            <a:endParaRPr b="0" lang="fi-FI" sz="1800" spc="-1" strike="noStrike">
               <a:solidFill>
                 <a:srgbClr val="000000"/>
               </a:solidFill>
@@ -2523,21 +2350,20 @@
         <p:spPr>
           <a:xfrm>
             <a:off x="504000" y="1326600"/>
-            <a:ext cx="4426920" cy="3288240"/>
-          </a:xfrm>
-          <a:prstGeom prst="rect">
-            <a:avLst/>
-          </a:prstGeom>
-          <a:noFill/>
-          <a:ln w="0">
-            <a:noFill/>
-          </a:ln>
-        </p:spPr>
-        <p:txBody>
-          <a:bodyPr lIns="0" tIns="0" rIns="0" bIns="0" anchor="t">
+            <a:ext cx="4426920" cy="3288600"/>
+          </a:xfrm>
+          <a:prstGeom prst="rect">
+            <a:avLst/>
+          </a:prstGeom>
+          <a:noFill/>
+          <a:ln w="0">
+            <a:noFill/>
+          </a:ln>
+        </p:spPr>
+        <p:txBody>
+          <a:bodyPr lIns="0" rIns="0" tIns="0" bIns="0" anchor="t">
             <a:normAutofit/>
           </a:bodyPr>
-          <a:lstStyle/>
           <a:p>
             <a:pPr>
               <a:lnSpc>
@@ -2548,7 +2374,7 @@
               </a:spcBef>
               <a:buNone/>
             </a:pPr>
-            <a:endParaRPr lang="fi-FI" sz="2800" b="0" strike="noStrike" spc="-1">
+            <a:endParaRPr b="0" lang="fi-FI" sz="2800" spc="-1" strike="noStrike">
               <a:solidFill>
                 <a:srgbClr val="000000"/>
               </a:solidFill>
@@ -2570,21 +2396,20 @@
         <p:spPr>
           <a:xfrm>
             <a:off x="5152680" y="1326600"/>
-            <a:ext cx="4426920" cy="1568160"/>
-          </a:xfrm>
-          <a:prstGeom prst="rect">
-            <a:avLst/>
-          </a:prstGeom>
-          <a:noFill/>
-          <a:ln w="0">
-            <a:noFill/>
-          </a:ln>
-        </p:spPr>
-        <p:txBody>
-          <a:bodyPr lIns="0" tIns="0" rIns="0" bIns="0" anchor="t">
+            <a:ext cx="4426920" cy="1568520"/>
+          </a:xfrm>
+          <a:prstGeom prst="rect">
+            <a:avLst/>
+          </a:prstGeom>
+          <a:noFill/>
+          <a:ln w="0">
+            <a:noFill/>
+          </a:ln>
+        </p:spPr>
+        <p:txBody>
+          <a:bodyPr lIns="0" rIns="0" tIns="0" bIns="0" anchor="t">
             <a:normAutofit/>
           </a:bodyPr>
-          <a:lstStyle/>
           <a:p>
             <a:pPr>
               <a:lnSpc>
@@ -2595,7 +2420,7 @@
               </a:spcBef>
               <a:buNone/>
             </a:pPr>
-            <a:endParaRPr lang="fi-FI" sz="2800" b="0" strike="noStrike" spc="-1">
+            <a:endParaRPr b="0" lang="fi-FI" sz="2800" spc="-1" strike="noStrike">
               <a:solidFill>
                 <a:srgbClr val="000000"/>
               </a:solidFill>
@@ -2616,22 +2441,21 @@
         </p:nvSpPr>
         <p:spPr>
           <a:xfrm>
-            <a:off x="5152680" y="3044160"/>
-            <a:ext cx="4426920" cy="1568160"/>
-          </a:xfrm>
-          <a:prstGeom prst="rect">
-            <a:avLst/>
-          </a:prstGeom>
-          <a:noFill/>
-          <a:ln w="0">
-            <a:noFill/>
-          </a:ln>
-        </p:spPr>
-        <p:txBody>
-          <a:bodyPr lIns="0" tIns="0" rIns="0" bIns="0" anchor="t">
+            <a:off x="5152680" y="3044520"/>
+            <a:ext cx="4426920" cy="1568520"/>
+          </a:xfrm>
+          <a:prstGeom prst="rect">
+            <a:avLst/>
+          </a:prstGeom>
+          <a:noFill/>
+          <a:ln w="0">
+            <a:noFill/>
+          </a:ln>
+        </p:spPr>
+        <p:txBody>
+          <a:bodyPr lIns="0" rIns="0" tIns="0" bIns="0" anchor="t">
             <a:normAutofit/>
           </a:bodyPr>
-          <a:lstStyle/>
           <a:p>
             <a:pPr>
               <a:lnSpc>
@@ -2642,7 +2466,7 @@
               </a:spcBef>
               <a:buNone/>
             </a:pPr>
-            <a:endParaRPr lang="fi-FI" sz="2800" b="0" strike="noStrike" spc="-1">
+            <a:endParaRPr b="0" lang="fi-FI" sz="2800" spc="-1" strike="noStrike">
               <a:solidFill>
                 <a:srgbClr val="000000"/>
               </a:solidFill>
@@ -2664,7 +2488,6 @@
         <p:spPr/>
         <p:txBody>
           <a:bodyPr/>
-          <a:lstStyle/>
           <a:p>
             <a:r>
               <a:t>Footer</a:t>
@@ -2685,12 +2508,10 @@
         <p:spPr/>
         <p:txBody>
           <a:bodyPr/>
-          <a:lstStyle/>
-          <a:p>
-            <a:fld id="{A04B6A08-502D-47E5-AB03-99581A3A9120}" type="slidenum">
-              <a:t>‹#›</a:t>
+          <a:p>
+            <a:fld id="{595209D3-713C-44BA-9625-04EB47A45817}" type="slidenum">
+              <a:t>&lt;#&gt;</a:t>
             </a:fld>
-            <a:endParaRPr/>
           </a:p>
         </p:txBody>
       </p:sp>
@@ -2707,22 +2528,21 @@
         <p:spPr/>
         <p:txBody>
           <a:bodyPr/>
-          <a:lstStyle/>
-          <a:p>
-            <a:endParaRPr/>
+          <a:p>
+            <a:r>
+              <a:rPr lang="en-GB"/>
+              <a:t/>
+            </a:r>
           </a:p>
         </p:txBody>
       </p:sp>
     </p:spTree>
   </p:cSld>
-  <p:clrMapOvr>
-    <a:masterClrMapping/>
-  </p:clrMapOvr>
 </p:sldLayout>
 </file>
 
 <file path=ppt/slideLayouts/slideLayout21.xml><?xml version="1.0" encoding="utf-8"?>
-<p:sldLayout xmlns:a="http://schemas.openxmlformats.org/drawingml/2006/main" xmlns:r="http://schemas.openxmlformats.org/officeDocument/2006/relationships" xmlns:p="http://schemas.openxmlformats.org/presentationml/2006/main" type="twoObjOverTx" preserve="1">
+<p:sldLayout xmlns:a="http://schemas.openxmlformats.org/drawingml/2006/main" xmlns:p="http://schemas.openxmlformats.org/presentationml/2006/main" xmlns:r="http://schemas.openxmlformats.org/officeDocument/2006/relationships" xmlns:p14="http://schemas.microsoft.com/office/powerpoint/2010/main" xmlns:p15="http://schemas.microsoft.com/office/powerpoint/2012/main" xmlns:mc="http://schemas.openxmlformats.org/markup-compatibility/2006" type="twoObjOverTx" preserve="1">
   <p:cSld name="Title, 2 Content over Content">
     <p:spTree>
       <p:nvGrpSpPr>
@@ -2751,23 +2571,22 @@
         <p:spPr>
           <a:xfrm>
             <a:off x="504000" y="226080"/>
-            <a:ext cx="9071280" cy="945720"/>
-          </a:xfrm>
-          <a:prstGeom prst="rect">
-            <a:avLst/>
-          </a:prstGeom>
-          <a:noFill/>
-          <a:ln w="0">
-            <a:noFill/>
-          </a:ln>
-        </p:spPr>
-        <p:txBody>
-          <a:bodyPr lIns="0" tIns="0" rIns="0" bIns="0" anchor="ctr">
+            <a:ext cx="9072000" cy="946440"/>
+          </a:xfrm>
+          <a:prstGeom prst="rect">
+            <a:avLst/>
+          </a:prstGeom>
+          <a:noFill/>
+          <a:ln w="0">
+            <a:noFill/>
+          </a:ln>
+        </p:spPr>
+        <p:txBody>
+          <a:bodyPr lIns="0" rIns="0" tIns="0" bIns="0" anchor="ctr">
             <a:noAutofit/>
           </a:bodyPr>
-          <a:lstStyle/>
-          <a:p>
-            <a:endParaRPr lang="fi-FI" sz="1800" b="0" strike="noStrike" spc="-1">
+          <a:p>
+            <a:endParaRPr b="0" lang="fi-FI" sz="1800" spc="-1" strike="noStrike">
               <a:solidFill>
                 <a:srgbClr val="000000"/>
               </a:solidFill>
@@ -2789,21 +2608,20 @@
         <p:spPr>
           <a:xfrm>
             <a:off x="504000" y="1326600"/>
-            <a:ext cx="4426920" cy="1568160"/>
-          </a:xfrm>
-          <a:prstGeom prst="rect">
-            <a:avLst/>
-          </a:prstGeom>
-          <a:noFill/>
-          <a:ln w="0">
-            <a:noFill/>
-          </a:ln>
-        </p:spPr>
-        <p:txBody>
-          <a:bodyPr lIns="0" tIns="0" rIns="0" bIns="0" anchor="t">
+            <a:ext cx="4426920" cy="1568520"/>
+          </a:xfrm>
+          <a:prstGeom prst="rect">
+            <a:avLst/>
+          </a:prstGeom>
+          <a:noFill/>
+          <a:ln w="0">
+            <a:noFill/>
+          </a:ln>
+        </p:spPr>
+        <p:txBody>
+          <a:bodyPr lIns="0" rIns="0" tIns="0" bIns="0" anchor="t">
             <a:normAutofit/>
           </a:bodyPr>
-          <a:lstStyle/>
           <a:p>
             <a:pPr>
               <a:lnSpc>
@@ -2814,7 +2632,7 @@
               </a:spcBef>
               <a:buNone/>
             </a:pPr>
-            <a:endParaRPr lang="fi-FI" sz="2800" b="0" strike="noStrike" spc="-1">
+            <a:endParaRPr b="0" lang="fi-FI" sz="2800" spc="-1" strike="noStrike">
               <a:solidFill>
                 <a:srgbClr val="000000"/>
               </a:solidFill>
@@ -2836,21 +2654,20 @@
         <p:spPr>
           <a:xfrm>
             <a:off x="5152680" y="1326600"/>
-            <a:ext cx="4426920" cy="1568160"/>
-          </a:xfrm>
-          <a:prstGeom prst="rect">
-            <a:avLst/>
-          </a:prstGeom>
-          <a:noFill/>
-          <a:ln w="0">
-            <a:noFill/>
-          </a:ln>
-        </p:spPr>
-        <p:txBody>
-          <a:bodyPr lIns="0" tIns="0" rIns="0" bIns="0" anchor="t">
+            <a:ext cx="4426920" cy="1568520"/>
+          </a:xfrm>
+          <a:prstGeom prst="rect">
+            <a:avLst/>
+          </a:prstGeom>
+          <a:noFill/>
+          <a:ln w="0">
+            <a:noFill/>
+          </a:ln>
+        </p:spPr>
+        <p:txBody>
+          <a:bodyPr lIns="0" rIns="0" tIns="0" bIns="0" anchor="t">
             <a:normAutofit/>
           </a:bodyPr>
-          <a:lstStyle/>
           <a:p>
             <a:pPr>
               <a:lnSpc>
@@ -2861,7 +2678,7 @@
               </a:spcBef>
               <a:buNone/>
             </a:pPr>
-            <a:endParaRPr lang="fi-FI" sz="2800" b="0" strike="noStrike" spc="-1">
+            <a:endParaRPr b="0" lang="fi-FI" sz="2800" spc="-1" strike="noStrike">
               <a:solidFill>
                 <a:srgbClr val="000000"/>
               </a:solidFill>
@@ -2882,22 +2699,21 @@
         </p:nvSpPr>
         <p:spPr>
           <a:xfrm>
-            <a:off x="504000" y="3044160"/>
-            <a:ext cx="9071640" cy="1568160"/>
-          </a:xfrm>
-          <a:prstGeom prst="rect">
-            <a:avLst/>
-          </a:prstGeom>
-          <a:noFill/>
-          <a:ln w="0">
-            <a:noFill/>
-          </a:ln>
-        </p:spPr>
-        <p:txBody>
-          <a:bodyPr lIns="0" tIns="0" rIns="0" bIns="0" anchor="t">
+            <a:off x="504000" y="3044520"/>
+            <a:ext cx="9072000" cy="1568520"/>
+          </a:xfrm>
+          <a:prstGeom prst="rect">
+            <a:avLst/>
+          </a:prstGeom>
+          <a:noFill/>
+          <a:ln w="0">
+            <a:noFill/>
+          </a:ln>
+        </p:spPr>
+        <p:txBody>
+          <a:bodyPr lIns="0" rIns="0" tIns="0" bIns="0" anchor="t">
             <a:normAutofit/>
           </a:bodyPr>
-          <a:lstStyle/>
           <a:p>
             <a:pPr>
               <a:lnSpc>
@@ -2908,7 +2724,7 @@
               </a:spcBef>
               <a:buNone/>
             </a:pPr>
-            <a:endParaRPr lang="fi-FI" sz="2800" b="0" strike="noStrike" spc="-1">
+            <a:endParaRPr b="0" lang="fi-FI" sz="2800" spc="-1" strike="noStrike">
               <a:solidFill>
                 <a:srgbClr val="000000"/>
               </a:solidFill>
@@ -2930,7 +2746,6 @@
         <p:spPr/>
         <p:txBody>
           <a:bodyPr/>
-          <a:lstStyle/>
           <a:p>
             <a:r>
               <a:t>Footer</a:t>
@@ -2951,12 +2766,10 @@
         <p:spPr/>
         <p:txBody>
           <a:bodyPr/>
-          <a:lstStyle/>
-          <a:p>
-            <a:fld id="{D902F7A8-2636-4718-B6E6-05A2F97A3B55}" type="slidenum">
-              <a:t>‹#›</a:t>
+          <a:p>
+            <a:fld id="{A65F6F29-8F6B-43D0-B972-740BB1DE2508}" type="slidenum">
+              <a:t>&lt;#&gt;</a:t>
             </a:fld>
-            <a:endParaRPr/>
           </a:p>
         </p:txBody>
       </p:sp>
@@ -2973,22 +2786,21 @@
         <p:spPr/>
         <p:txBody>
           <a:bodyPr/>
-          <a:lstStyle/>
-          <a:p>
-            <a:endParaRPr/>
+          <a:p>
+            <a:r>
+              <a:rPr lang="en-GB"/>
+              <a:t/>
+            </a:r>
           </a:p>
         </p:txBody>
       </p:sp>
     </p:spTree>
   </p:cSld>
-  <p:clrMapOvr>
-    <a:masterClrMapping/>
-  </p:clrMapOvr>
 </p:sldLayout>
 </file>
 
 <file path=ppt/slideLayouts/slideLayout22.xml><?xml version="1.0" encoding="utf-8"?>
-<p:sldLayout xmlns:a="http://schemas.openxmlformats.org/drawingml/2006/main" xmlns:r="http://schemas.openxmlformats.org/officeDocument/2006/relationships" xmlns:p="http://schemas.openxmlformats.org/presentationml/2006/main" type="objOverTx" preserve="1">
+<p:sldLayout xmlns:a="http://schemas.openxmlformats.org/drawingml/2006/main" xmlns:p="http://schemas.openxmlformats.org/presentationml/2006/main" xmlns:r="http://schemas.openxmlformats.org/officeDocument/2006/relationships" xmlns:p14="http://schemas.microsoft.com/office/powerpoint/2010/main" xmlns:p15="http://schemas.microsoft.com/office/powerpoint/2012/main" xmlns:mc="http://schemas.openxmlformats.org/markup-compatibility/2006" type="objOverTx" preserve="1">
   <p:cSld name="Title, Content over Content">
     <p:spTree>
       <p:nvGrpSpPr>
@@ -3017,23 +2829,22 @@
         <p:spPr>
           <a:xfrm>
             <a:off x="504000" y="226080"/>
-            <a:ext cx="9071280" cy="945720"/>
-          </a:xfrm>
-          <a:prstGeom prst="rect">
-            <a:avLst/>
-          </a:prstGeom>
-          <a:noFill/>
-          <a:ln w="0">
-            <a:noFill/>
-          </a:ln>
-        </p:spPr>
-        <p:txBody>
-          <a:bodyPr lIns="0" tIns="0" rIns="0" bIns="0" anchor="ctr">
+            <a:ext cx="9072000" cy="946440"/>
+          </a:xfrm>
+          <a:prstGeom prst="rect">
+            <a:avLst/>
+          </a:prstGeom>
+          <a:noFill/>
+          <a:ln w="0">
+            <a:noFill/>
+          </a:ln>
+        </p:spPr>
+        <p:txBody>
+          <a:bodyPr lIns="0" rIns="0" tIns="0" bIns="0" anchor="ctr">
             <a:noAutofit/>
           </a:bodyPr>
-          <a:lstStyle/>
-          <a:p>
-            <a:endParaRPr lang="fi-FI" sz="1800" b="0" strike="noStrike" spc="-1">
+          <a:p>
+            <a:endParaRPr b="0" lang="fi-FI" sz="1800" spc="-1" strike="noStrike">
               <a:solidFill>
                 <a:srgbClr val="000000"/>
               </a:solidFill>
@@ -3055,21 +2866,20 @@
         <p:spPr>
           <a:xfrm>
             <a:off x="504000" y="1326600"/>
-            <a:ext cx="9071640" cy="1568160"/>
-          </a:xfrm>
-          <a:prstGeom prst="rect">
-            <a:avLst/>
-          </a:prstGeom>
-          <a:noFill/>
-          <a:ln w="0">
-            <a:noFill/>
-          </a:ln>
-        </p:spPr>
-        <p:txBody>
-          <a:bodyPr lIns="0" tIns="0" rIns="0" bIns="0" anchor="t">
+            <a:ext cx="9072000" cy="1568520"/>
+          </a:xfrm>
+          <a:prstGeom prst="rect">
+            <a:avLst/>
+          </a:prstGeom>
+          <a:noFill/>
+          <a:ln w="0">
+            <a:noFill/>
+          </a:ln>
+        </p:spPr>
+        <p:txBody>
+          <a:bodyPr lIns="0" rIns="0" tIns="0" bIns="0" anchor="t">
             <a:normAutofit/>
           </a:bodyPr>
-          <a:lstStyle/>
           <a:p>
             <a:pPr>
               <a:lnSpc>
@@ -3080,7 +2890,7 @@
               </a:spcBef>
               <a:buNone/>
             </a:pPr>
-            <a:endParaRPr lang="fi-FI" sz="2800" b="0" strike="noStrike" spc="-1">
+            <a:endParaRPr b="0" lang="fi-FI" sz="2800" spc="-1" strike="noStrike">
               <a:solidFill>
                 <a:srgbClr val="000000"/>
               </a:solidFill>
@@ -3101,22 +2911,21 @@
         </p:nvSpPr>
         <p:spPr>
           <a:xfrm>
-            <a:off x="504000" y="3044160"/>
-            <a:ext cx="9071640" cy="1568160"/>
-          </a:xfrm>
-          <a:prstGeom prst="rect">
-            <a:avLst/>
-          </a:prstGeom>
-          <a:noFill/>
-          <a:ln w="0">
-            <a:noFill/>
-          </a:ln>
-        </p:spPr>
-        <p:txBody>
-          <a:bodyPr lIns="0" tIns="0" rIns="0" bIns="0" anchor="t">
+            <a:off x="504000" y="3044520"/>
+            <a:ext cx="9072000" cy="1568520"/>
+          </a:xfrm>
+          <a:prstGeom prst="rect">
+            <a:avLst/>
+          </a:prstGeom>
+          <a:noFill/>
+          <a:ln w="0">
+            <a:noFill/>
+          </a:ln>
+        </p:spPr>
+        <p:txBody>
+          <a:bodyPr lIns="0" rIns="0" tIns="0" bIns="0" anchor="t">
             <a:normAutofit/>
           </a:bodyPr>
-          <a:lstStyle/>
           <a:p>
             <a:pPr>
               <a:lnSpc>
@@ -3127,7 +2936,7 @@
               </a:spcBef>
               <a:buNone/>
             </a:pPr>
-            <a:endParaRPr lang="fi-FI" sz="2800" b="0" strike="noStrike" spc="-1">
+            <a:endParaRPr b="0" lang="fi-FI" sz="2800" spc="-1" strike="noStrike">
               <a:solidFill>
                 <a:srgbClr val="000000"/>
               </a:solidFill>
@@ -3149,7 +2958,6 @@
         <p:spPr/>
         <p:txBody>
           <a:bodyPr/>
-          <a:lstStyle/>
           <a:p>
             <a:r>
               <a:t>Footer</a:t>
@@ -3170,12 +2978,10 @@
         <p:spPr/>
         <p:txBody>
           <a:bodyPr/>
-          <a:lstStyle/>
-          <a:p>
-            <a:fld id="{94E17BFF-0D9D-4804-9E55-777928A45F07}" type="slidenum">
-              <a:t>‹#›</a:t>
+          <a:p>
+            <a:fld id="{CC3FBA40-7F09-418E-8AC4-8868319E1176}" type="slidenum">
+              <a:t>&lt;#&gt;</a:t>
             </a:fld>
-            <a:endParaRPr/>
           </a:p>
         </p:txBody>
       </p:sp>
@@ -3192,22 +2998,21 @@
         <p:spPr/>
         <p:txBody>
           <a:bodyPr/>
-          <a:lstStyle/>
-          <a:p>
-            <a:endParaRPr/>
+          <a:p>
+            <a:r>
+              <a:rPr lang="en-GB"/>
+              <a:t/>
+            </a:r>
           </a:p>
         </p:txBody>
       </p:sp>
     </p:spTree>
   </p:cSld>
-  <p:clrMapOvr>
-    <a:masterClrMapping/>
-  </p:clrMapOvr>
 </p:sldLayout>
 </file>
 
 <file path=ppt/slideLayouts/slideLayout23.xml><?xml version="1.0" encoding="utf-8"?>
-<p:sldLayout xmlns:a="http://schemas.openxmlformats.org/drawingml/2006/main" xmlns:r="http://schemas.openxmlformats.org/officeDocument/2006/relationships" xmlns:p="http://schemas.openxmlformats.org/presentationml/2006/main" type="fourObj" preserve="1">
+<p:sldLayout xmlns:a="http://schemas.openxmlformats.org/drawingml/2006/main" xmlns:p="http://schemas.openxmlformats.org/presentationml/2006/main" xmlns:r="http://schemas.openxmlformats.org/officeDocument/2006/relationships" xmlns:p14="http://schemas.microsoft.com/office/powerpoint/2010/main" xmlns:p15="http://schemas.microsoft.com/office/powerpoint/2012/main" xmlns:mc="http://schemas.openxmlformats.org/markup-compatibility/2006" type="fourObj" preserve="1">
   <p:cSld name="Title, 4 Content">
     <p:spTree>
       <p:nvGrpSpPr>
@@ -3236,23 +3041,22 @@
         <p:spPr>
           <a:xfrm>
             <a:off x="504000" y="226080"/>
-            <a:ext cx="9071280" cy="945720"/>
-          </a:xfrm>
-          <a:prstGeom prst="rect">
-            <a:avLst/>
-          </a:prstGeom>
-          <a:noFill/>
-          <a:ln w="0">
-            <a:noFill/>
-          </a:ln>
-        </p:spPr>
-        <p:txBody>
-          <a:bodyPr lIns="0" tIns="0" rIns="0" bIns="0" anchor="ctr">
+            <a:ext cx="9072000" cy="946440"/>
+          </a:xfrm>
+          <a:prstGeom prst="rect">
+            <a:avLst/>
+          </a:prstGeom>
+          <a:noFill/>
+          <a:ln w="0">
+            <a:noFill/>
+          </a:ln>
+        </p:spPr>
+        <p:txBody>
+          <a:bodyPr lIns="0" rIns="0" tIns="0" bIns="0" anchor="ctr">
             <a:noAutofit/>
           </a:bodyPr>
-          <a:lstStyle/>
-          <a:p>
-            <a:endParaRPr lang="fi-FI" sz="1800" b="0" strike="noStrike" spc="-1">
+          <a:p>
+            <a:endParaRPr b="0" lang="fi-FI" sz="1800" spc="-1" strike="noStrike">
               <a:solidFill>
                 <a:srgbClr val="000000"/>
               </a:solidFill>
@@ -3274,21 +3078,20 @@
         <p:spPr>
           <a:xfrm>
             <a:off x="504000" y="1326600"/>
-            <a:ext cx="4426920" cy="1568160"/>
-          </a:xfrm>
-          <a:prstGeom prst="rect">
-            <a:avLst/>
-          </a:prstGeom>
-          <a:noFill/>
-          <a:ln w="0">
-            <a:noFill/>
-          </a:ln>
-        </p:spPr>
-        <p:txBody>
-          <a:bodyPr lIns="0" tIns="0" rIns="0" bIns="0" anchor="t">
+            <a:ext cx="4426920" cy="1568520"/>
+          </a:xfrm>
+          <a:prstGeom prst="rect">
+            <a:avLst/>
+          </a:prstGeom>
+          <a:noFill/>
+          <a:ln w="0">
+            <a:noFill/>
+          </a:ln>
+        </p:spPr>
+        <p:txBody>
+          <a:bodyPr lIns="0" rIns="0" tIns="0" bIns="0" anchor="t">
             <a:normAutofit/>
           </a:bodyPr>
-          <a:lstStyle/>
           <a:p>
             <a:pPr>
               <a:lnSpc>
@@ -3299,7 +3102,7 @@
               </a:spcBef>
               <a:buNone/>
             </a:pPr>
-            <a:endParaRPr lang="fi-FI" sz="2800" b="0" strike="noStrike" spc="-1">
+            <a:endParaRPr b="0" lang="fi-FI" sz="2800" spc="-1" strike="noStrike">
               <a:solidFill>
                 <a:srgbClr val="000000"/>
               </a:solidFill>
@@ -3321,21 +3124,20 @@
         <p:spPr>
           <a:xfrm>
             <a:off x="5152680" y="1326600"/>
-            <a:ext cx="4426920" cy="1568160"/>
-          </a:xfrm>
-          <a:prstGeom prst="rect">
-            <a:avLst/>
-          </a:prstGeom>
-          <a:noFill/>
-          <a:ln w="0">
-            <a:noFill/>
-          </a:ln>
-        </p:spPr>
-        <p:txBody>
-          <a:bodyPr lIns="0" tIns="0" rIns="0" bIns="0" anchor="t">
+            <a:ext cx="4426920" cy="1568520"/>
+          </a:xfrm>
+          <a:prstGeom prst="rect">
+            <a:avLst/>
+          </a:prstGeom>
+          <a:noFill/>
+          <a:ln w="0">
+            <a:noFill/>
+          </a:ln>
+        </p:spPr>
+        <p:txBody>
+          <a:bodyPr lIns="0" rIns="0" tIns="0" bIns="0" anchor="t">
             <a:normAutofit/>
           </a:bodyPr>
-          <a:lstStyle/>
           <a:p>
             <a:pPr>
               <a:lnSpc>
@@ -3346,7 +3148,7 @@
               </a:spcBef>
               <a:buNone/>
             </a:pPr>
-            <a:endParaRPr lang="fi-FI" sz="2800" b="0" strike="noStrike" spc="-1">
+            <a:endParaRPr b="0" lang="fi-FI" sz="2800" spc="-1" strike="noStrike">
               <a:solidFill>
                 <a:srgbClr val="000000"/>
               </a:solidFill>
@@ -3367,22 +3169,21 @@
         </p:nvSpPr>
         <p:spPr>
           <a:xfrm>
-            <a:off x="504000" y="3044160"/>
-            <a:ext cx="4426920" cy="1568160"/>
-          </a:xfrm>
-          <a:prstGeom prst="rect">
-            <a:avLst/>
-          </a:prstGeom>
-          <a:noFill/>
-          <a:ln w="0">
-            <a:noFill/>
-          </a:ln>
-        </p:spPr>
-        <p:txBody>
-          <a:bodyPr lIns="0" tIns="0" rIns="0" bIns="0" anchor="t">
+            <a:off x="504000" y="3044520"/>
+            <a:ext cx="4426920" cy="1568520"/>
+          </a:xfrm>
+          <a:prstGeom prst="rect">
+            <a:avLst/>
+          </a:prstGeom>
+          <a:noFill/>
+          <a:ln w="0">
+            <a:noFill/>
+          </a:ln>
+        </p:spPr>
+        <p:txBody>
+          <a:bodyPr lIns="0" rIns="0" tIns="0" bIns="0" anchor="t">
             <a:normAutofit/>
           </a:bodyPr>
-          <a:lstStyle/>
           <a:p>
             <a:pPr>
               <a:lnSpc>
@@ -3393,7 +3194,7 @@
               </a:spcBef>
               <a:buNone/>
             </a:pPr>
-            <a:endParaRPr lang="fi-FI" sz="2800" b="0" strike="noStrike" spc="-1">
+            <a:endParaRPr b="0" lang="fi-FI" sz="2800" spc="-1" strike="noStrike">
               <a:solidFill>
                 <a:srgbClr val="000000"/>
               </a:solidFill>
@@ -3414,22 +3215,21 @@
         </p:nvSpPr>
         <p:spPr>
           <a:xfrm>
-            <a:off x="5152680" y="3044160"/>
-            <a:ext cx="4426920" cy="1568160"/>
-          </a:xfrm>
-          <a:prstGeom prst="rect">
-            <a:avLst/>
-          </a:prstGeom>
-          <a:noFill/>
-          <a:ln w="0">
-            <a:noFill/>
-          </a:ln>
-        </p:spPr>
-        <p:txBody>
-          <a:bodyPr lIns="0" tIns="0" rIns="0" bIns="0" anchor="t">
+            <a:off x="5152680" y="3044520"/>
+            <a:ext cx="4426920" cy="1568520"/>
+          </a:xfrm>
+          <a:prstGeom prst="rect">
+            <a:avLst/>
+          </a:prstGeom>
+          <a:noFill/>
+          <a:ln w="0">
+            <a:noFill/>
+          </a:ln>
+        </p:spPr>
+        <p:txBody>
+          <a:bodyPr lIns="0" rIns="0" tIns="0" bIns="0" anchor="t">
             <a:normAutofit/>
           </a:bodyPr>
-          <a:lstStyle/>
           <a:p>
             <a:pPr>
               <a:lnSpc>
@@ -3440,7 +3240,7 @@
               </a:spcBef>
               <a:buNone/>
             </a:pPr>
-            <a:endParaRPr lang="fi-FI" sz="2800" b="0" strike="noStrike" spc="-1">
+            <a:endParaRPr b="0" lang="fi-FI" sz="2800" spc="-1" strike="noStrike">
               <a:solidFill>
                 <a:srgbClr val="000000"/>
               </a:solidFill>
@@ -3462,7 +3262,6 @@
         <p:spPr/>
         <p:txBody>
           <a:bodyPr/>
-          <a:lstStyle/>
           <a:p>
             <a:r>
               <a:t>Footer</a:t>
@@ -3483,12 +3282,10 @@
         <p:spPr/>
         <p:txBody>
           <a:bodyPr/>
-          <a:lstStyle/>
-          <a:p>
-            <a:fld id="{9E7EDF84-AAEE-4AF0-A537-23BD818D742B}" type="slidenum">
-              <a:t>‹#›</a:t>
+          <a:p>
+            <a:fld id="{2C2172ED-E3AD-4B17-BEFF-1843F0E5DAF6}" type="slidenum">
+              <a:t>&lt;#&gt;</a:t>
             </a:fld>
-            <a:endParaRPr/>
           </a:p>
         </p:txBody>
       </p:sp>
@@ -3505,22 +3302,21 @@
         <p:spPr/>
         <p:txBody>
           <a:bodyPr/>
-          <a:lstStyle/>
-          <a:p>
-            <a:endParaRPr/>
+          <a:p>
+            <a:r>
+              <a:rPr lang="en-GB"/>
+              <a:t/>
+            </a:r>
           </a:p>
         </p:txBody>
       </p:sp>
     </p:spTree>
   </p:cSld>
-  <p:clrMapOvr>
-    <a:masterClrMapping/>
-  </p:clrMapOvr>
 </p:sldLayout>
 </file>
 
 <file path=ppt/slideLayouts/slideLayout24.xml><?xml version="1.0" encoding="utf-8"?>
-<p:sldLayout xmlns:a="http://schemas.openxmlformats.org/drawingml/2006/main" xmlns:r="http://schemas.openxmlformats.org/officeDocument/2006/relationships" xmlns:p="http://schemas.openxmlformats.org/presentationml/2006/main" type="blank" preserve="1">
+<p:sldLayout xmlns:a="http://schemas.openxmlformats.org/drawingml/2006/main" xmlns:p="http://schemas.openxmlformats.org/presentationml/2006/main" xmlns:r="http://schemas.openxmlformats.org/officeDocument/2006/relationships" xmlns:p14="http://schemas.microsoft.com/office/powerpoint/2010/main" xmlns:p15="http://schemas.microsoft.com/office/powerpoint/2012/main" xmlns:mc="http://schemas.openxmlformats.org/markup-compatibility/2006" type="blank" preserve="1">
   <p:cSld name="Title, 6 Content">
     <p:spTree>
       <p:nvGrpSpPr>
@@ -3549,23 +3345,22 @@
         <p:spPr>
           <a:xfrm>
             <a:off x="504000" y="226080"/>
-            <a:ext cx="9071280" cy="945720"/>
-          </a:xfrm>
-          <a:prstGeom prst="rect">
-            <a:avLst/>
-          </a:prstGeom>
-          <a:noFill/>
-          <a:ln w="0">
-            <a:noFill/>
-          </a:ln>
-        </p:spPr>
-        <p:txBody>
-          <a:bodyPr lIns="0" tIns="0" rIns="0" bIns="0" anchor="ctr">
+            <a:ext cx="9072000" cy="946440"/>
+          </a:xfrm>
+          <a:prstGeom prst="rect">
+            <a:avLst/>
+          </a:prstGeom>
+          <a:noFill/>
+          <a:ln w="0">
+            <a:noFill/>
+          </a:ln>
+        </p:spPr>
+        <p:txBody>
+          <a:bodyPr lIns="0" rIns="0" tIns="0" bIns="0" anchor="ctr">
             <a:noAutofit/>
           </a:bodyPr>
-          <a:lstStyle/>
-          <a:p>
-            <a:endParaRPr lang="fi-FI" sz="1800" b="0" strike="noStrike" spc="-1">
+          <a:p>
+            <a:endParaRPr b="0" lang="fi-FI" sz="1800" spc="-1" strike="noStrike">
               <a:solidFill>
                 <a:srgbClr val="000000"/>
               </a:solidFill>
@@ -3587,21 +3382,20 @@
         <p:spPr>
           <a:xfrm>
             <a:off x="504000" y="1326600"/>
-            <a:ext cx="2920680" cy="1568160"/>
-          </a:xfrm>
-          <a:prstGeom prst="rect">
-            <a:avLst/>
-          </a:prstGeom>
-          <a:noFill/>
-          <a:ln w="0">
-            <a:noFill/>
-          </a:ln>
-        </p:spPr>
-        <p:txBody>
-          <a:bodyPr lIns="0" tIns="0" rIns="0" bIns="0" anchor="t">
+            <a:ext cx="2921040" cy="1568520"/>
+          </a:xfrm>
+          <a:prstGeom prst="rect">
+            <a:avLst/>
+          </a:prstGeom>
+          <a:noFill/>
+          <a:ln w="0">
+            <a:noFill/>
+          </a:ln>
+        </p:spPr>
+        <p:txBody>
+          <a:bodyPr lIns="0" rIns="0" tIns="0" bIns="0" anchor="t">
             <a:normAutofit/>
           </a:bodyPr>
-          <a:lstStyle/>
           <a:p>
             <a:pPr>
               <a:lnSpc>
@@ -3612,7 +3406,7 @@
               </a:spcBef>
               <a:buNone/>
             </a:pPr>
-            <a:endParaRPr lang="fi-FI" sz="2800" b="0" strike="noStrike" spc="-1">
+            <a:endParaRPr b="0" lang="fi-FI" sz="2800" spc="-1" strike="noStrike">
               <a:solidFill>
                 <a:srgbClr val="000000"/>
               </a:solidFill>
@@ -3633,22 +3427,21 @@
         </p:nvSpPr>
         <p:spPr>
           <a:xfrm>
-            <a:off x="3571200" y="1326600"/>
-            <a:ext cx="2920680" cy="1568160"/>
-          </a:xfrm>
-          <a:prstGeom prst="rect">
-            <a:avLst/>
-          </a:prstGeom>
-          <a:noFill/>
-          <a:ln w="0">
-            <a:noFill/>
-          </a:ln>
-        </p:spPr>
-        <p:txBody>
-          <a:bodyPr lIns="0" tIns="0" rIns="0" bIns="0" anchor="t">
+            <a:off x="3571560" y="1326600"/>
+            <a:ext cx="2921040" cy="1568520"/>
+          </a:xfrm>
+          <a:prstGeom prst="rect">
+            <a:avLst/>
+          </a:prstGeom>
+          <a:noFill/>
+          <a:ln w="0">
+            <a:noFill/>
+          </a:ln>
+        </p:spPr>
+        <p:txBody>
+          <a:bodyPr lIns="0" rIns="0" tIns="0" bIns="0" anchor="t">
             <a:normAutofit/>
           </a:bodyPr>
-          <a:lstStyle/>
           <a:p>
             <a:pPr>
               <a:lnSpc>
@@ -3659,7 +3452,7 @@
               </a:spcBef>
               <a:buNone/>
             </a:pPr>
-            <a:endParaRPr lang="fi-FI" sz="2800" b="0" strike="noStrike" spc="-1">
+            <a:endParaRPr b="0" lang="fi-FI" sz="2800" spc="-1" strike="noStrike">
               <a:solidFill>
                 <a:srgbClr val="000000"/>
               </a:solidFill>
@@ -3680,22 +3473,21 @@
         </p:nvSpPr>
         <p:spPr>
           <a:xfrm>
-            <a:off x="6638040" y="1326600"/>
-            <a:ext cx="2920680" cy="1568160"/>
-          </a:xfrm>
-          <a:prstGeom prst="rect">
-            <a:avLst/>
-          </a:prstGeom>
-          <a:noFill/>
-          <a:ln w="0">
-            <a:noFill/>
-          </a:ln>
-        </p:spPr>
-        <p:txBody>
-          <a:bodyPr lIns="0" tIns="0" rIns="0" bIns="0" anchor="t">
+            <a:off x="6639120" y="1326600"/>
+            <a:ext cx="2921040" cy="1568520"/>
+          </a:xfrm>
+          <a:prstGeom prst="rect">
+            <a:avLst/>
+          </a:prstGeom>
+          <a:noFill/>
+          <a:ln w="0">
+            <a:noFill/>
+          </a:ln>
+        </p:spPr>
+        <p:txBody>
+          <a:bodyPr lIns="0" rIns="0" tIns="0" bIns="0" anchor="t">
             <a:normAutofit/>
           </a:bodyPr>
-          <a:lstStyle/>
           <a:p>
             <a:pPr>
               <a:lnSpc>
@@ -3706,7 +3498,7 @@
               </a:spcBef>
               <a:buNone/>
             </a:pPr>
-            <a:endParaRPr lang="fi-FI" sz="2800" b="0" strike="noStrike" spc="-1">
+            <a:endParaRPr b="0" lang="fi-FI" sz="2800" spc="-1" strike="noStrike">
               <a:solidFill>
                 <a:srgbClr val="000000"/>
               </a:solidFill>
@@ -3727,22 +3519,21 @@
         </p:nvSpPr>
         <p:spPr>
           <a:xfrm>
-            <a:off x="504000" y="3044160"/>
-            <a:ext cx="2920680" cy="1568160"/>
-          </a:xfrm>
-          <a:prstGeom prst="rect">
-            <a:avLst/>
-          </a:prstGeom>
-          <a:noFill/>
-          <a:ln w="0">
-            <a:noFill/>
-          </a:ln>
-        </p:spPr>
-        <p:txBody>
-          <a:bodyPr lIns="0" tIns="0" rIns="0" bIns="0" anchor="t">
+            <a:off x="504000" y="3044520"/>
+            <a:ext cx="2921040" cy="1568520"/>
+          </a:xfrm>
+          <a:prstGeom prst="rect">
+            <a:avLst/>
+          </a:prstGeom>
+          <a:noFill/>
+          <a:ln w="0">
+            <a:noFill/>
+          </a:ln>
+        </p:spPr>
+        <p:txBody>
+          <a:bodyPr lIns="0" rIns="0" tIns="0" bIns="0" anchor="t">
             <a:normAutofit/>
           </a:bodyPr>
-          <a:lstStyle/>
           <a:p>
             <a:pPr>
               <a:lnSpc>
@@ -3753,7 +3544,7 @@
               </a:spcBef>
               <a:buNone/>
             </a:pPr>
-            <a:endParaRPr lang="fi-FI" sz="2800" b="0" strike="noStrike" spc="-1">
+            <a:endParaRPr b="0" lang="fi-FI" sz="2800" spc="-1" strike="noStrike">
               <a:solidFill>
                 <a:srgbClr val="000000"/>
               </a:solidFill>
@@ -3774,22 +3565,21 @@
         </p:nvSpPr>
         <p:spPr>
           <a:xfrm>
-            <a:off x="3571200" y="3044160"/>
-            <a:ext cx="2920680" cy="1568160"/>
-          </a:xfrm>
-          <a:prstGeom prst="rect">
-            <a:avLst/>
-          </a:prstGeom>
-          <a:noFill/>
-          <a:ln w="0">
-            <a:noFill/>
-          </a:ln>
-        </p:spPr>
-        <p:txBody>
-          <a:bodyPr lIns="0" tIns="0" rIns="0" bIns="0" anchor="t">
+            <a:off x="3571560" y="3044520"/>
+            <a:ext cx="2921040" cy="1568520"/>
+          </a:xfrm>
+          <a:prstGeom prst="rect">
+            <a:avLst/>
+          </a:prstGeom>
+          <a:noFill/>
+          <a:ln w="0">
+            <a:noFill/>
+          </a:ln>
+        </p:spPr>
+        <p:txBody>
+          <a:bodyPr lIns="0" rIns="0" tIns="0" bIns="0" anchor="t">
             <a:normAutofit/>
           </a:bodyPr>
-          <a:lstStyle/>
           <a:p>
             <a:pPr>
               <a:lnSpc>
@@ -3800,7 +3590,7 @@
               </a:spcBef>
               <a:buNone/>
             </a:pPr>
-            <a:endParaRPr lang="fi-FI" sz="2800" b="0" strike="noStrike" spc="-1">
+            <a:endParaRPr b="0" lang="fi-FI" sz="2800" spc="-1" strike="noStrike">
               <a:solidFill>
                 <a:srgbClr val="000000"/>
               </a:solidFill>
@@ -3821,22 +3611,21 @@
         </p:nvSpPr>
         <p:spPr>
           <a:xfrm>
-            <a:off x="6638040" y="3044160"/>
-            <a:ext cx="2920680" cy="1568160"/>
-          </a:xfrm>
-          <a:prstGeom prst="rect">
-            <a:avLst/>
-          </a:prstGeom>
-          <a:noFill/>
-          <a:ln w="0">
-            <a:noFill/>
-          </a:ln>
-        </p:spPr>
-        <p:txBody>
-          <a:bodyPr lIns="0" tIns="0" rIns="0" bIns="0" anchor="t">
+            <a:off x="6639120" y="3044520"/>
+            <a:ext cx="2921040" cy="1568520"/>
+          </a:xfrm>
+          <a:prstGeom prst="rect">
+            <a:avLst/>
+          </a:prstGeom>
+          <a:noFill/>
+          <a:ln w="0">
+            <a:noFill/>
+          </a:ln>
+        </p:spPr>
+        <p:txBody>
+          <a:bodyPr lIns="0" rIns="0" tIns="0" bIns="0" anchor="t">
             <a:normAutofit/>
           </a:bodyPr>
-          <a:lstStyle/>
           <a:p>
             <a:pPr>
               <a:lnSpc>
@@ -3847,7 +3636,7 @@
               </a:spcBef>
               <a:buNone/>
             </a:pPr>
-            <a:endParaRPr lang="fi-FI" sz="2800" b="0" strike="noStrike" spc="-1">
+            <a:endParaRPr b="0" lang="fi-FI" sz="2800" spc="-1" strike="noStrike">
               <a:solidFill>
                 <a:srgbClr val="000000"/>
               </a:solidFill>
@@ -3869,7 +3658,6 @@
         <p:spPr/>
         <p:txBody>
           <a:bodyPr/>
-          <a:lstStyle/>
           <a:p>
             <a:r>
               <a:t>Footer</a:t>
@@ -3890,12 +3678,10 @@
         <p:spPr/>
         <p:txBody>
           <a:bodyPr/>
-          <a:lstStyle/>
-          <a:p>
-            <a:fld id="{765FCFA6-AD83-4366-87D4-FC8A1B7436DE}" type="slidenum">
-              <a:t>‹#›</a:t>
+          <a:p>
+            <a:fld id="{686FAC4E-9F6C-45C9-8BED-1854E5D4798F}" type="slidenum">
+              <a:t>&lt;#&gt;</a:t>
             </a:fld>
-            <a:endParaRPr/>
           </a:p>
         </p:txBody>
       </p:sp>
@@ -3912,22 +3698,21 @@
         <p:spPr/>
         <p:txBody>
           <a:bodyPr/>
-          <a:lstStyle/>
-          <a:p>
-            <a:endParaRPr/>
+          <a:p>
+            <a:r>
+              <a:rPr lang="en-GB"/>
+              <a:t/>
+            </a:r>
           </a:p>
         </p:txBody>
       </p:sp>
     </p:spTree>
   </p:cSld>
-  <p:clrMapOvr>
-    <a:masterClrMapping/>
-  </p:clrMapOvr>
 </p:sldLayout>
 </file>
 
 <file path=ppt/slideLayouts/slideLayout3.xml><?xml version="1.0" encoding="utf-8"?>
-<p:sldLayout xmlns:a="http://schemas.openxmlformats.org/drawingml/2006/main" xmlns:r="http://schemas.openxmlformats.org/officeDocument/2006/relationships" xmlns:p="http://schemas.openxmlformats.org/presentationml/2006/main" type="obj" preserve="1">
+<p:sldLayout xmlns:a="http://schemas.openxmlformats.org/drawingml/2006/main" xmlns:p="http://schemas.openxmlformats.org/presentationml/2006/main" xmlns:r="http://schemas.openxmlformats.org/officeDocument/2006/relationships" xmlns:p14="http://schemas.microsoft.com/office/powerpoint/2010/main" xmlns:p15="http://schemas.microsoft.com/office/powerpoint/2012/main" xmlns:mc="http://schemas.openxmlformats.org/markup-compatibility/2006" type="obj" preserve="1">
   <p:cSld name="Title, Content">
     <p:spTree>
       <p:nvGrpSpPr>
@@ -3956,23 +3741,22 @@
         <p:spPr>
           <a:xfrm>
             <a:off x="504000" y="226080"/>
-            <a:ext cx="9071280" cy="945720"/>
-          </a:xfrm>
-          <a:prstGeom prst="rect">
-            <a:avLst/>
-          </a:prstGeom>
-          <a:noFill/>
-          <a:ln w="0">
-            <a:noFill/>
-          </a:ln>
-        </p:spPr>
-        <p:txBody>
-          <a:bodyPr lIns="0" tIns="0" rIns="0" bIns="0" anchor="ctr">
+            <a:ext cx="9072000" cy="946440"/>
+          </a:xfrm>
+          <a:prstGeom prst="rect">
+            <a:avLst/>
+          </a:prstGeom>
+          <a:noFill/>
+          <a:ln w="0">
+            <a:noFill/>
+          </a:ln>
+        </p:spPr>
+        <p:txBody>
+          <a:bodyPr lIns="0" rIns="0" tIns="0" bIns="0" anchor="ctr">
             <a:noAutofit/>
           </a:bodyPr>
-          <a:lstStyle/>
-          <a:p>
-            <a:endParaRPr lang="fi-FI" sz="1800" b="0" strike="noStrike" spc="-1">
+          <a:p>
+            <a:endParaRPr b="0" lang="fi-FI" sz="1800" spc="-1" strike="noStrike">
               <a:solidFill>
                 <a:srgbClr val="000000"/>
               </a:solidFill>
@@ -3994,21 +3778,20 @@
         <p:spPr>
           <a:xfrm>
             <a:off x="504000" y="1326600"/>
-            <a:ext cx="9071640" cy="3288240"/>
-          </a:xfrm>
-          <a:prstGeom prst="rect">
-            <a:avLst/>
-          </a:prstGeom>
-          <a:noFill/>
-          <a:ln w="0">
-            <a:noFill/>
-          </a:ln>
-        </p:spPr>
-        <p:txBody>
-          <a:bodyPr lIns="0" tIns="0" rIns="0" bIns="0" anchor="t">
+            <a:ext cx="9072000" cy="3288600"/>
+          </a:xfrm>
+          <a:prstGeom prst="rect">
+            <a:avLst/>
+          </a:prstGeom>
+          <a:noFill/>
+          <a:ln w="0">
+            <a:noFill/>
+          </a:ln>
+        </p:spPr>
+        <p:txBody>
+          <a:bodyPr lIns="0" rIns="0" tIns="0" bIns="0" anchor="t">
             <a:normAutofit/>
           </a:bodyPr>
-          <a:lstStyle/>
           <a:p>
             <a:pPr>
               <a:lnSpc>
@@ -4019,7 +3802,7 @@
               </a:spcBef>
               <a:buNone/>
             </a:pPr>
-            <a:endParaRPr lang="fi-FI" sz="2800" b="0" strike="noStrike" spc="-1">
+            <a:endParaRPr b="0" lang="fi-FI" sz="2800" spc="-1" strike="noStrike">
               <a:solidFill>
                 <a:srgbClr val="000000"/>
               </a:solidFill>
@@ -4041,7 +3824,6 @@
         <p:spPr/>
         <p:txBody>
           <a:bodyPr/>
-          <a:lstStyle/>
           <a:p>
             <a:r>
               <a:t>Footer</a:t>
@@ -4062,12 +3844,10 @@
         <p:spPr/>
         <p:txBody>
           <a:bodyPr/>
-          <a:lstStyle/>
-          <a:p>
-            <a:fld id="{A748DF0C-6310-4FDF-9178-365A8390947F}" type="slidenum">
-              <a:t>‹#›</a:t>
+          <a:p>
+            <a:fld id="{39FE6790-AF08-460E-A39A-67700ED13A36}" type="slidenum">
+              <a:t>&lt;#&gt;</a:t>
             </a:fld>
-            <a:endParaRPr/>
           </a:p>
         </p:txBody>
       </p:sp>
@@ -4084,22 +3864,21 @@
         <p:spPr/>
         <p:txBody>
           <a:bodyPr/>
-          <a:lstStyle/>
-          <a:p>
-            <a:endParaRPr/>
+          <a:p>
+            <a:r>
+              <a:rPr lang="en-GB"/>
+              <a:t/>
+            </a:r>
           </a:p>
         </p:txBody>
       </p:sp>
     </p:spTree>
   </p:cSld>
-  <p:clrMapOvr>
-    <a:masterClrMapping/>
-  </p:clrMapOvr>
 </p:sldLayout>
 </file>
 
 <file path=ppt/slideLayouts/slideLayout4.xml><?xml version="1.0" encoding="utf-8"?>
-<p:sldLayout xmlns:a="http://schemas.openxmlformats.org/drawingml/2006/main" xmlns:r="http://schemas.openxmlformats.org/officeDocument/2006/relationships" xmlns:p="http://schemas.openxmlformats.org/presentationml/2006/main" type="twoObj" preserve="1">
+<p:sldLayout xmlns:a="http://schemas.openxmlformats.org/drawingml/2006/main" xmlns:p="http://schemas.openxmlformats.org/presentationml/2006/main" xmlns:r="http://schemas.openxmlformats.org/officeDocument/2006/relationships" xmlns:p14="http://schemas.microsoft.com/office/powerpoint/2010/main" xmlns:p15="http://schemas.microsoft.com/office/powerpoint/2012/main" xmlns:mc="http://schemas.openxmlformats.org/markup-compatibility/2006" type="twoObj" preserve="1">
   <p:cSld name="Title, 2 Content">
     <p:spTree>
       <p:nvGrpSpPr>
@@ -4128,23 +3907,22 @@
         <p:spPr>
           <a:xfrm>
             <a:off x="504000" y="226080"/>
-            <a:ext cx="9071280" cy="945720"/>
-          </a:xfrm>
-          <a:prstGeom prst="rect">
-            <a:avLst/>
-          </a:prstGeom>
-          <a:noFill/>
-          <a:ln w="0">
-            <a:noFill/>
-          </a:ln>
-        </p:spPr>
-        <p:txBody>
-          <a:bodyPr lIns="0" tIns="0" rIns="0" bIns="0" anchor="ctr">
+            <a:ext cx="9072000" cy="946440"/>
+          </a:xfrm>
+          <a:prstGeom prst="rect">
+            <a:avLst/>
+          </a:prstGeom>
+          <a:noFill/>
+          <a:ln w="0">
+            <a:noFill/>
+          </a:ln>
+        </p:spPr>
+        <p:txBody>
+          <a:bodyPr lIns="0" rIns="0" tIns="0" bIns="0" anchor="ctr">
             <a:noAutofit/>
           </a:bodyPr>
-          <a:lstStyle/>
-          <a:p>
-            <a:endParaRPr lang="fi-FI" sz="1800" b="0" strike="noStrike" spc="-1">
+          <a:p>
+            <a:endParaRPr b="0" lang="fi-FI" sz="1800" spc="-1" strike="noStrike">
               <a:solidFill>
                 <a:srgbClr val="000000"/>
               </a:solidFill>
@@ -4166,21 +3944,20 @@
         <p:spPr>
           <a:xfrm>
             <a:off x="504000" y="1326600"/>
-            <a:ext cx="4426920" cy="3288240"/>
-          </a:xfrm>
-          <a:prstGeom prst="rect">
-            <a:avLst/>
-          </a:prstGeom>
-          <a:noFill/>
-          <a:ln w="0">
-            <a:noFill/>
-          </a:ln>
-        </p:spPr>
-        <p:txBody>
-          <a:bodyPr lIns="0" tIns="0" rIns="0" bIns="0" anchor="t">
+            <a:ext cx="4426920" cy="3288600"/>
+          </a:xfrm>
+          <a:prstGeom prst="rect">
+            <a:avLst/>
+          </a:prstGeom>
+          <a:noFill/>
+          <a:ln w="0">
+            <a:noFill/>
+          </a:ln>
+        </p:spPr>
+        <p:txBody>
+          <a:bodyPr lIns="0" rIns="0" tIns="0" bIns="0" anchor="t">
             <a:normAutofit/>
           </a:bodyPr>
-          <a:lstStyle/>
           <a:p>
             <a:pPr>
               <a:lnSpc>
@@ -4191,7 +3968,7 @@
               </a:spcBef>
               <a:buNone/>
             </a:pPr>
-            <a:endParaRPr lang="fi-FI" sz="2800" b="0" strike="noStrike" spc="-1">
+            <a:endParaRPr b="0" lang="fi-FI" sz="2800" spc="-1" strike="noStrike">
               <a:solidFill>
                 <a:srgbClr val="000000"/>
               </a:solidFill>
@@ -4213,21 +3990,20 @@
         <p:spPr>
           <a:xfrm>
             <a:off x="5152680" y="1326600"/>
-            <a:ext cx="4426920" cy="3288240"/>
-          </a:xfrm>
-          <a:prstGeom prst="rect">
-            <a:avLst/>
-          </a:prstGeom>
-          <a:noFill/>
-          <a:ln w="0">
-            <a:noFill/>
-          </a:ln>
-        </p:spPr>
-        <p:txBody>
-          <a:bodyPr lIns="0" tIns="0" rIns="0" bIns="0" anchor="t">
+            <a:ext cx="4426920" cy="3288600"/>
+          </a:xfrm>
+          <a:prstGeom prst="rect">
+            <a:avLst/>
+          </a:prstGeom>
+          <a:noFill/>
+          <a:ln w="0">
+            <a:noFill/>
+          </a:ln>
+        </p:spPr>
+        <p:txBody>
+          <a:bodyPr lIns="0" rIns="0" tIns="0" bIns="0" anchor="t">
             <a:normAutofit/>
           </a:bodyPr>
-          <a:lstStyle/>
           <a:p>
             <a:pPr>
               <a:lnSpc>
@@ -4238,7 +4014,7 @@
               </a:spcBef>
               <a:buNone/>
             </a:pPr>
-            <a:endParaRPr lang="fi-FI" sz="2800" b="0" strike="noStrike" spc="-1">
+            <a:endParaRPr b="0" lang="fi-FI" sz="2800" spc="-1" strike="noStrike">
               <a:solidFill>
                 <a:srgbClr val="000000"/>
               </a:solidFill>
@@ -4260,7 +4036,6 @@
         <p:spPr/>
         <p:txBody>
           <a:bodyPr/>
-          <a:lstStyle/>
           <a:p>
             <a:r>
               <a:t>Footer</a:t>
@@ -4281,12 +4056,10 @@
         <p:spPr/>
         <p:txBody>
           <a:bodyPr/>
-          <a:lstStyle/>
-          <a:p>
-            <a:fld id="{CCE826A6-93C2-48C4-98CE-5AFAD710C530}" type="slidenum">
-              <a:t>‹#›</a:t>
+          <a:p>
+            <a:fld id="{D78AF07F-757B-4A31-8308-A680097BDD0C}" type="slidenum">
+              <a:t>&lt;#&gt;</a:t>
             </a:fld>
-            <a:endParaRPr/>
           </a:p>
         </p:txBody>
       </p:sp>
@@ -4303,22 +4076,21 @@
         <p:spPr/>
         <p:txBody>
           <a:bodyPr/>
-          <a:lstStyle/>
-          <a:p>
-            <a:endParaRPr/>
+          <a:p>
+            <a:r>
+              <a:rPr lang="en-GB"/>
+              <a:t/>
+            </a:r>
           </a:p>
         </p:txBody>
       </p:sp>
     </p:spTree>
   </p:cSld>
-  <p:clrMapOvr>
-    <a:masterClrMapping/>
-  </p:clrMapOvr>
 </p:sldLayout>
 </file>
 
 <file path=ppt/slideLayouts/slideLayout5.xml><?xml version="1.0" encoding="utf-8"?>
-<p:sldLayout xmlns:a="http://schemas.openxmlformats.org/drawingml/2006/main" xmlns:r="http://schemas.openxmlformats.org/officeDocument/2006/relationships" xmlns:p="http://schemas.openxmlformats.org/presentationml/2006/main" type="titleOnly" preserve="1">
+<p:sldLayout xmlns:a="http://schemas.openxmlformats.org/drawingml/2006/main" xmlns:p="http://schemas.openxmlformats.org/presentationml/2006/main" xmlns:r="http://schemas.openxmlformats.org/officeDocument/2006/relationships" xmlns:p14="http://schemas.microsoft.com/office/powerpoint/2010/main" xmlns:p15="http://schemas.microsoft.com/office/powerpoint/2012/main" xmlns:mc="http://schemas.openxmlformats.org/markup-compatibility/2006" type="titleOnly" preserve="1">
   <p:cSld name="Title Only">
     <p:spTree>
       <p:nvGrpSpPr>
@@ -4347,23 +4119,22 @@
         <p:spPr>
           <a:xfrm>
             <a:off x="504000" y="226080"/>
-            <a:ext cx="9071280" cy="945720"/>
-          </a:xfrm>
-          <a:prstGeom prst="rect">
-            <a:avLst/>
-          </a:prstGeom>
-          <a:noFill/>
-          <a:ln w="0">
-            <a:noFill/>
-          </a:ln>
-        </p:spPr>
-        <p:txBody>
-          <a:bodyPr lIns="0" tIns="0" rIns="0" bIns="0" anchor="ctr">
+            <a:ext cx="9072000" cy="946440"/>
+          </a:xfrm>
+          <a:prstGeom prst="rect">
+            <a:avLst/>
+          </a:prstGeom>
+          <a:noFill/>
+          <a:ln w="0">
+            <a:noFill/>
+          </a:ln>
+        </p:spPr>
+        <p:txBody>
+          <a:bodyPr lIns="0" rIns="0" tIns="0" bIns="0" anchor="ctr">
             <a:noAutofit/>
           </a:bodyPr>
-          <a:lstStyle/>
-          <a:p>
-            <a:endParaRPr lang="fi-FI" sz="1800" b="0" strike="noStrike" spc="-1">
+          <a:p>
+            <a:endParaRPr b="0" lang="fi-FI" sz="1800" spc="-1" strike="noStrike">
               <a:solidFill>
                 <a:srgbClr val="000000"/>
               </a:solidFill>
@@ -4385,7 +4156,6 @@
         <p:spPr/>
         <p:txBody>
           <a:bodyPr/>
-          <a:lstStyle/>
           <a:p>
             <a:r>
               <a:t>Footer</a:t>
@@ -4406,12 +4176,10 @@
         <p:spPr/>
         <p:txBody>
           <a:bodyPr/>
-          <a:lstStyle/>
-          <a:p>
-            <a:fld id="{CA973EB9-05AA-4ABF-AB4A-9A424A6377AA}" type="slidenum">
-              <a:t>‹#›</a:t>
+          <a:p>
+            <a:fld id="{A9B9203D-51A5-4759-87E4-474E4823298D}" type="slidenum">
+              <a:t>&lt;#&gt;</a:t>
             </a:fld>
-            <a:endParaRPr/>
           </a:p>
         </p:txBody>
       </p:sp>
@@ -4428,22 +4196,21 @@
         <p:spPr/>
         <p:txBody>
           <a:bodyPr/>
-          <a:lstStyle/>
-          <a:p>
-            <a:endParaRPr/>
+          <a:p>
+            <a:r>
+              <a:rPr lang="en-GB"/>
+              <a:t/>
+            </a:r>
           </a:p>
         </p:txBody>
       </p:sp>
     </p:spTree>
   </p:cSld>
-  <p:clrMapOvr>
-    <a:masterClrMapping/>
-  </p:clrMapOvr>
 </p:sldLayout>
 </file>
 
 <file path=ppt/slideLayouts/slideLayout6.xml><?xml version="1.0" encoding="utf-8"?>
-<p:sldLayout xmlns:a="http://schemas.openxmlformats.org/drawingml/2006/main" xmlns:r="http://schemas.openxmlformats.org/officeDocument/2006/relationships" xmlns:p="http://schemas.openxmlformats.org/presentationml/2006/main" type="objOnly" preserve="1">
+<p:sldLayout xmlns:a="http://schemas.openxmlformats.org/drawingml/2006/main" xmlns:p="http://schemas.openxmlformats.org/presentationml/2006/main" xmlns:r="http://schemas.openxmlformats.org/officeDocument/2006/relationships" xmlns:p14="http://schemas.microsoft.com/office/powerpoint/2010/main" xmlns:p15="http://schemas.microsoft.com/office/powerpoint/2012/main" xmlns:mc="http://schemas.openxmlformats.org/markup-compatibility/2006" type="objOnly" preserve="1">
   <p:cSld name="Centered Text">
     <p:spTree>
       <p:nvGrpSpPr>
@@ -4472,26 +4239,25 @@
         <p:spPr>
           <a:xfrm>
             <a:off x="504000" y="226080"/>
-            <a:ext cx="9071280" cy="4385160"/>
-          </a:xfrm>
-          <a:prstGeom prst="rect">
-            <a:avLst/>
-          </a:prstGeom>
-          <a:noFill/>
-          <a:ln w="0">
-            <a:noFill/>
-          </a:ln>
-        </p:spPr>
-        <p:txBody>
-          <a:bodyPr lIns="0" tIns="0" rIns="0" bIns="0" anchor="ctr">
+            <a:ext cx="9072000" cy="4388400"/>
+          </a:xfrm>
+          <a:prstGeom prst="rect">
+            <a:avLst/>
+          </a:prstGeom>
+          <a:noFill/>
+          <a:ln w="0">
+            <a:noFill/>
+          </a:ln>
+        </p:spPr>
+        <p:txBody>
+          <a:bodyPr lIns="0" rIns="0" tIns="0" bIns="0" anchor="ctr">
             <a:noAutofit/>
           </a:bodyPr>
-          <a:lstStyle/>
           <a:p>
             <a:pPr algn="ctr">
               <a:buNone/>
             </a:pPr>
-            <a:endParaRPr lang="en-GB" sz="3200" b="0" strike="noStrike" spc="-1">
+            <a:endParaRPr b="0" lang="en-GB" sz="3200" spc="-1" strike="noStrike">
               <a:latin typeface="Arial"/>
             </a:endParaRPr>
           </a:p>
@@ -4510,7 +4276,6 @@
         <p:spPr/>
         <p:txBody>
           <a:bodyPr/>
-          <a:lstStyle/>
           <a:p>
             <a:r>
               <a:t>Footer</a:t>
@@ -4531,12 +4296,10 @@
         <p:spPr/>
         <p:txBody>
           <a:bodyPr/>
-          <a:lstStyle/>
-          <a:p>
-            <a:fld id="{EA874DAE-CB8D-4C43-A67E-14C4FBF12015}" type="slidenum">
-              <a:t>‹#›</a:t>
+          <a:p>
+            <a:fld id="{AF3A767A-0AE6-4E17-B22A-50EF74D478F7}" type="slidenum">
+              <a:t>&lt;#&gt;</a:t>
             </a:fld>
-            <a:endParaRPr/>
           </a:p>
         </p:txBody>
       </p:sp>
@@ -4553,22 +4316,21 @@
         <p:spPr/>
         <p:txBody>
           <a:bodyPr/>
-          <a:lstStyle/>
-          <a:p>
-            <a:endParaRPr/>
+          <a:p>
+            <a:r>
+              <a:rPr lang="en-GB"/>
+              <a:t/>
+            </a:r>
           </a:p>
         </p:txBody>
       </p:sp>
     </p:spTree>
   </p:cSld>
-  <p:clrMapOvr>
-    <a:masterClrMapping/>
-  </p:clrMapOvr>
 </p:sldLayout>
 </file>
 
 <file path=ppt/slideLayouts/slideLayout7.xml><?xml version="1.0" encoding="utf-8"?>
-<p:sldLayout xmlns:a="http://schemas.openxmlformats.org/drawingml/2006/main" xmlns:r="http://schemas.openxmlformats.org/officeDocument/2006/relationships" xmlns:p="http://schemas.openxmlformats.org/presentationml/2006/main" type="twoObjAndObj" preserve="1">
+<p:sldLayout xmlns:a="http://schemas.openxmlformats.org/drawingml/2006/main" xmlns:p="http://schemas.openxmlformats.org/presentationml/2006/main" xmlns:r="http://schemas.openxmlformats.org/officeDocument/2006/relationships" xmlns:p14="http://schemas.microsoft.com/office/powerpoint/2010/main" xmlns:p15="http://schemas.microsoft.com/office/powerpoint/2012/main" xmlns:mc="http://schemas.openxmlformats.org/markup-compatibility/2006" type="twoObjAndObj" preserve="1">
   <p:cSld name="Title, 2 Content and Content">
     <p:spTree>
       <p:nvGrpSpPr>
@@ -4597,23 +4359,22 @@
         <p:spPr>
           <a:xfrm>
             <a:off x="504000" y="226080"/>
-            <a:ext cx="9071280" cy="945720"/>
-          </a:xfrm>
-          <a:prstGeom prst="rect">
-            <a:avLst/>
-          </a:prstGeom>
-          <a:noFill/>
-          <a:ln w="0">
-            <a:noFill/>
-          </a:ln>
-        </p:spPr>
-        <p:txBody>
-          <a:bodyPr lIns="0" tIns="0" rIns="0" bIns="0" anchor="ctr">
+            <a:ext cx="9072000" cy="946440"/>
+          </a:xfrm>
+          <a:prstGeom prst="rect">
+            <a:avLst/>
+          </a:prstGeom>
+          <a:noFill/>
+          <a:ln w="0">
+            <a:noFill/>
+          </a:ln>
+        </p:spPr>
+        <p:txBody>
+          <a:bodyPr lIns="0" rIns="0" tIns="0" bIns="0" anchor="ctr">
             <a:noAutofit/>
           </a:bodyPr>
-          <a:lstStyle/>
-          <a:p>
-            <a:endParaRPr lang="fi-FI" sz="1800" b="0" strike="noStrike" spc="-1">
+          <a:p>
+            <a:endParaRPr b="0" lang="fi-FI" sz="1800" spc="-1" strike="noStrike">
               <a:solidFill>
                 <a:srgbClr val="000000"/>
               </a:solidFill>
@@ -4635,21 +4396,20 @@
         <p:spPr>
           <a:xfrm>
             <a:off x="504000" y="1326600"/>
-            <a:ext cx="4426920" cy="1568160"/>
-          </a:xfrm>
-          <a:prstGeom prst="rect">
-            <a:avLst/>
-          </a:prstGeom>
-          <a:noFill/>
-          <a:ln w="0">
-            <a:noFill/>
-          </a:ln>
-        </p:spPr>
-        <p:txBody>
-          <a:bodyPr lIns="0" tIns="0" rIns="0" bIns="0" anchor="t">
+            <a:ext cx="4426920" cy="1568520"/>
+          </a:xfrm>
+          <a:prstGeom prst="rect">
+            <a:avLst/>
+          </a:prstGeom>
+          <a:noFill/>
+          <a:ln w="0">
+            <a:noFill/>
+          </a:ln>
+        </p:spPr>
+        <p:txBody>
+          <a:bodyPr lIns="0" rIns="0" tIns="0" bIns="0" anchor="t">
             <a:normAutofit/>
           </a:bodyPr>
-          <a:lstStyle/>
           <a:p>
             <a:pPr>
               <a:lnSpc>
@@ -4660,7 +4420,7 @@
               </a:spcBef>
               <a:buNone/>
             </a:pPr>
-            <a:endParaRPr lang="fi-FI" sz="2800" b="0" strike="noStrike" spc="-1">
+            <a:endParaRPr b="0" lang="fi-FI" sz="2800" spc="-1" strike="noStrike">
               <a:solidFill>
                 <a:srgbClr val="000000"/>
               </a:solidFill>
@@ -4682,21 +4442,20 @@
         <p:spPr>
           <a:xfrm>
             <a:off x="5152680" y="1326600"/>
-            <a:ext cx="4426920" cy="3288240"/>
-          </a:xfrm>
-          <a:prstGeom prst="rect">
-            <a:avLst/>
-          </a:prstGeom>
-          <a:noFill/>
-          <a:ln w="0">
-            <a:noFill/>
-          </a:ln>
-        </p:spPr>
-        <p:txBody>
-          <a:bodyPr lIns="0" tIns="0" rIns="0" bIns="0" anchor="t">
+            <a:ext cx="4426920" cy="3288600"/>
+          </a:xfrm>
+          <a:prstGeom prst="rect">
+            <a:avLst/>
+          </a:prstGeom>
+          <a:noFill/>
+          <a:ln w="0">
+            <a:noFill/>
+          </a:ln>
+        </p:spPr>
+        <p:txBody>
+          <a:bodyPr lIns="0" rIns="0" tIns="0" bIns="0" anchor="t">
             <a:normAutofit/>
           </a:bodyPr>
-          <a:lstStyle/>
           <a:p>
             <a:pPr>
               <a:lnSpc>
@@ -4707,7 +4466,7 @@
               </a:spcBef>
               <a:buNone/>
             </a:pPr>
-            <a:endParaRPr lang="fi-FI" sz="2800" b="0" strike="noStrike" spc="-1">
+            <a:endParaRPr b="0" lang="fi-FI" sz="2800" spc="-1" strike="noStrike">
               <a:solidFill>
                 <a:srgbClr val="000000"/>
               </a:solidFill>
@@ -4728,22 +4487,21 @@
         </p:nvSpPr>
         <p:spPr>
           <a:xfrm>
-            <a:off x="504000" y="3044160"/>
-            <a:ext cx="4426920" cy="1568160"/>
-          </a:xfrm>
-          <a:prstGeom prst="rect">
-            <a:avLst/>
-          </a:prstGeom>
-          <a:noFill/>
-          <a:ln w="0">
-            <a:noFill/>
-          </a:ln>
-        </p:spPr>
-        <p:txBody>
-          <a:bodyPr lIns="0" tIns="0" rIns="0" bIns="0" anchor="t">
+            <a:off x="504000" y="3044520"/>
+            <a:ext cx="4426920" cy="1568520"/>
+          </a:xfrm>
+          <a:prstGeom prst="rect">
+            <a:avLst/>
+          </a:prstGeom>
+          <a:noFill/>
+          <a:ln w="0">
+            <a:noFill/>
+          </a:ln>
+        </p:spPr>
+        <p:txBody>
+          <a:bodyPr lIns="0" rIns="0" tIns="0" bIns="0" anchor="t">
             <a:normAutofit/>
           </a:bodyPr>
-          <a:lstStyle/>
           <a:p>
             <a:pPr>
               <a:lnSpc>
@@ -4754,7 +4512,7 @@
               </a:spcBef>
               <a:buNone/>
             </a:pPr>
-            <a:endParaRPr lang="fi-FI" sz="2800" b="0" strike="noStrike" spc="-1">
+            <a:endParaRPr b="0" lang="fi-FI" sz="2800" spc="-1" strike="noStrike">
               <a:solidFill>
                 <a:srgbClr val="000000"/>
               </a:solidFill>
@@ -4776,7 +4534,6 @@
         <p:spPr/>
         <p:txBody>
           <a:bodyPr/>
-          <a:lstStyle/>
           <a:p>
             <a:r>
               <a:t>Footer</a:t>
@@ -4797,12 +4554,10 @@
         <p:spPr/>
         <p:txBody>
           <a:bodyPr/>
-          <a:lstStyle/>
-          <a:p>
-            <a:fld id="{02D0E337-5E75-4E5A-8A95-C1EFB0FC7478}" type="slidenum">
-              <a:t>‹#›</a:t>
+          <a:p>
+            <a:fld id="{D8D4D5E4-0C0D-4640-8AC7-811251290A97}" type="slidenum">
+              <a:t>&lt;#&gt;</a:t>
             </a:fld>
-            <a:endParaRPr/>
           </a:p>
         </p:txBody>
       </p:sp>
@@ -4819,22 +4574,21 @@
         <p:spPr/>
         <p:txBody>
           <a:bodyPr/>
-          <a:lstStyle/>
-          <a:p>
-            <a:endParaRPr/>
+          <a:p>
+            <a:r>
+              <a:rPr lang="en-GB"/>
+              <a:t/>
+            </a:r>
           </a:p>
         </p:txBody>
       </p:sp>
     </p:spTree>
   </p:cSld>
-  <p:clrMapOvr>
-    <a:masterClrMapping/>
-  </p:clrMapOvr>
 </p:sldLayout>
 </file>
 
 <file path=ppt/slideLayouts/slideLayout8.xml><?xml version="1.0" encoding="utf-8"?>
-<p:sldLayout xmlns:a="http://schemas.openxmlformats.org/drawingml/2006/main" xmlns:r="http://schemas.openxmlformats.org/officeDocument/2006/relationships" xmlns:p="http://schemas.openxmlformats.org/presentationml/2006/main" type="objAndTwoObj" preserve="1">
+<p:sldLayout xmlns:a="http://schemas.openxmlformats.org/drawingml/2006/main" xmlns:p="http://schemas.openxmlformats.org/presentationml/2006/main" xmlns:r="http://schemas.openxmlformats.org/officeDocument/2006/relationships" xmlns:p14="http://schemas.microsoft.com/office/powerpoint/2010/main" xmlns:p15="http://schemas.microsoft.com/office/powerpoint/2012/main" xmlns:mc="http://schemas.openxmlformats.org/markup-compatibility/2006" type="objAndTwoObj" preserve="1">
   <p:cSld name="Title Content and 2 Content">
     <p:spTree>
       <p:nvGrpSpPr>
@@ -4863,23 +4617,22 @@
         <p:spPr>
           <a:xfrm>
             <a:off x="504000" y="226080"/>
-            <a:ext cx="9071280" cy="945720"/>
-          </a:xfrm>
-          <a:prstGeom prst="rect">
-            <a:avLst/>
-          </a:prstGeom>
-          <a:noFill/>
-          <a:ln w="0">
-            <a:noFill/>
-          </a:ln>
-        </p:spPr>
-        <p:txBody>
-          <a:bodyPr lIns="0" tIns="0" rIns="0" bIns="0" anchor="ctr">
+            <a:ext cx="9072000" cy="946440"/>
+          </a:xfrm>
+          <a:prstGeom prst="rect">
+            <a:avLst/>
+          </a:prstGeom>
+          <a:noFill/>
+          <a:ln w="0">
+            <a:noFill/>
+          </a:ln>
+        </p:spPr>
+        <p:txBody>
+          <a:bodyPr lIns="0" rIns="0" tIns="0" bIns="0" anchor="ctr">
             <a:noAutofit/>
           </a:bodyPr>
-          <a:lstStyle/>
-          <a:p>
-            <a:endParaRPr lang="fi-FI" sz="1800" b="0" strike="noStrike" spc="-1">
+          <a:p>
+            <a:endParaRPr b="0" lang="fi-FI" sz="1800" spc="-1" strike="noStrike">
               <a:solidFill>
                 <a:srgbClr val="000000"/>
               </a:solidFill>
@@ -4901,21 +4654,20 @@
         <p:spPr>
           <a:xfrm>
             <a:off x="504000" y="1326600"/>
-            <a:ext cx="4426920" cy="3288240"/>
-          </a:xfrm>
-          <a:prstGeom prst="rect">
-            <a:avLst/>
-          </a:prstGeom>
-          <a:noFill/>
-          <a:ln w="0">
-            <a:noFill/>
-          </a:ln>
-        </p:spPr>
-        <p:txBody>
-          <a:bodyPr lIns="0" tIns="0" rIns="0" bIns="0" anchor="t">
+            <a:ext cx="4426920" cy="3288600"/>
+          </a:xfrm>
+          <a:prstGeom prst="rect">
+            <a:avLst/>
+          </a:prstGeom>
+          <a:noFill/>
+          <a:ln w="0">
+            <a:noFill/>
+          </a:ln>
+        </p:spPr>
+        <p:txBody>
+          <a:bodyPr lIns="0" rIns="0" tIns="0" bIns="0" anchor="t">
             <a:normAutofit/>
           </a:bodyPr>
-          <a:lstStyle/>
           <a:p>
             <a:pPr>
               <a:lnSpc>
@@ -4926,7 +4678,7 @@
               </a:spcBef>
               <a:buNone/>
             </a:pPr>
-            <a:endParaRPr lang="fi-FI" sz="2800" b="0" strike="noStrike" spc="-1">
+            <a:endParaRPr b="0" lang="fi-FI" sz="2800" spc="-1" strike="noStrike">
               <a:solidFill>
                 <a:srgbClr val="000000"/>
               </a:solidFill>
@@ -4948,21 +4700,20 @@
         <p:spPr>
           <a:xfrm>
             <a:off x="5152680" y="1326600"/>
-            <a:ext cx="4426920" cy="1568160"/>
-          </a:xfrm>
-          <a:prstGeom prst="rect">
-            <a:avLst/>
-          </a:prstGeom>
-          <a:noFill/>
-          <a:ln w="0">
-            <a:noFill/>
-          </a:ln>
-        </p:spPr>
-        <p:txBody>
-          <a:bodyPr lIns="0" tIns="0" rIns="0" bIns="0" anchor="t">
+            <a:ext cx="4426920" cy="1568520"/>
+          </a:xfrm>
+          <a:prstGeom prst="rect">
+            <a:avLst/>
+          </a:prstGeom>
+          <a:noFill/>
+          <a:ln w="0">
+            <a:noFill/>
+          </a:ln>
+        </p:spPr>
+        <p:txBody>
+          <a:bodyPr lIns="0" rIns="0" tIns="0" bIns="0" anchor="t">
             <a:normAutofit/>
           </a:bodyPr>
-          <a:lstStyle/>
           <a:p>
             <a:pPr>
               <a:lnSpc>
@@ -4973,7 +4724,7 @@
               </a:spcBef>
               <a:buNone/>
             </a:pPr>
-            <a:endParaRPr lang="fi-FI" sz="2800" b="0" strike="noStrike" spc="-1">
+            <a:endParaRPr b="0" lang="fi-FI" sz="2800" spc="-1" strike="noStrike">
               <a:solidFill>
                 <a:srgbClr val="000000"/>
               </a:solidFill>
@@ -4994,22 +4745,21 @@
         </p:nvSpPr>
         <p:spPr>
           <a:xfrm>
-            <a:off x="5152680" y="3044160"/>
-            <a:ext cx="4426920" cy="1568160"/>
-          </a:xfrm>
-          <a:prstGeom prst="rect">
-            <a:avLst/>
-          </a:prstGeom>
-          <a:noFill/>
-          <a:ln w="0">
-            <a:noFill/>
-          </a:ln>
-        </p:spPr>
-        <p:txBody>
-          <a:bodyPr lIns="0" tIns="0" rIns="0" bIns="0" anchor="t">
+            <a:off x="5152680" y="3044520"/>
+            <a:ext cx="4426920" cy="1568520"/>
+          </a:xfrm>
+          <a:prstGeom prst="rect">
+            <a:avLst/>
+          </a:prstGeom>
+          <a:noFill/>
+          <a:ln w="0">
+            <a:noFill/>
+          </a:ln>
+        </p:spPr>
+        <p:txBody>
+          <a:bodyPr lIns="0" rIns="0" tIns="0" bIns="0" anchor="t">
             <a:normAutofit/>
           </a:bodyPr>
-          <a:lstStyle/>
           <a:p>
             <a:pPr>
               <a:lnSpc>
@@ -5020,7 +4770,7 @@
               </a:spcBef>
               <a:buNone/>
             </a:pPr>
-            <a:endParaRPr lang="fi-FI" sz="2800" b="0" strike="noStrike" spc="-1">
+            <a:endParaRPr b="0" lang="fi-FI" sz="2800" spc="-1" strike="noStrike">
               <a:solidFill>
                 <a:srgbClr val="000000"/>
               </a:solidFill>
@@ -5042,7 +4792,6 @@
         <p:spPr/>
         <p:txBody>
           <a:bodyPr/>
-          <a:lstStyle/>
           <a:p>
             <a:r>
               <a:t>Footer</a:t>
@@ -5063,12 +4812,10 @@
         <p:spPr/>
         <p:txBody>
           <a:bodyPr/>
-          <a:lstStyle/>
-          <a:p>
-            <a:fld id="{5C6AF5BF-05B2-492D-9D3D-54C56715EC09}" type="slidenum">
-              <a:t>‹#›</a:t>
+          <a:p>
+            <a:fld id="{D96E7D9D-5771-4CC8-8165-9560A459FDF4}" type="slidenum">
+              <a:t>&lt;#&gt;</a:t>
             </a:fld>
-            <a:endParaRPr/>
           </a:p>
         </p:txBody>
       </p:sp>
@@ -5085,22 +4832,21 @@
         <p:spPr/>
         <p:txBody>
           <a:bodyPr/>
-          <a:lstStyle/>
-          <a:p>
-            <a:endParaRPr/>
+          <a:p>
+            <a:r>
+              <a:rPr lang="en-GB"/>
+              <a:t/>
+            </a:r>
           </a:p>
         </p:txBody>
       </p:sp>
     </p:spTree>
   </p:cSld>
-  <p:clrMapOvr>
-    <a:masterClrMapping/>
-  </p:clrMapOvr>
 </p:sldLayout>
 </file>
 
 <file path=ppt/slideLayouts/slideLayout9.xml><?xml version="1.0" encoding="utf-8"?>
-<p:sldLayout xmlns:a="http://schemas.openxmlformats.org/drawingml/2006/main" xmlns:r="http://schemas.openxmlformats.org/officeDocument/2006/relationships" xmlns:p="http://schemas.openxmlformats.org/presentationml/2006/main" type="twoObjOverTx" preserve="1">
+<p:sldLayout xmlns:a="http://schemas.openxmlformats.org/drawingml/2006/main" xmlns:p="http://schemas.openxmlformats.org/presentationml/2006/main" xmlns:r="http://schemas.openxmlformats.org/officeDocument/2006/relationships" xmlns:p14="http://schemas.microsoft.com/office/powerpoint/2010/main" xmlns:p15="http://schemas.microsoft.com/office/powerpoint/2012/main" xmlns:mc="http://schemas.openxmlformats.org/markup-compatibility/2006" type="twoObjOverTx" preserve="1">
   <p:cSld name="Title, 2 Content over Content">
     <p:spTree>
       <p:nvGrpSpPr>
@@ -5129,23 +4875,22 @@
         <p:spPr>
           <a:xfrm>
             <a:off x="504000" y="226080"/>
-            <a:ext cx="9071280" cy="945720"/>
-          </a:xfrm>
-          <a:prstGeom prst="rect">
-            <a:avLst/>
-          </a:prstGeom>
-          <a:noFill/>
-          <a:ln w="0">
-            <a:noFill/>
-          </a:ln>
-        </p:spPr>
-        <p:txBody>
-          <a:bodyPr lIns="0" tIns="0" rIns="0" bIns="0" anchor="ctr">
+            <a:ext cx="9072000" cy="946440"/>
+          </a:xfrm>
+          <a:prstGeom prst="rect">
+            <a:avLst/>
+          </a:prstGeom>
+          <a:noFill/>
+          <a:ln w="0">
+            <a:noFill/>
+          </a:ln>
+        </p:spPr>
+        <p:txBody>
+          <a:bodyPr lIns="0" rIns="0" tIns="0" bIns="0" anchor="ctr">
             <a:noAutofit/>
           </a:bodyPr>
-          <a:lstStyle/>
-          <a:p>
-            <a:endParaRPr lang="fi-FI" sz="1800" b="0" strike="noStrike" spc="-1">
+          <a:p>
+            <a:endParaRPr b="0" lang="fi-FI" sz="1800" spc="-1" strike="noStrike">
               <a:solidFill>
                 <a:srgbClr val="000000"/>
               </a:solidFill>
@@ -5167,21 +4912,20 @@
         <p:spPr>
           <a:xfrm>
             <a:off x="504000" y="1326600"/>
-            <a:ext cx="4426920" cy="1568160"/>
-          </a:xfrm>
-          <a:prstGeom prst="rect">
-            <a:avLst/>
-          </a:prstGeom>
-          <a:noFill/>
-          <a:ln w="0">
-            <a:noFill/>
-          </a:ln>
-        </p:spPr>
-        <p:txBody>
-          <a:bodyPr lIns="0" tIns="0" rIns="0" bIns="0" anchor="t">
+            <a:ext cx="4426920" cy="1568520"/>
+          </a:xfrm>
+          <a:prstGeom prst="rect">
+            <a:avLst/>
+          </a:prstGeom>
+          <a:noFill/>
+          <a:ln w="0">
+            <a:noFill/>
+          </a:ln>
+        </p:spPr>
+        <p:txBody>
+          <a:bodyPr lIns="0" rIns="0" tIns="0" bIns="0" anchor="t">
             <a:normAutofit/>
           </a:bodyPr>
-          <a:lstStyle/>
           <a:p>
             <a:pPr>
               <a:lnSpc>
@@ -5192,7 +4936,7 @@
               </a:spcBef>
               <a:buNone/>
             </a:pPr>
-            <a:endParaRPr lang="fi-FI" sz="2800" b="0" strike="noStrike" spc="-1">
+            <a:endParaRPr b="0" lang="fi-FI" sz="2800" spc="-1" strike="noStrike">
               <a:solidFill>
                 <a:srgbClr val="000000"/>
               </a:solidFill>
@@ -5214,21 +4958,20 @@
         <p:spPr>
           <a:xfrm>
             <a:off x="5152680" y="1326600"/>
-            <a:ext cx="4426920" cy="1568160"/>
-          </a:xfrm>
-          <a:prstGeom prst="rect">
-            <a:avLst/>
-          </a:prstGeom>
-          <a:noFill/>
-          <a:ln w="0">
-            <a:noFill/>
-          </a:ln>
-        </p:spPr>
-        <p:txBody>
-          <a:bodyPr lIns="0" tIns="0" rIns="0" bIns="0" anchor="t">
+            <a:ext cx="4426920" cy="1568520"/>
+          </a:xfrm>
+          <a:prstGeom prst="rect">
+            <a:avLst/>
+          </a:prstGeom>
+          <a:noFill/>
+          <a:ln w="0">
+            <a:noFill/>
+          </a:ln>
+        </p:spPr>
+        <p:txBody>
+          <a:bodyPr lIns="0" rIns="0" tIns="0" bIns="0" anchor="t">
             <a:normAutofit/>
           </a:bodyPr>
-          <a:lstStyle/>
           <a:p>
             <a:pPr>
               <a:lnSpc>
@@ -5239,7 +4982,7 @@
               </a:spcBef>
               <a:buNone/>
             </a:pPr>
-            <a:endParaRPr lang="fi-FI" sz="2800" b="0" strike="noStrike" spc="-1">
+            <a:endParaRPr b="0" lang="fi-FI" sz="2800" spc="-1" strike="noStrike">
               <a:solidFill>
                 <a:srgbClr val="000000"/>
               </a:solidFill>
@@ -5260,22 +5003,21 @@
         </p:nvSpPr>
         <p:spPr>
           <a:xfrm>
-            <a:off x="504000" y="3044160"/>
-            <a:ext cx="9071640" cy="1568160"/>
-          </a:xfrm>
-          <a:prstGeom prst="rect">
-            <a:avLst/>
-          </a:prstGeom>
-          <a:noFill/>
-          <a:ln w="0">
-            <a:noFill/>
-          </a:ln>
-        </p:spPr>
-        <p:txBody>
-          <a:bodyPr lIns="0" tIns="0" rIns="0" bIns="0" anchor="t">
+            <a:off x="504000" y="3044520"/>
+            <a:ext cx="9072000" cy="1568520"/>
+          </a:xfrm>
+          <a:prstGeom prst="rect">
+            <a:avLst/>
+          </a:prstGeom>
+          <a:noFill/>
+          <a:ln w="0">
+            <a:noFill/>
+          </a:ln>
+        </p:spPr>
+        <p:txBody>
+          <a:bodyPr lIns="0" rIns="0" tIns="0" bIns="0" anchor="t">
             <a:normAutofit/>
           </a:bodyPr>
-          <a:lstStyle/>
           <a:p>
             <a:pPr>
               <a:lnSpc>
@@ -5286,7 +5028,7 @@
               </a:spcBef>
               <a:buNone/>
             </a:pPr>
-            <a:endParaRPr lang="fi-FI" sz="2800" b="0" strike="noStrike" spc="-1">
+            <a:endParaRPr b="0" lang="fi-FI" sz="2800" spc="-1" strike="noStrike">
               <a:solidFill>
                 <a:srgbClr val="000000"/>
               </a:solidFill>
@@ -5308,7 +5050,6 @@
         <p:spPr/>
         <p:txBody>
           <a:bodyPr/>
-          <a:lstStyle/>
           <a:p>
             <a:r>
               <a:t>Footer</a:t>
@@ -5329,12 +5070,10 @@
         <p:spPr/>
         <p:txBody>
           <a:bodyPr/>
-          <a:lstStyle/>
-          <a:p>
-            <a:fld id="{499F4E2F-0115-45A4-9244-E9B771F736EB}" type="slidenum">
-              <a:t>‹#›</a:t>
+          <a:p>
+            <a:fld id="{E4EAACA2-5819-4EE0-87DE-AB84472565E6}" type="slidenum">
+              <a:t>&lt;#&gt;</a:t>
             </a:fld>
-            <a:endParaRPr/>
           </a:p>
         </p:txBody>
       </p:sp>
@@ -5351,29 +5090,27 @@
         <p:spPr/>
         <p:txBody>
           <a:bodyPr/>
-          <a:lstStyle/>
-          <a:p>
-            <a:endParaRPr/>
+          <a:p>
+            <a:r>
+              <a:rPr lang="en-GB"/>
+              <a:t/>
+            </a:r>
           </a:p>
         </p:txBody>
       </p:sp>
     </p:spTree>
   </p:cSld>
-  <p:clrMapOvr>
-    <a:masterClrMapping/>
-  </p:clrMapOvr>
 </p:sldLayout>
 </file>
 
 <file path=ppt/slideMasters/slideMaster1.xml><?xml version="1.0" encoding="utf-8"?>
-<p:sldMaster xmlns:a="http://schemas.openxmlformats.org/drawingml/2006/main" xmlns:r="http://schemas.openxmlformats.org/officeDocument/2006/relationships" xmlns:p="http://schemas.openxmlformats.org/presentationml/2006/main">
+<p:sldMaster xmlns:a="http://schemas.openxmlformats.org/drawingml/2006/main" xmlns:p="http://schemas.openxmlformats.org/presentationml/2006/main" xmlns:r="http://schemas.openxmlformats.org/officeDocument/2006/relationships" xmlns:p14="http://schemas.microsoft.com/office/powerpoint/2010/main" xmlns:p15="http://schemas.microsoft.com/office/powerpoint/2012/main" xmlns:mc="http://schemas.openxmlformats.org/markup-compatibility/2006">
   <p:cSld>
     <p:bg>
       <p:bgPr>
         <a:solidFill>
-          <a:srgbClr val="FFFFFF"/>
+          <a:srgbClr val="ffffff"/>
         </a:solidFill>
-        <a:effectLst/>
       </p:bgPr>
     </p:bg>
     <p:spTree>
@@ -5392,7 +5129,7 @@
       </p:grpSpPr>
       <p:sp>
         <p:nvSpPr>
-          <p:cNvPr id="5" name="PlaceHolder 1"/>
+          <p:cNvPr id="0" name="PlaceHolder 1"/>
           <p:cNvSpPr>
             <a:spLocks noGrp="1"/>
           </p:cNvSpPr>
@@ -5403,18 +5140,18 @@
         <p:spPr>
           <a:xfrm>
             <a:off x="3447360" y="5165280"/>
-            <a:ext cx="3186000" cy="381600"/>
-          </a:xfrm>
-          <a:prstGeom prst="rect">
-            <a:avLst/>
-          </a:prstGeom>
-          <a:noFill/>
-          <a:ln w="0">
-            <a:noFill/>
-          </a:ln>
-        </p:spPr>
-        <p:txBody>
-          <a:bodyPr lIns="0" tIns="0" rIns="0" bIns="0" anchor="t">
+            <a:ext cx="3185640" cy="381240"/>
+          </a:xfrm>
+          <a:prstGeom prst="rect">
+            <a:avLst/>
+          </a:prstGeom>
+          <a:noFill/>
+          <a:ln w="0">
+            <a:noFill/>
+          </a:ln>
+        </p:spPr>
+        <p:txBody>
+          <a:bodyPr lIns="0" rIns="0" tIns="0" bIns="0" anchor="t">
             <a:noAutofit/>
           </a:bodyPr>
           <a:lstStyle>
@@ -5423,7 +5160,7 @@
                 <a:spcPct val="100000"/>
               </a:lnSpc>
               <a:buNone/>
-              <a:defRPr lang="en-GB" sz="1400" b="0" strike="noStrike" spc="-1">
+              <a:defRPr b="0" lang="en-GB" sz="1400" spc="-1" strike="noStrike">
                 <a:solidFill>
                   <a:srgbClr val="000000"/>
                 </a:solidFill>
@@ -5440,7 +5177,7 @@
               <a:buNone/>
             </a:pPr>
             <a:r>
-              <a:rPr lang="en-GB" sz="1400" b="0" strike="noStrike" spc="-1">
+              <a:rPr b="0" lang="en-GB" sz="1400" spc="-1" strike="noStrike">
                 <a:solidFill>
                   <a:srgbClr val="000000"/>
                 </a:solidFill>
@@ -5449,7 +5186,7 @@
               </a:rPr>
               <a:t>&lt;footer&gt;</a:t>
             </a:r>
-            <a:endParaRPr lang="en-GB" sz="1400" b="0" strike="noStrike" spc="-1">
+            <a:endParaRPr b="0" lang="en-GB" sz="1400" spc="-1" strike="noStrike">
               <a:latin typeface="Times New Roman"/>
             </a:endParaRPr>
           </a:p>
@@ -5457,7 +5194,7 @@
       </p:sp>
       <p:sp>
         <p:nvSpPr>
-          <p:cNvPr id="6" name="PlaceHolder 2"/>
+          <p:cNvPr id="1" name="PlaceHolder 2"/>
           <p:cNvSpPr>
             <a:spLocks noGrp="1"/>
           </p:cNvSpPr>
@@ -5468,18 +5205,18 @@
         <p:spPr>
           <a:xfrm>
             <a:off x="7227360" y="5165280"/>
-            <a:ext cx="2339280" cy="381600"/>
-          </a:xfrm>
-          <a:prstGeom prst="rect">
-            <a:avLst/>
-          </a:prstGeom>
-          <a:noFill/>
-          <a:ln w="0">
-            <a:noFill/>
-          </a:ln>
-        </p:spPr>
-        <p:txBody>
-          <a:bodyPr lIns="0" tIns="0" rIns="0" bIns="0" anchor="t">
+            <a:ext cx="2338920" cy="381240"/>
+          </a:xfrm>
+          <a:prstGeom prst="rect">
+            <a:avLst/>
+          </a:prstGeom>
+          <a:noFill/>
+          <a:ln w="0">
+            <a:noFill/>
+          </a:ln>
+        </p:spPr>
+        <p:txBody>
+          <a:bodyPr lIns="0" rIns="0" tIns="0" bIns="0" anchor="t">
             <a:noAutofit/>
           </a:bodyPr>
           <a:lstStyle>
@@ -5488,7 +5225,7 @@
                 <a:spcPct val="100000"/>
               </a:lnSpc>
               <a:buNone/>
-              <a:defRPr lang="en-GB" sz="1400" b="0" strike="noStrike" spc="-1">
+              <a:defRPr b="0" lang="en-GB" sz="1400" spc="-1" strike="noStrike">
                 <a:solidFill>
                   <a:srgbClr val="000000"/>
                 </a:solidFill>
@@ -5504,17 +5241,17 @@
               </a:lnSpc>
               <a:buNone/>
             </a:pPr>
-            <a:fld id="{4AF52686-E91A-4417-A466-0CD8ABC1647D}" type="slidenum">
-              <a:rPr lang="en-GB" sz="1400" b="0" strike="noStrike" spc="-1">
+            <a:fld id="{88B7ABA2-41A0-4935-B5FA-BCF8E22B5CD7}" type="slidenum">
+              <a:rPr b="0" lang="en-GB" sz="1400" spc="-1" strike="noStrike">
                 <a:solidFill>
                   <a:srgbClr val="000000"/>
                 </a:solidFill>
                 <a:latin typeface="Times New Roman"/>
                 <a:ea typeface="DejaVu Sans"/>
               </a:rPr>
-              <a:t>‹#›</a:t>
+              <a:t>&lt;number&gt;</a:t>
             </a:fld>
-            <a:endParaRPr lang="en-GB" sz="1400" b="0" strike="noStrike" spc="-1">
+            <a:endParaRPr b="0" lang="en-GB" sz="1400" spc="-1" strike="noStrike">
               <a:latin typeface="Times New Roman"/>
             </a:endParaRPr>
           </a:p>
@@ -5533,34 +5270,37 @@
         <p:spPr>
           <a:xfrm>
             <a:off x="504000" y="5165280"/>
-            <a:ext cx="2339280" cy="381600"/>
-          </a:xfrm>
-          <a:prstGeom prst="rect">
-            <a:avLst/>
-          </a:prstGeom>
-          <a:noFill/>
-          <a:ln w="0">
-            <a:noFill/>
-          </a:ln>
-        </p:spPr>
-        <p:txBody>
-          <a:bodyPr lIns="0" tIns="0" rIns="0" bIns="0" anchor="t">
+            <a:ext cx="2338920" cy="381240"/>
+          </a:xfrm>
+          <a:prstGeom prst="rect">
+            <a:avLst/>
+          </a:prstGeom>
+          <a:noFill/>
+          <a:ln w="0">
+            <a:noFill/>
+          </a:ln>
+        </p:spPr>
+        <p:txBody>
+          <a:bodyPr lIns="0" rIns="0" tIns="0" bIns="0" anchor="t">
             <a:noAutofit/>
           </a:bodyPr>
           <a:lstStyle>
             <a:lvl1pPr>
-              <a:defRPr lang="en-GB" sz="1400" b="0" strike="noStrike" spc="-1">
+              <a:defRPr b="0" lang="en-GB" sz="1400" spc="-1" strike="noStrike">
                 <a:latin typeface="Times New Roman"/>
               </a:defRPr>
             </a:lvl1pPr>
           </a:lstStyle>
           <a:p>
             <a:r>
-              <a:rPr lang="en-GB" sz="1400" b="0" strike="noStrike" spc="-1">
+              <a:rPr b="0" lang="en-GB" sz="1400" spc="-1" strike="noStrike">
                 <a:latin typeface="Times New Roman"/>
               </a:rPr>
               <a:t>&lt;date/time&gt;</a:t>
             </a:r>
+            <a:endParaRPr b="0" lang="en-GB" sz="1400" spc="-1" strike="noStrike">
+              <a:latin typeface="Times New Roman"/>
+            </a:endParaRPr>
           </a:p>
         </p:txBody>
       </p:sp>
@@ -5588,13 +5328,12 @@
           </a:ln>
         </p:spPr>
         <p:txBody>
-          <a:bodyPr lIns="0" tIns="0" rIns="0" bIns="0" anchor="ctr">
+          <a:bodyPr lIns="0" rIns="0" tIns="0" bIns="0" anchor="ctr">
             <a:noAutofit/>
           </a:bodyPr>
-          <a:lstStyle/>
           <a:p>
             <a:r>
-              <a:rPr lang="fi-FI" sz="1800" b="0" strike="noStrike" spc="-1">
+              <a:rPr b="0" lang="fi-FI" sz="1800" spc="-1" strike="noStrike">
                 <a:solidFill>
                   <a:srgbClr val="000000"/>
                 </a:solidFill>
@@ -5602,6 +5341,12 @@
               </a:rPr>
               <a:t>Click to edit the title text format</a:t>
             </a:r>
+            <a:endParaRPr b="0" lang="fi-FI" sz="1800" spc="-1" strike="noStrike">
+              <a:solidFill>
+                <a:srgbClr val="000000"/>
+              </a:solidFill>
+              <a:latin typeface="Arial"/>
+            </a:endParaRPr>
           </a:p>
         </p:txBody>
       </p:sp>
@@ -5629,10 +5374,9 @@
           </a:ln>
         </p:spPr>
         <p:txBody>
-          <a:bodyPr lIns="0" tIns="0" rIns="0" bIns="0" anchor="t">
+          <a:bodyPr lIns="0" rIns="0" tIns="0" bIns="0" anchor="t">
             <a:normAutofit/>
           </a:bodyPr>
-          <a:lstStyle/>
           <a:p>
             <a:pPr marL="432000" indent="-324000">
               <a:lnSpc>
@@ -5649,7 +5393,7 @@
               <a:buChar char=""/>
             </a:pPr>
             <a:r>
-              <a:rPr lang="fi-FI" sz="2800" b="0" strike="noStrike" spc="-1">
+              <a:rPr b="0" lang="fi-FI" sz="2800" spc="-1" strike="noStrike">
                 <a:solidFill>
                   <a:srgbClr val="000000"/>
                 </a:solidFill>
@@ -5657,9 +5401,15 @@
               </a:rPr>
               <a:t>Click to edit the outline text format</a:t>
             </a:r>
-          </a:p>
-          <a:p>
-            <a:pPr marL="864000" lvl="1" indent="-324000">
+            <a:endParaRPr b="0" lang="fi-FI" sz="2800" spc="-1" strike="noStrike">
+              <a:solidFill>
+                <a:srgbClr val="000000"/>
+              </a:solidFill>
+              <a:latin typeface="Arial"/>
+            </a:endParaRPr>
+          </a:p>
+          <a:p>
+            <a:pPr lvl="1" marL="864000" indent="-324000">
               <a:lnSpc>
                 <a:spcPct val="90000"/>
               </a:lnSpc>
@@ -5674,7 +5424,7 @@
               <a:buChar char=""/>
             </a:pPr>
             <a:r>
-              <a:rPr lang="fi-FI" sz="2000" b="0" strike="noStrike" spc="-1">
+              <a:rPr b="0" lang="fi-FI" sz="2000" spc="-1" strike="noStrike">
                 <a:solidFill>
                   <a:srgbClr val="000000"/>
                 </a:solidFill>
@@ -5682,9 +5432,15 @@
               </a:rPr>
               <a:t>Second Outline Level</a:t>
             </a:r>
-          </a:p>
-          <a:p>
-            <a:pPr marL="1296000" lvl="2" indent="-288000">
+            <a:endParaRPr b="0" lang="fi-FI" sz="2000" spc="-1" strike="noStrike">
+              <a:solidFill>
+                <a:srgbClr val="000000"/>
+              </a:solidFill>
+              <a:latin typeface="Arial"/>
+            </a:endParaRPr>
+          </a:p>
+          <a:p>
+            <a:pPr lvl="2" marL="1296000" indent="-288000">
               <a:lnSpc>
                 <a:spcPct val="90000"/>
               </a:lnSpc>
@@ -5699,7 +5455,7 @@
               <a:buChar char=""/>
             </a:pPr>
             <a:r>
-              <a:rPr lang="fi-FI" sz="1800" b="0" strike="noStrike" spc="-1">
+              <a:rPr b="0" lang="fi-FI" sz="1800" spc="-1" strike="noStrike">
                 <a:solidFill>
                   <a:srgbClr val="000000"/>
                 </a:solidFill>
@@ -5707,9 +5463,15 @@
               </a:rPr>
               <a:t>Third Outline Level</a:t>
             </a:r>
-          </a:p>
-          <a:p>
-            <a:pPr marL="1728000" lvl="3" indent="-216000">
+            <a:endParaRPr b="0" lang="fi-FI" sz="1800" spc="-1" strike="noStrike">
+              <a:solidFill>
+                <a:srgbClr val="000000"/>
+              </a:solidFill>
+              <a:latin typeface="Arial"/>
+            </a:endParaRPr>
+          </a:p>
+          <a:p>
+            <a:pPr lvl="3" marL="1728000" indent="-216000">
               <a:lnSpc>
                 <a:spcPct val="90000"/>
               </a:lnSpc>
@@ -5724,7 +5486,7 @@
               <a:buChar char=""/>
             </a:pPr>
             <a:r>
-              <a:rPr lang="fi-FI" sz="1800" b="0" strike="noStrike" spc="-1">
+              <a:rPr b="0" lang="fi-FI" sz="1800" spc="-1" strike="noStrike">
                 <a:solidFill>
                   <a:srgbClr val="000000"/>
                 </a:solidFill>
@@ -5732,9 +5494,15 @@
               </a:rPr>
               <a:t>Fourth Outline Level</a:t>
             </a:r>
-          </a:p>
-          <a:p>
-            <a:pPr marL="2160000" lvl="4" indent="-216000">
+            <a:endParaRPr b="0" lang="fi-FI" sz="1800" spc="-1" strike="noStrike">
+              <a:solidFill>
+                <a:srgbClr val="000000"/>
+              </a:solidFill>
+              <a:latin typeface="Arial"/>
+            </a:endParaRPr>
+          </a:p>
+          <a:p>
+            <a:pPr lvl="4" marL="2160000" indent="-216000">
               <a:lnSpc>
                 <a:spcPct val="90000"/>
               </a:lnSpc>
@@ -5749,7 +5517,7 @@
               <a:buChar char=""/>
             </a:pPr>
             <a:r>
-              <a:rPr lang="fi-FI" sz="2000" b="0" strike="noStrike" spc="-1">
+              <a:rPr b="0" lang="fi-FI" sz="2000" spc="-1" strike="noStrike">
                 <a:solidFill>
                   <a:srgbClr val="000000"/>
                 </a:solidFill>
@@ -5757,9 +5525,15 @@
               </a:rPr>
               <a:t>Fifth Outline Level</a:t>
             </a:r>
-          </a:p>
-          <a:p>
-            <a:pPr marL="2592000" lvl="5" indent="-216000">
+            <a:endParaRPr b="0" lang="fi-FI" sz="2000" spc="-1" strike="noStrike">
+              <a:solidFill>
+                <a:srgbClr val="000000"/>
+              </a:solidFill>
+              <a:latin typeface="Arial"/>
+            </a:endParaRPr>
+          </a:p>
+          <a:p>
+            <a:pPr lvl="5" marL="2592000" indent="-216000">
               <a:lnSpc>
                 <a:spcPct val="90000"/>
               </a:lnSpc>
@@ -5774,7 +5548,7 @@
               <a:buChar char=""/>
             </a:pPr>
             <a:r>
-              <a:rPr lang="fi-FI" sz="2000" b="0" strike="noStrike" spc="-1">
+              <a:rPr b="0" lang="fi-FI" sz="2000" spc="-1" strike="noStrike">
                 <a:solidFill>
                   <a:srgbClr val="000000"/>
                 </a:solidFill>
@@ -5782,9 +5556,15 @@
               </a:rPr>
               <a:t>Sixth Outline Level</a:t>
             </a:r>
-          </a:p>
-          <a:p>
-            <a:pPr marL="3024000" lvl="6" indent="-216000">
+            <a:endParaRPr b="0" lang="fi-FI" sz="2000" spc="-1" strike="noStrike">
+              <a:solidFill>
+                <a:srgbClr val="000000"/>
+              </a:solidFill>
+              <a:latin typeface="Arial"/>
+            </a:endParaRPr>
+          </a:p>
+          <a:p>
+            <a:pPr lvl="6" marL="3024000" indent="-216000">
               <a:lnSpc>
                 <a:spcPct val="90000"/>
               </a:lnSpc>
@@ -5799,7 +5579,7 @@
               <a:buChar char=""/>
             </a:pPr>
             <a:r>
-              <a:rPr lang="fi-FI" sz="2000" b="0" strike="noStrike" spc="-1">
+              <a:rPr b="0" lang="fi-FI" sz="2000" spc="-1" strike="noStrike">
                 <a:solidFill>
                   <a:srgbClr val="000000"/>
                 </a:solidFill>
@@ -5807,318 +5587,43 @@
               </a:rPr>
               <a:t>Seventh Outline Level</a:t>
             </a:r>
+            <a:endParaRPr b="0" lang="fi-FI" sz="2000" spc="-1" strike="noStrike">
+              <a:solidFill>
+                <a:srgbClr val="000000"/>
+              </a:solidFill>
+              <a:latin typeface="Arial"/>
+            </a:endParaRPr>
           </a:p>
         </p:txBody>
       </p:sp>
     </p:spTree>
   </p:cSld>
-  <p:clrMap bg1="lt1" tx1="dk1" bg2="lt2" tx2="dk2" accent1="accent1" accent2="accent2" accent3="accent3" accent4="accent4" accent5="accent5" accent6="accent6" hlink="hlink" folHlink="folHlink"/>
+  <p:clrMap bg1="lt1" bg2="lt2" tx1="dk1" tx2="dk2" accent1="accent1" accent2="accent2" accent3="accent3" accent4="accent4" accent5="accent5" accent6="accent6" hlink="hlink" folHlink="folHlink"/>
   <p:sldLayoutIdLst>
-    <p:sldLayoutId id="2147483649" r:id="rId1"/>
-    <p:sldLayoutId id="2147483650" r:id="rId2"/>
-    <p:sldLayoutId id="2147483651" r:id="rId3"/>
-    <p:sldLayoutId id="2147483652" r:id="rId4"/>
-    <p:sldLayoutId id="2147483653" r:id="rId5"/>
-    <p:sldLayoutId id="2147483654" r:id="rId6"/>
-    <p:sldLayoutId id="2147483655" r:id="rId7"/>
-    <p:sldLayoutId id="2147483656" r:id="rId8"/>
-    <p:sldLayoutId id="2147483657" r:id="rId9"/>
-    <p:sldLayoutId id="2147483658" r:id="rId10"/>
-    <p:sldLayoutId id="2147483659" r:id="rId11"/>
-    <p:sldLayoutId id="2147483660" r:id="rId12"/>
+    <p:sldLayoutId id="2147483649" r:id="rId2"/>
+    <p:sldLayoutId id="2147483650" r:id="rId3"/>
+    <p:sldLayoutId id="2147483651" r:id="rId4"/>
+    <p:sldLayoutId id="2147483652" r:id="rId5"/>
+    <p:sldLayoutId id="2147483653" r:id="rId6"/>
+    <p:sldLayoutId id="2147483654" r:id="rId7"/>
+    <p:sldLayoutId id="2147483655" r:id="rId8"/>
+    <p:sldLayoutId id="2147483656" r:id="rId9"/>
+    <p:sldLayoutId id="2147483657" r:id="rId10"/>
+    <p:sldLayoutId id="2147483658" r:id="rId11"/>
+    <p:sldLayoutId id="2147483659" r:id="rId12"/>
+    <p:sldLayoutId id="2147483660" r:id="rId13"/>
   </p:sldLayoutIdLst>
-  <p:txStyles>
-    <p:titleStyle>
-      <a:lvl1pPr algn="l" defTabSz="914400" rtl="0" eaLnBrk="1" latinLnBrk="0" hangingPunct="1">
-        <a:lnSpc>
-          <a:spcPct val="90000"/>
-        </a:lnSpc>
-        <a:spcBef>
-          <a:spcPct val="0"/>
-        </a:spcBef>
-        <a:buNone/>
-        <a:defRPr sz="4400" kern="1200">
-          <a:solidFill>
-            <a:schemeClr val="tx1"/>
-          </a:solidFill>
-          <a:latin typeface="+mj-lt"/>
-          <a:ea typeface="+mj-ea"/>
-          <a:cs typeface="+mj-cs"/>
-        </a:defRPr>
-      </a:lvl1pPr>
-    </p:titleStyle>
-    <p:bodyStyle>
-      <a:lvl1pPr marL="228600" indent="-228600" algn="l" defTabSz="914400" rtl="0" eaLnBrk="1" latinLnBrk="0" hangingPunct="1">
-        <a:lnSpc>
-          <a:spcPct val="90000"/>
-        </a:lnSpc>
-        <a:spcBef>
-          <a:spcPts val="1000"/>
-        </a:spcBef>
-        <a:buFont typeface="Arial" panose="020B0604020202020204" pitchFamily="34" charset="0"/>
-        <a:buChar char="•"/>
-        <a:defRPr sz="2800" kern="1200">
-          <a:solidFill>
-            <a:schemeClr val="tx1"/>
-          </a:solidFill>
-          <a:latin typeface="+mn-lt"/>
-          <a:ea typeface="+mn-ea"/>
-          <a:cs typeface="+mn-cs"/>
-        </a:defRPr>
-      </a:lvl1pPr>
-      <a:lvl2pPr marL="685800" indent="-228600" algn="l" defTabSz="914400" rtl="0" eaLnBrk="1" latinLnBrk="0" hangingPunct="1">
-        <a:lnSpc>
-          <a:spcPct val="90000"/>
-        </a:lnSpc>
-        <a:spcBef>
-          <a:spcPts val="500"/>
-        </a:spcBef>
-        <a:buFont typeface="Arial" panose="020B0604020202020204" pitchFamily="34" charset="0"/>
-        <a:buChar char="•"/>
-        <a:defRPr sz="2400" kern="1200">
-          <a:solidFill>
-            <a:schemeClr val="tx1"/>
-          </a:solidFill>
-          <a:latin typeface="+mn-lt"/>
-          <a:ea typeface="+mn-ea"/>
-          <a:cs typeface="+mn-cs"/>
-        </a:defRPr>
-      </a:lvl2pPr>
-      <a:lvl3pPr marL="1143000" indent="-228600" algn="l" defTabSz="914400" rtl="0" eaLnBrk="1" latinLnBrk="0" hangingPunct="1">
-        <a:lnSpc>
-          <a:spcPct val="90000"/>
-        </a:lnSpc>
-        <a:spcBef>
-          <a:spcPts val="500"/>
-        </a:spcBef>
-        <a:buFont typeface="Arial" panose="020B0604020202020204" pitchFamily="34" charset="0"/>
-        <a:buChar char="•"/>
-        <a:defRPr sz="2000" kern="1200">
-          <a:solidFill>
-            <a:schemeClr val="tx1"/>
-          </a:solidFill>
-          <a:latin typeface="+mn-lt"/>
-          <a:ea typeface="+mn-ea"/>
-          <a:cs typeface="+mn-cs"/>
-        </a:defRPr>
-      </a:lvl3pPr>
-      <a:lvl4pPr marL="1600200" indent="-228600" algn="l" defTabSz="914400" rtl="0" eaLnBrk="1" latinLnBrk="0" hangingPunct="1">
-        <a:lnSpc>
-          <a:spcPct val="90000"/>
-        </a:lnSpc>
-        <a:spcBef>
-          <a:spcPts val="500"/>
-        </a:spcBef>
-        <a:buFont typeface="Arial" panose="020B0604020202020204" pitchFamily="34" charset="0"/>
-        <a:buChar char="•"/>
-        <a:defRPr sz="1800" kern="1200">
-          <a:solidFill>
-            <a:schemeClr val="tx1"/>
-          </a:solidFill>
-          <a:latin typeface="+mn-lt"/>
-          <a:ea typeface="+mn-ea"/>
-          <a:cs typeface="+mn-cs"/>
-        </a:defRPr>
-      </a:lvl4pPr>
-      <a:lvl5pPr marL="2057400" indent="-228600" algn="l" defTabSz="914400" rtl="0" eaLnBrk="1" latinLnBrk="0" hangingPunct="1">
-        <a:lnSpc>
-          <a:spcPct val="90000"/>
-        </a:lnSpc>
-        <a:spcBef>
-          <a:spcPts val="500"/>
-        </a:spcBef>
-        <a:buFont typeface="Arial" panose="020B0604020202020204" pitchFamily="34" charset="0"/>
-        <a:buChar char="•"/>
-        <a:defRPr sz="1800" kern="1200">
-          <a:solidFill>
-            <a:schemeClr val="tx1"/>
-          </a:solidFill>
-          <a:latin typeface="+mn-lt"/>
-          <a:ea typeface="+mn-ea"/>
-          <a:cs typeface="+mn-cs"/>
-        </a:defRPr>
-      </a:lvl5pPr>
-      <a:lvl6pPr marL="2514600" indent="-228600" algn="l" defTabSz="914400" rtl="0" eaLnBrk="1" latinLnBrk="0" hangingPunct="1">
-        <a:lnSpc>
-          <a:spcPct val="90000"/>
-        </a:lnSpc>
-        <a:spcBef>
-          <a:spcPts val="500"/>
-        </a:spcBef>
-        <a:buFont typeface="Arial" panose="020B0604020202020204" pitchFamily="34" charset="0"/>
-        <a:buChar char="•"/>
-        <a:defRPr sz="1800" kern="1200">
-          <a:solidFill>
-            <a:schemeClr val="tx1"/>
-          </a:solidFill>
-          <a:latin typeface="+mn-lt"/>
-          <a:ea typeface="+mn-ea"/>
-          <a:cs typeface="+mn-cs"/>
-        </a:defRPr>
-      </a:lvl6pPr>
-      <a:lvl7pPr marL="2971800" indent="-228600" algn="l" defTabSz="914400" rtl="0" eaLnBrk="1" latinLnBrk="0" hangingPunct="1">
-        <a:lnSpc>
-          <a:spcPct val="90000"/>
-        </a:lnSpc>
-        <a:spcBef>
-          <a:spcPts val="500"/>
-        </a:spcBef>
-        <a:buFont typeface="Arial" panose="020B0604020202020204" pitchFamily="34" charset="0"/>
-        <a:buChar char="•"/>
-        <a:defRPr sz="1800" kern="1200">
-          <a:solidFill>
-            <a:schemeClr val="tx1"/>
-          </a:solidFill>
-          <a:latin typeface="+mn-lt"/>
-          <a:ea typeface="+mn-ea"/>
-          <a:cs typeface="+mn-cs"/>
-        </a:defRPr>
-      </a:lvl7pPr>
-      <a:lvl8pPr marL="3429000" indent="-228600" algn="l" defTabSz="914400" rtl="0" eaLnBrk="1" latinLnBrk="0" hangingPunct="1">
-        <a:lnSpc>
-          <a:spcPct val="90000"/>
-        </a:lnSpc>
-        <a:spcBef>
-          <a:spcPts val="500"/>
-        </a:spcBef>
-        <a:buFont typeface="Arial" panose="020B0604020202020204" pitchFamily="34" charset="0"/>
-        <a:buChar char="•"/>
-        <a:defRPr sz="1800" kern="1200">
-          <a:solidFill>
-            <a:schemeClr val="tx1"/>
-          </a:solidFill>
-          <a:latin typeface="+mn-lt"/>
-          <a:ea typeface="+mn-ea"/>
-          <a:cs typeface="+mn-cs"/>
-        </a:defRPr>
-      </a:lvl8pPr>
-      <a:lvl9pPr marL="3886200" indent="-228600" algn="l" defTabSz="914400" rtl="0" eaLnBrk="1" latinLnBrk="0" hangingPunct="1">
-        <a:lnSpc>
-          <a:spcPct val="90000"/>
-        </a:lnSpc>
-        <a:spcBef>
-          <a:spcPts val="500"/>
-        </a:spcBef>
-        <a:buFont typeface="Arial" panose="020B0604020202020204" pitchFamily="34" charset="0"/>
-        <a:buChar char="•"/>
-        <a:defRPr sz="1800" kern="1200">
-          <a:solidFill>
-            <a:schemeClr val="tx1"/>
-          </a:solidFill>
-          <a:latin typeface="+mn-lt"/>
-          <a:ea typeface="+mn-ea"/>
-          <a:cs typeface="+mn-cs"/>
-        </a:defRPr>
-      </a:lvl9pPr>
-    </p:bodyStyle>
-    <p:otherStyle>
-      <a:defPPr>
-        <a:defRPr lang="fi-FI"/>
-      </a:defPPr>
-      <a:lvl1pPr marL="0" algn="l" defTabSz="914400" rtl="0" eaLnBrk="1" latinLnBrk="0" hangingPunct="1">
-        <a:defRPr sz="1800" kern="1200">
-          <a:solidFill>
-            <a:schemeClr val="tx1"/>
-          </a:solidFill>
-          <a:latin typeface="+mn-lt"/>
-          <a:ea typeface="+mn-ea"/>
-          <a:cs typeface="+mn-cs"/>
-        </a:defRPr>
-      </a:lvl1pPr>
-      <a:lvl2pPr marL="457200" algn="l" defTabSz="914400" rtl="0" eaLnBrk="1" latinLnBrk="0" hangingPunct="1">
-        <a:defRPr sz="1800" kern="1200">
-          <a:solidFill>
-            <a:schemeClr val="tx1"/>
-          </a:solidFill>
-          <a:latin typeface="+mn-lt"/>
-          <a:ea typeface="+mn-ea"/>
-          <a:cs typeface="+mn-cs"/>
-        </a:defRPr>
-      </a:lvl2pPr>
-      <a:lvl3pPr marL="914400" algn="l" defTabSz="914400" rtl="0" eaLnBrk="1" latinLnBrk="0" hangingPunct="1">
-        <a:defRPr sz="1800" kern="1200">
-          <a:solidFill>
-            <a:schemeClr val="tx1"/>
-          </a:solidFill>
-          <a:latin typeface="+mn-lt"/>
-          <a:ea typeface="+mn-ea"/>
-          <a:cs typeface="+mn-cs"/>
-        </a:defRPr>
-      </a:lvl3pPr>
-      <a:lvl4pPr marL="1371600" algn="l" defTabSz="914400" rtl="0" eaLnBrk="1" latinLnBrk="0" hangingPunct="1">
-        <a:defRPr sz="1800" kern="1200">
-          <a:solidFill>
-            <a:schemeClr val="tx1"/>
-          </a:solidFill>
-          <a:latin typeface="+mn-lt"/>
-          <a:ea typeface="+mn-ea"/>
-          <a:cs typeface="+mn-cs"/>
-        </a:defRPr>
-      </a:lvl4pPr>
-      <a:lvl5pPr marL="1828800" algn="l" defTabSz="914400" rtl="0" eaLnBrk="1" latinLnBrk="0" hangingPunct="1">
-        <a:defRPr sz="1800" kern="1200">
-          <a:solidFill>
-            <a:schemeClr val="tx1"/>
-          </a:solidFill>
-          <a:latin typeface="+mn-lt"/>
-          <a:ea typeface="+mn-ea"/>
-          <a:cs typeface="+mn-cs"/>
-        </a:defRPr>
-      </a:lvl5pPr>
-      <a:lvl6pPr marL="2286000" algn="l" defTabSz="914400" rtl="0" eaLnBrk="1" latinLnBrk="0" hangingPunct="1">
-        <a:defRPr sz="1800" kern="1200">
-          <a:solidFill>
-            <a:schemeClr val="tx1"/>
-          </a:solidFill>
-          <a:latin typeface="+mn-lt"/>
-          <a:ea typeface="+mn-ea"/>
-          <a:cs typeface="+mn-cs"/>
-        </a:defRPr>
-      </a:lvl6pPr>
-      <a:lvl7pPr marL="2743200" algn="l" defTabSz="914400" rtl="0" eaLnBrk="1" latinLnBrk="0" hangingPunct="1">
-        <a:defRPr sz="1800" kern="1200">
-          <a:solidFill>
-            <a:schemeClr val="tx1"/>
-          </a:solidFill>
-          <a:latin typeface="+mn-lt"/>
-          <a:ea typeface="+mn-ea"/>
-          <a:cs typeface="+mn-cs"/>
-        </a:defRPr>
-      </a:lvl7pPr>
-      <a:lvl8pPr marL="3200400" algn="l" defTabSz="914400" rtl="0" eaLnBrk="1" latinLnBrk="0" hangingPunct="1">
-        <a:defRPr sz="1800" kern="1200">
-          <a:solidFill>
-            <a:schemeClr val="tx1"/>
-          </a:solidFill>
-          <a:latin typeface="+mn-lt"/>
-          <a:ea typeface="+mn-ea"/>
-          <a:cs typeface="+mn-cs"/>
-        </a:defRPr>
-      </a:lvl8pPr>
-      <a:lvl9pPr marL="3657600" algn="l" defTabSz="914400" rtl="0" eaLnBrk="1" latinLnBrk="0" hangingPunct="1">
-        <a:defRPr sz="1800" kern="1200">
-          <a:solidFill>
-            <a:schemeClr val="tx1"/>
-          </a:solidFill>
-          <a:latin typeface="+mn-lt"/>
-          <a:ea typeface="+mn-ea"/>
-          <a:cs typeface="+mn-cs"/>
-        </a:defRPr>
-      </a:lvl9pPr>
-    </p:otherStyle>
-  </p:txStyles>
 </p:sldMaster>
 </file>
 
 <file path=ppt/slideMasters/slideMaster2.xml><?xml version="1.0" encoding="utf-8"?>
-<p:sldMaster xmlns:a="http://schemas.openxmlformats.org/drawingml/2006/main" xmlns:r="http://schemas.openxmlformats.org/officeDocument/2006/relationships" xmlns:p="http://schemas.openxmlformats.org/presentationml/2006/main">
+<p:sldMaster xmlns:a="http://schemas.openxmlformats.org/drawingml/2006/main" xmlns:p="http://schemas.openxmlformats.org/presentationml/2006/main" xmlns:r="http://schemas.openxmlformats.org/officeDocument/2006/relationships" xmlns:p14="http://schemas.microsoft.com/office/powerpoint/2010/main" xmlns:p15="http://schemas.microsoft.com/office/powerpoint/2012/main" xmlns:mc="http://schemas.openxmlformats.org/markup-compatibility/2006">
   <p:cSld>
     <p:bg>
       <p:bgPr>
         <a:solidFill>
-          <a:srgbClr val="FFFFFF"/>
+          <a:srgbClr val="ffffff"/>
         </a:solidFill>
-        <a:effectLst/>
       </p:bgPr>
     </p:bg>
     <p:spTree>
@@ -6142,30 +5647,206 @@
             <a:spLocks noGrp="1"/>
           </p:cNvSpPr>
           <p:nvPr>
+            <p:ph type="ftr" idx="4"/>
+          </p:nvPr>
+        </p:nvSpPr>
+        <p:spPr>
+          <a:xfrm>
+            <a:off x="3447360" y="5165280"/>
+            <a:ext cx="3185640" cy="381240"/>
+          </a:xfrm>
+          <a:prstGeom prst="rect">
+            <a:avLst/>
+          </a:prstGeom>
+          <a:noFill/>
+          <a:ln w="0">
+            <a:noFill/>
+          </a:ln>
+        </p:spPr>
+        <p:txBody>
+          <a:bodyPr lIns="0" rIns="0" tIns="0" bIns="0" anchor="t">
+            <a:noAutofit/>
+          </a:bodyPr>
+          <a:lstStyle>
+            <a:lvl1pPr algn="ctr">
+              <a:lnSpc>
+                <a:spcPct val="100000"/>
+              </a:lnSpc>
+              <a:buNone/>
+              <a:defRPr b="0" lang="en-GB" sz="1400" spc="-1" strike="noStrike">
+                <a:solidFill>
+                  <a:srgbClr val="000000"/>
+                </a:solidFill>
+                <a:latin typeface="Times New Roman"/>
+                <a:ea typeface="DejaVu Sans"/>
+              </a:defRPr>
+            </a:lvl1pPr>
+          </a:lstStyle>
+          <a:p>
+            <a:pPr algn="ctr">
+              <a:lnSpc>
+                <a:spcPct val="100000"/>
+              </a:lnSpc>
+              <a:buNone/>
+            </a:pPr>
+            <a:r>
+              <a:rPr b="0" lang="en-GB" sz="1400" spc="-1" strike="noStrike">
+                <a:solidFill>
+                  <a:srgbClr val="000000"/>
+                </a:solidFill>
+                <a:latin typeface="Times New Roman"/>
+                <a:ea typeface="DejaVu Sans"/>
+              </a:rPr>
+              <a:t>&lt;footer&gt;</a:t>
+            </a:r>
+            <a:endParaRPr b="0" lang="en-GB" sz="1400" spc="-1" strike="noStrike">
+              <a:latin typeface="Times New Roman"/>
+            </a:endParaRPr>
+          </a:p>
+        </p:txBody>
+      </p:sp>
+      <p:sp>
+        <p:nvSpPr>
+          <p:cNvPr id="42" name="PlaceHolder 2"/>
+          <p:cNvSpPr>
+            <a:spLocks noGrp="1"/>
+          </p:cNvSpPr>
+          <p:nvPr>
+            <p:ph type="sldNum" idx="5"/>
+          </p:nvPr>
+        </p:nvSpPr>
+        <p:spPr>
+          <a:xfrm>
+            <a:off x="7227360" y="5165280"/>
+            <a:ext cx="2338920" cy="381240"/>
+          </a:xfrm>
+          <a:prstGeom prst="rect">
+            <a:avLst/>
+          </a:prstGeom>
+          <a:noFill/>
+          <a:ln w="0">
+            <a:noFill/>
+          </a:ln>
+        </p:spPr>
+        <p:txBody>
+          <a:bodyPr lIns="0" rIns="0" tIns="0" bIns="0" anchor="t">
+            <a:noAutofit/>
+          </a:bodyPr>
+          <a:lstStyle>
+            <a:lvl1pPr algn="r">
+              <a:lnSpc>
+                <a:spcPct val="100000"/>
+              </a:lnSpc>
+              <a:buNone/>
+              <a:defRPr b="0" lang="en-GB" sz="1400" spc="-1" strike="noStrike">
+                <a:solidFill>
+                  <a:srgbClr val="000000"/>
+                </a:solidFill>
+                <a:latin typeface="Times New Roman"/>
+                <a:ea typeface="DejaVu Sans"/>
+              </a:defRPr>
+            </a:lvl1pPr>
+          </a:lstStyle>
+          <a:p>
+            <a:pPr algn="r">
+              <a:lnSpc>
+                <a:spcPct val="100000"/>
+              </a:lnSpc>
+              <a:buNone/>
+            </a:pPr>
+            <a:fld id="{91F3F4A7-326F-4246-AB24-A363E24C777D}" type="slidenum">
+              <a:rPr b="0" lang="en-GB" sz="1400" spc="-1" strike="noStrike">
+                <a:solidFill>
+                  <a:srgbClr val="000000"/>
+                </a:solidFill>
+                <a:latin typeface="Times New Roman"/>
+                <a:ea typeface="DejaVu Sans"/>
+              </a:rPr>
+              <a:t>&lt;number&gt;</a:t>
+            </a:fld>
+            <a:endParaRPr b="0" lang="en-GB" sz="1400" spc="-1" strike="noStrike">
+              <a:latin typeface="Times New Roman"/>
+            </a:endParaRPr>
+          </a:p>
+        </p:txBody>
+      </p:sp>
+      <p:sp>
+        <p:nvSpPr>
+          <p:cNvPr id="43" name="PlaceHolder 3"/>
+          <p:cNvSpPr>
+            <a:spLocks noGrp="1"/>
+          </p:cNvSpPr>
+          <p:nvPr>
+            <p:ph type="dt" idx="6"/>
+          </p:nvPr>
+        </p:nvSpPr>
+        <p:spPr>
+          <a:xfrm>
+            <a:off x="504000" y="5165280"/>
+            <a:ext cx="2338920" cy="381240"/>
+          </a:xfrm>
+          <a:prstGeom prst="rect">
+            <a:avLst/>
+          </a:prstGeom>
+          <a:noFill/>
+          <a:ln w="0">
+            <a:noFill/>
+          </a:ln>
+        </p:spPr>
+        <p:txBody>
+          <a:bodyPr lIns="0" rIns="0" tIns="0" bIns="0" anchor="t">
+            <a:noAutofit/>
+          </a:bodyPr>
+          <a:lstStyle>
+            <a:lvl1pPr>
+              <a:defRPr b="0" lang="en-GB" sz="1400" spc="-1" strike="noStrike">
+                <a:latin typeface="Times New Roman"/>
+              </a:defRPr>
+            </a:lvl1pPr>
+          </a:lstStyle>
+          <a:p>
+            <a:r>
+              <a:rPr b="0" lang="en-GB" sz="1400" spc="-1" strike="noStrike">
+                <a:latin typeface="Times New Roman"/>
+              </a:rPr>
+              <a:t>&lt;date/time&gt;</a:t>
+            </a:r>
+            <a:endParaRPr b="0" lang="en-GB" sz="1400" spc="-1" strike="noStrike">
+              <a:latin typeface="Times New Roman"/>
+            </a:endParaRPr>
+          </a:p>
+        </p:txBody>
+      </p:sp>
+      <p:sp>
+        <p:nvSpPr>
+          <p:cNvPr id="44" name="PlaceHolder 4"/>
+          <p:cNvSpPr>
+            <a:spLocks noGrp="1"/>
+          </p:cNvSpPr>
+          <p:nvPr>
             <p:ph type="title"/>
           </p:nvPr>
         </p:nvSpPr>
         <p:spPr>
           <a:xfrm>
             <a:off x="504000" y="226080"/>
-            <a:ext cx="9071280" cy="945720"/>
-          </a:xfrm>
-          <a:prstGeom prst="rect">
-            <a:avLst/>
-          </a:prstGeom>
-          <a:noFill/>
-          <a:ln w="0">
-            <a:noFill/>
-          </a:ln>
-        </p:spPr>
-        <p:txBody>
-          <a:bodyPr lIns="0" tIns="0" rIns="0" bIns="0" anchor="ctr">
+            <a:ext cx="9072000" cy="946440"/>
+          </a:xfrm>
+          <a:prstGeom prst="rect">
+            <a:avLst/>
+          </a:prstGeom>
+          <a:noFill/>
+          <a:ln w="0">
+            <a:noFill/>
+          </a:ln>
+        </p:spPr>
+        <p:txBody>
+          <a:bodyPr lIns="0" rIns="0" tIns="0" bIns="0" anchor="ctr">
             <a:noAutofit/>
           </a:bodyPr>
-          <a:lstStyle/>
           <a:p>
             <a:r>
-              <a:rPr lang="fi-FI" sz="4400" b="0" strike="noStrike" spc="-1">
+              <a:rPr b="0" lang="fi-FI" sz="1800" spc="-1" strike="noStrike">
                 <a:solidFill>
                   <a:srgbClr val="000000"/>
                 </a:solidFill>
@@ -6173,12 +5854,18 @@
               </a:rPr>
               <a:t>Click to edit the title text format</a:t>
             </a:r>
-          </a:p>
-        </p:txBody>
-      </p:sp>
-      <p:sp>
-        <p:nvSpPr>
-          <p:cNvPr id="42" name="PlaceHolder 2"/>
+            <a:endParaRPr b="0" lang="fi-FI" sz="1800" spc="-1" strike="noStrike">
+              <a:solidFill>
+                <a:srgbClr val="000000"/>
+              </a:solidFill>
+              <a:latin typeface="Arial"/>
+            </a:endParaRPr>
+          </a:p>
+        </p:txBody>
+      </p:sp>
+      <p:sp>
+        <p:nvSpPr>
+          <p:cNvPr id="45" name="PlaceHolder 5"/>
           <p:cNvSpPr>
             <a:spLocks noGrp="1"/>
           </p:cNvSpPr>
@@ -6189,21 +5876,20 @@
         <p:spPr>
           <a:xfrm>
             <a:off x="504000" y="1326600"/>
-            <a:ext cx="9071640" cy="3288240"/>
-          </a:xfrm>
-          <a:prstGeom prst="rect">
-            <a:avLst/>
-          </a:prstGeom>
-          <a:noFill/>
-          <a:ln w="0">
-            <a:noFill/>
-          </a:ln>
-        </p:spPr>
-        <p:txBody>
-          <a:bodyPr lIns="0" tIns="0" rIns="0" bIns="0" anchor="t">
+            <a:ext cx="9072000" cy="3288600"/>
+          </a:xfrm>
+          <a:prstGeom prst="rect">
+            <a:avLst/>
+          </a:prstGeom>
+          <a:noFill/>
+          <a:ln w="0">
+            <a:noFill/>
+          </a:ln>
+        </p:spPr>
+        <p:txBody>
+          <a:bodyPr lIns="0" rIns="0" tIns="0" bIns="0" anchor="t">
             <a:normAutofit/>
           </a:bodyPr>
-          <a:lstStyle/>
           <a:p>
             <a:pPr marL="432000" indent="-324000">
               <a:lnSpc>
@@ -6220,7 +5906,7 @@
               <a:buChar char=""/>
             </a:pPr>
             <a:r>
-              <a:rPr lang="fi-FI" sz="2800" b="0" strike="noStrike" spc="-1">
+              <a:rPr b="0" lang="fi-FI" sz="2800" spc="-1" strike="noStrike">
                 <a:solidFill>
                   <a:srgbClr val="000000"/>
                 </a:solidFill>
@@ -6228,9 +5914,15 @@
               </a:rPr>
               <a:t>Click to edit the outline text format</a:t>
             </a:r>
-          </a:p>
-          <a:p>
-            <a:pPr marL="864000" lvl="1" indent="-324000">
+            <a:endParaRPr b="0" lang="fi-FI" sz="2800" spc="-1" strike="noStrike">
+              <a:solidFill>
+                <a:srgbClr val="000000"/>
+              </a:solidFill>
+              <a:latin typeface="Arial"/>
+            </a:endParaRPr>
+          </a:p>
+          <a:p>
+            <a:pPr lvl="1" marL="864000" indent="-324000">
               <a:lnSpc>
                 <a:spcPct val="90000"/>
               </a:lnSpc>
@@ -6245,7 +5937,7 @@
               <a:buChar char=""/>
             </a:pPr>
             <a:r>
-              <a:rPr lang="fi-FI" sz="2800" b="0" strike="noStrike" spc="-1">
+              <a:rPr b="0" lang="fi-FI" sz="2000" spc="-1" strike="noStrike">
                 <a:solidFill>
                   <a:srgbClr val="000000"/>
                 </a:solidFill>
@@ -6253,9 +5945,15 @@
               </a:rPr>
               <a:t>Second Outline Level</a:t>
             </a:r>
-          </a:p>
-          <a:p>
-            <a:pPr marL="1296000" lvl="2" indent="-288000">
+            <a:endParaRPr b="0" lang="fi-FI" sz="2000" spc="-1" strike="noStrike">
+              <a:solidFill>
+                <a:srgbClr val="000000"/>
+              </a:solidFill>
+              <a:latin typeface="Arial"/>
+            </a:endParaRPr>
+          </a:p>
+          <a:p>
+            <a:pPr lvl="2" marL="1296000" indent="-288000">
               <a:lnSpc>
                 <a:spcPct val="90000"/>
               </a:lnSpc>
@@ -6270,7 +5968,7 @@
               <a:buChar char=""/>
             </a:pPr>
             <a:r>
-              <a:rPr lang="fi-FI" sz="2800" b="0" strike="noStrike" spc="-1">
+              <a:rPr b="0" lang="fi-FI" sz="1800" spc="-1" strike="noStrike">
                 <a:solidFill>
                   <a:srgbClr val="000000"/>
                 </a:solidFill>
@@ -6278,9 +5976,15 @@
               </a:rPr>
               <a:t>Third Outline Level</a:t>
             </a:r>
-          </a:p>
-          <a:p>
-            <a:pPr marL="1728000" lvl="3" indent="-216000">
+            <a:endParaRPr b="0" lang="fi-FI" sz="1800" spc="-1" strike="noStrike">
+              <a:solidFill>
+                <a:srgbClr val="000000"/>
+              </a:solidFill>
+              <a:latin typeface="Arial"/>
+            </a:endParaRPr>
+          </a:p>
+          <a:p>
+            <a:pPr lvl="3" marL="1728000" indent="-216000">
               <a:lnSpc>
                 <a:spcPct val="90000"/>
               </a:lnSpc>
@@ -6295,7 +5999,7 @@
               <a:buChar char=""/>
             </a:pPr>
             <a:r>
-              <a:rPr lang="fi-FI" sz="2800" b="0" strike="noStrike" spc="-1">
+              <a:rPr b="0" lang="fi-FI" sz="1800" spc="-1" strike="noStrike">
                 <a:solidFill>
                   <a:srgbClr val="000000"/>
                 </a:solidFill>
@@ -6303,9 +6007,15 @@
               </a:rPr>
               <a:t>Fourth Outline Level</a:t>
             </a:r>
-          </a:p>
-          <a:p>
-            <a:pPr marL="2160000" lvl="4" indent="-216000">
+            <a:endParaRPr b="0" lang="fi-FI" sz="1800" spc="-1" strike="noStrike">
+              <a:solidFill>
+                <a:srgbClr val="000000"/>
+              </a:solidFill>
+              <a:latin typeface="Arial"/>
+            </a:endParaRPr>
+          </a:p>
+          <a:p>
+            <a:pPr lvl="4" marL="2160000" indent="-216000">
               <a:lnSpc>
                 <a:spcPct val="90000"/>
               </a:lnSpc>
@@ -6320,7 +6030,7 @@
               <a:buChar char=""/>
             </a:pPr>
             <a:r>
-              <a:rPr lang="fi-FI" sz="2800" b="0" strike="noStrike" spc="-1">
+              <a:rPr b="0" lang="fi-FI" sz="2000" spc="-1" strike="noStrike">
                 <a:solidFill>
                   <a:srgbClr val="000000"/>
                 </a:solidFill>
@@ -6328,9 +6038,15 @@
               </a:rPr>
               <a:t>Fifth Outline Level</a:t>
             </a:r>
-          </a:p>
-          <a:p>
-            <a:pPr marL="2592000" lvl="5" indent="-216000">
+            <a:endParaRPr b="0" lang="fi-FI" sz="2000" spc="-1" strike="noStrike">
+              <a:solidFill>
+                <a:srgbClr val="000000"/>
+              </a:solidFill>
+              <a:latin typeface="Arial"/>
+            </a:endParaRPr>
+          </a:p>
+          <a:p>
+            <a:pPr lvl="5" marL="2592000" indent="-216000">
               <a:lnSpc>
                 <a:spcPct val="90000"/>
               </a:lnSpc>
@@ -6345,7 +6061,7 @@
               <a:buChar char=""/>
             </a:pPr>
             <a:r>
-              <a:rPr lang="fi-FI" sz="2800" b="0" strike="noStrike" spc="-1">
+              <a:rPr b="0" lang="fi-FI" sz="2000" spc="-1" strike="noStrike">
                 <a:solidFill>
                   <a:srgbClr val="000000"/>
                 </a:solidFill>
@@ -6353,9 +6069,15 @@
               </a:rPr>
               <a:t>Sixth Outline Level</a:t>
             </a:r>
-          </a:p>
-          <a:p>
-            <a:pPr marL="3024000" lvl="6" indent="-216000">
+            <a:endParaRPr b="0" lang="fi-FI" sz="2000" spc="-1" strike="noStrike">
+              <a:solidFill>
+                <a:srgbClr val="000000"/>
+              </a:solidFill>
+              <a:latin typeface="Arial"/>
+            </a:endParaRPr>
+          </a:p>
+          <a:p>
+            <a:pPr lvl="6" marL="3024000" indent="-216000">
               <a:lnSpc>
                 <a:spcPct val="90000"/>
               </a:lnSpc>
@@ -6370,7 +6092,7 @@
               <a:buChar char=""/>
             </a:pPr>
             <a:r>
-              <a:rPr lang="fi-FI" sz="2800" b="0" strike="noStrike" spc="-1">
+              <a:rPr b="0" lang="fi-FI" sz="2000" spc="-1" strike="noStrike">
                 <a:solidFill>
                   <a:srgbClr val="000000"/>
                 </a:solidFill>
@@ -6378,485 +6100,37 @@
               </a:rPr>
               <a:t>Seventh Outline Level</a:t>
             </a:r>
-          </a:p>
-        </p:txBody>
-      </p:sp>
-      <p:sp>
-        <p:nvSpPr>
-          <p:cNvPr id="43" name="PlaceHolder 3"/>
-          <p:cNvSpPr>
-            <a:spLocks noGrp="1"/>
-          </p:cNvSpPr>
-          <p:nvPr>
-            <p:ph type="ftr" idx="4"/>
-          </p:nvPr>
-        </p:nvSpPr>
-        <p:spPr>
-          <a:xfrm>
-            <a:off x="3447360" y="5165280"/>
-            <a:ext cx="3186000" cy="381600"/>
-          </a:xfrm>
-          <a:prstGeom prst="rect">
-            <a:avLst/>
-          </a:prstGeom>
-          <a:noFill/>
-          <a:ln w="0">
-            <a:noFill/>
-          </a:ln>
-        </p:spPr>
-        <p:txBody>
-          <a:bodyPr lIns="0" tIns="0" rIns="0" bIns="0" anchor="t">
-            <a:noAutofit/>
-          </a:bodyPr>
-          <a:lstStyle>
-            <a:lvl1pPr algn="ctr">
-              <a:lnSpc>
-                <a:spcPct val="100000"/>
-              </a:lnSpc>
-              <a:buNone/>
-              <a:defRPr lang="en-GB" sz="1400" b="0" strike="noStrike" spc="-1">
-                <a:solidFill>
-                  <a:srgbClr val="000000"/>
-                </a:solidFill>
-                <a:latin typeface="Times New Roman"/>
-                <a:ea typeface="DejaVu Sans"/>
-              </a:defRPr>
-            </a:lvl1pPr>
-          </a:lstStyle>
-          <a:p>
-            <a:pPr algn="ctr">
-              <a:lnSpc>
-                <a:spcPct val="100000"/>
-              </a:lnSpc>
-              <a:buNone/>
-            </a:pPr>
-            <a:r>
-              <a:rPr lang="en-GB" sz="1400" b="0" strike="noStrike" spc="-1">
-                <a:solidFill>
-                  <a:srgbClr val="000000"/>
-                </a:solidFill>
-                <a:latin typeface="Times New Roman"/>
-                <a:ea typeface="DejaVu Sans"/>
-              </a:rPr>
-              <a:t>&lt;footer&gt;</a:t>
-            </a:r>
-            <a:endParaRPr lang="en-GB" sz="1400" b="0" strike="noStrike" spc="-1">
-              <a:latin typeface="Times New Roman"/>
-            </a:endParaRPr>
-          </a:p>
-        </p:txBody>
-      </p:sp>
-      <p:sp>
-        <p:nvSpPr>
-          <p:cNvPr id="44" name="PlaceHolder 4"/>
-          <p:cNvSpPr>
-            <a:spLocks noGrp="1"/>
-          </p:cNvSpPr>
-          <p:nvPr>
-            <p:ph type="sldNum" idx="5"/>
-          </p:nvPr>
-        </p:nvSpPr>
-        <p:spPr>
-          <a:xfrm>
-            <a:off x="7227360" y="5165280"/>
-            <a:ext cx="2339280" cy="381600"/>
-          </a:xfrm>
-          <a:prstGeom prst="rect">
-            <a:avLst/>
-          </a:prstGeom>
-          <a:noFill/>
-          <a:ln w="0">
-            <a:noFill/>
-          </a:ln>
-        </p:spPr>
-        <p:txBody>
-          <a:bodyPr lIns="0" tIns="0" rIns="0" bIns="0" anchor="t">
-            <a:noAutofit/>
-          </a:bodyPr>
-          <a:lstStyle>
-            <a:lvl1pPr algn="r">
-              <a:lnSpc>
-                <a:spcPct val="100000"/>
-              </a:lnSpc>
-              <a:buNone/>
-              <a:defRPr lang="en-GB" sz="1400" b="0" strike="noStrike" spc="-1">
-                <a:solidFill>
-                  <a:srgbClr val="000000"/>
-                </a:solidFill>
-                <a:latin typeface="Times New Roman"/>
-                <a:ea typeface="DejaVu Sans"/>
-              </a:defRPr>
-            </a:lvl1pPr>
-          </a:lstStyle>
-          <a:p>
-            <a:pPr algn="r">
-              <a:lnSpc>
-                <a:spcPct val="100000"/>
-              </a:lnSpc>
-              <a:buNone/>
-            </a:pPr>
-            <a:fld id="{7699FB14-3A93-467F-A300-D76684302D91}" type="slidenum">
-              <a:rPr lang="en-GB" sz="1400" b="0" strike="noStrike" spc="-1">
-                <a:solidFill>
-                  <a:srgbClr val="000000"/>
-                </a:solidFill>
-                <a:latin typeface="Times New Roman"/>
-                <a:ea typeface="DejaVu Sans"/>
-              </a:rPr>
-              <a:t>‹#›</a:t>
-            </a:fld>
-            <a:endParaRPr lang="en-GB" sz="1400" b="0" strike="noStrike" spc="-1">
-              <a:latin typeface="Times New Roman"/>
-            </a:endParaRPr>
-          </a:p>
-        </p:txBody>
-      </p:sp>
-      <p:sp>
-        <p:nvSpPr>
-          <p:cNvPr id="45" name="PlaceHolder 5"/>
-          <p:cNvSpPr>
-            <a:spLocks noGrp="1"/>
-          </p:cNvSpPr>
-          <p:nvPr>
-            <p:ph type="dt" idx="6"/>
-          </p:nvPr>
-        </p:nvSpPr>
-        <p:spPr>
-          <a:xfrm>
-            <a:off x="504000" y="5165280"/>
-            <a:ext cx="2339280" cy="381600"/>
-          </a:xfrm>
-          <a:prstGeom prst="rect">
-            <a:avLst/>
-          </a:prstGeom>
-          <a:noFill/>
-          <a:ln w="0">
-            <a:noFill/>
-          </a:ln>
-        </p:spPr>
-        <p:txBody>
-          <a:bodyPr lIns="0" tIns="0" rIns="0" bIns="0" anchor="t">
-            <a:noAutofit/>
-          </a:bodyPr>
-          <a:lstStyle>
-            <a:lvl1pPr>
-              <a:defRPr lang="en-GB" sz="1400" b="0" strike="noStrike" spc="-1">
-                <a:latin typeface="Times New Roman"/>
-              </a:defRPr>
-            </a:lvl1pPr>
-          </a:lstStyle>
-          <a:p>
-            <a:r>
-              <a:rPr lang="en-GB" sz="1400" b="0" strike="noStrike" spc="-1">
-                <a:latin typeface="Times New Roman"/>
-              </a:rPr>
-              <a:t>&lt;date/time&gt;</a:t>
-            </a:r>
+            <a:endParaRPr b="0" lang="fi-FI" sz="2000" spc="-1" strike="noStrike">
+              <a:solidFill>
+                <a:srgbClr val="000000"/>
+              </a:solidFill>
+              <a:latin typeface="Arial"/>
+            </a:endParaRPr>
           </a:p>
         </p:txBody>
       </p:sp>
     </p:spTree>
   </p:cSld>
-  <p:clrMap bg1="lt1" tx1="dk1" bg2="lt2" tx2="dk2" accent1="accent1" accent2="accent2" accent3="accent3" accent4="accent4" accent5="accent5" accent6="accent6" hlink="hlink" folHlink="folHlink"/>
+  <p:clrMap bg1="lt1" bg2="lt2" tx1="dk1" tx2="dk2" accent1="accent1" accent2="accent2" accent3="accent3" accent4="accent4" accent5="accent5" accent6="accent6" hlink="hlink" folHlink="folHlink"/>
   <p:sldLayoutIdLst>
-    <p:sldLayoutId id="2147483662" r:id="rId1"/>
-    <p:sldLayoutId id="2147483663" r:id="rId2"/>
-    <p:sldLayoutId id="2147483664" r:id="rId3"/>
-    <p:sldLayoutId id="2147483665" r:id="rId4"/>
-    <p:sldLayoutId id="2147483666" r:id="rId5"/>
-    <p:sldLayoutId id="2147483667" r:id="rId6"/>
-    <p:sldLayoutId id="2147483668" r:id="rId7"/>
-    <p:sldLayoutId id="2147483669" r:id="rId8"/>
-    <p:sldLayoutId id="2147483670" r:id="rId9"/>
-    <p:sldLayoutId id="2147483671" r:id="rId10"/>
-    <p:sldLayoutId id="2147483672" r:id="rId11"/>
-    <p:sldLayoutId id="2147483673" r:id="rId12"/>
+    <p:sldLayoutId id="2147483662" r:id="rId2"/>
+    <p:sldLayoutId id="2147483663" r:id="rId3"/>
+    <p:sldLayoutId id="2147483664" r:id="rId4"/>
+    <p:sldLayoutId id="2147483665" r:id="rId5"/>
+    <p:sldLayoutId id="2147483666" r:id="rId6"/>
+    <p:sldLayoutId id="2147483667" r:id="rId7"/>
+    <p:sldLayoutId id="2147483668" r:id="rId8"/>
+    <p:sldLayoutId id="2147483669" r:id="rId9"/>
+    <p:sldLayoutId id="2147483670" r:id="rId10"/>
+    <p:sldLayoutId id="2147483671" r:id="rId11"/>
+    <p:sldLayoutId id="2147483672" r:id="rId12"/>
+    <p:sldLayoutId id="2147483673" r:id="rId13"/>
   </p:sldLayoutIdLst>
-  <p:txStyles>
-    <p:titleStyle>
-      <a:lvl1pPr algn="l" defTabSz="914400" rtl="0" eaLnBrk="1" latinLnBrk="0" hangingPunct="1">
-        <a:lnSpc>
-          <a:spcPct val="90000"/>
-        </a:lnSpc>
-        <a:spcBef>
-          <a:spcPct val="0"/>
-        </a:spcBef>
-        <a:buNone/>
-        <a:defRPr sz="4400" kern="1200">
-          <a:solidFill>
-            <a:schemeClr val="tx1"/>
-          </a:solidFill>
-          <a:latin typeface="+mj-lt"/>
-          <a:ea typeface="+mj-ea"/>
-          <a:cs typeface="+mj-cs"/>
-        </a:defRPr>
-      </a:lvl1pPr>
-    </p:titleStyle>
-    <p:bodyStyle>
-      <a:lvl1pPr marL="228600" indent="-228600" algn="l" defTabSz="914400" rtl="0" eaLnBrk="1" latinLnBrk="0" hangingPunct="1">
-        <a:lnSpc>
-          <a:spcPct val="90000"/>
-        </a:lnSpc>
-        <a:spcBef>
-          <a:spcPts val="1000"/>
-        </a:spcBef>
-        <a:buFont typeface="Arial" panose="020B0604020202020204" pitchFamily="34" charset="0"/>
-        <a:buChar char="•"/>
-        <a:defRPr sz="2800" kern="1200">
-          <a:solidFill>
-            <a:schemeClr val="tx1"/>
-          </a:solidFill>
-          <a:latin typeface="+mn-lt"/>
-          <a:ea typeface="+mn-ea"/>
-          <a:cs typeface="+mn-cs"/>
-        </a:defRPr>
-      </a:lvl1pPr>
-      <a:lvl2pPr marL="685800" indent="-228600" algn="l" defTabSz="914400" rtl="0" eaLnBrk="1" latinLnBrk="0" hangingPunct="1">
-        <a:lnSpc>
-          <a:spcPct val="90000"/>
-        </a:lnSpc>
-        <a:spcBef>
-          <a:spcPts val="500"/>
-        </a:spcBef>
-        <a:buFont typeface="Arial" panose="020B0604020202020204" pitchFamily="34" charset="0"/>
-        <a:buChar char="•"/>
-        <a:defRPr sz="2400" kern="1200">
-          <a:solidFill>
-            <a:schemeClr val="tx1"/>
-          </a:solidFill>
-          <a:latin typeface="+mn-lt"/>
-          <a:ea typeface="+mn-ea"/>
-          <a:cs typeface="+mn-cs"/>
-        </a:defRPr>
-      </a:lvl2pPr>
-      <a:lvl3pPr marL="1143000" indent="-228600" algn="l" defTabSz="914400" rtl="0" eaLnBrk="1" latinLnBrk="0" hangingPunct="1">
-        <a:lnSpc>
-          <a:spcPct val="90000"/>
-        </a:lnSpc>
-        <a:spcBef>
-          <a:spcPts val="500"/>
-        </a:spcBef>
-        <a:buFont typeface="Arial" panose="020B0604020202020204" pitchFamily="34" charset="0"/>
-        <a:buChar char="•"/>
-        <a:defRPr sz="2000" kern="1200">
-          <a:solidFill>
-            <a:schemeClr val="tx1"/>
-          </a:solidFill>
-          <a:latin typeface="+mn-lt"/>
-          <a:ea typeface="+mn-ea"/>
-          <a:cs typeface="+mn-cs"/>
-        </a:defRPr>
-      </a:lvl3pPr>
-      <a:lvl4pPr marL="1600200" indent="-228600" algn="l" defTabSz="914400" rtl="0" eaLnBrk="1" latinLnBrk="0" hangingPunct="1">
-        <a:lnSpc>
-          <a:spcPct val="90000"/>
-        </a:lnSpc>
-        <a:spcBef>
-          <a:spcPts val="500"/>
-        </a:spcBef>
-        <a:buFont typeface="Arial" panose="020B0604020202020204" pitchFamily="34" charset="0"/>
-        <a:buChar char="•"/>
-        <a:defRPr sz="1800" kern="1200">
-          <a:solidFill>
-            <a:schemeClr val="tx1"/>
-          </a:solidFill>
-          <a:latin typeface="+mn-lt"/>
-          <a:ea typeface="+mn-ea"/>
-          <a:cs typeface="+mn-cs"/>
-        </a:defRPr>
-      </a:lvl4pPr>
-      <a:lvl5pPr marL="2057400" indent="-228600" algn="l" defTabSz="914400" rtl="0" eaLnBrk="1" latinLnBrk="0" hangingPunct="1">
-        <a:lnSpc>
-          <a:spcPct val="90000"/>
-        </a:lnSpc>
-        <a:spcBef>
-          <a:spcPts val="500"/>
-        </a:spcBef>
-        <a:buFont typeface="Arial" panose="020B0604020202020204" pitchFamily="34" charset="0"/>
-        <a:buChar char="•"/>
-        <a:defRPr sz="1800" kern="1200">
-          <a:solidFill>
-            <a:schemeClr val="tx1"/>
-          </a:solidFill>
-          <a:latin typeface="+mn-lt"/>
-          <a:ea typeface="+mn-ea"/>
-          <a:cs typeface="+mn-cs"/>
-        </a:defRPr>
-      </a:lvl5pPr>
-      <a:lvl6pPr marL="2514600" indent="-228600" algn="l" defTabSz="914400" rtl="0" eaLnBrk="1" latinLnBrk="0" hangingPunct="1">
-        <a:lnSpc>
-          <a:spcPct val="90000"/>
-        </a:lnSpc>
-        <a:spcBef>
-          <a:spcPts val="500"/>
-        </a:spcBef>
-        <a:buFont typeface="Arial" panose="020B0604020202020204" pitchFamily="34" charset="0"/>
-        <a:buChar char="•"/>
-        <a:defRPr sz="1800" kern="1200">
-          <a:solidFill>
-            <a:schemeClr val="tx1"/>
-          </a:solidFill>
-          <a:latin typeface="+mn-lt"/>
-          <a:ea typeface="+mn-ea"/>
-          <a:cs typeface="+mn-cs"/>
-        </a:defRPr>
-      </a:lvl6pPr>
-      <a:lvl7pPr marL="2971800" indent="-228600" algn="l" defTabSz="914400" rtl="0" eaLnBrk="1" latinLnBrk="0" hangingPunct="1">
-        <a:lnSpc>
-          <a:spcPct val="90000"/>
-        </a:lnSpc>
-        <a:spcBef>
-          <a:spcPts val="500"/>
-        </a:spcBef>
-        <a:buFont typeface="Arial" panose="020B0604020202020204" pitchFamily="34" charset="0"/>
-        <a:buChar char="•"/>
-        <a:defRPr sz="1800" kern="1200">
-          <a:solidFill>
-            <a:schemeClr val="tx1"/>
-          </a:solidFill>
-          <a:latin typeface="+mn-lt"/>
-          <a:ea typeface="+mn-ea"/>
-          <a:cs typeface="+mn-cs"/>
-        </a:defRPr>
-      </a:lvl7pPr>
-      <a:lvl8pPr marL="3429000" indent="-228600" algn="l" defTabSz="914400" rtl="0" eaLnBrk="1" latinLnBrk="0" hangingPunct="1">
-        <a:lnSpc>
-          <a:spcPct val="90000"/>
-        </a:lnSpc>
-        <a:spcBef>
-          <a:spcPts val="500"/>
-        </a:spcBef>
-        <a:buFont typeface="Arial" panose="020B0604020202020204" pitchFamily="34" charset="0"/>
-        <a:buChar char="•"/>
-        <a:defRPr sz="1800" kern="1200">
-          <a:solidFill>
-            <a:schemeClr val="tx1"/>
-          </a:solidFill>
-          <a:latin typeface="+mn-lt"/>
-          <a:ea typeface="+mn-ea"/>
-          <a:cs typeface="+mn-cs"/>
-        </a:defRPr>
-      </a:lvl8pPr>
-      <a:lvl9pPr marL="3886200" indent="-228600" algn="l" defTabSz="914400" rtl="0" eaLnBrk="1" latinLnBrk="0" hangingPunct="1">
-        <a:lnSpc>
-          <a:spcPct val="90000"/>
-        </a:lnSpc>
-        <a:spcBef>
-          <a:spcPts val="500"/>
-        </a:spcBef>
-        <a:buFont typeface="Arial" panose="020B0604020202020204" pitchFamily="34" charset="0"/>
-        <a:buChar char="•"/>
-        <a:defRPr sz="1800" kern="1200">
-          <a:solidFill>
-            <a:schemeClr val="tx1"/>
-          </a:solidFill>
-          <a:latin typeface="+mn-lt"/>
-          <a:ea typeface="+mn-ea"/>
-          <a:cs typeface="+mn-cs"/>
-        </a:defRPr>
-      </a:lvl9pPr>
-    </p:bodyStyle>
-    <p:otherStyle>
-      <a:defPPr>
-        <a:defRPr lang="fi-FI"/>
-      </a:defPPr>
-      <a:lvl1pPr marL="0" algn="l" defTabSz="914400" rtl="0" eaLnBrk="1" latinLnBrk="0" hangingPunct="1">
-        <a:defRPr sz="1800" kern="1200">
-          <a:solidFill>
-            <a:schemeClr val="tx1"/>
-          </a:solidFill>
-          <a:latin typeface="+mn-lt"/>
-          <a:ea typeface="+mn-ea"/>
-          <a:cs typeface="+mn-cs"/>
-        </a:defRPr>
-      </a:lvl1pPr>
-      <a:lvl2pPr marL="457200" algn="l" defTabSz="914400" rtl="0" eaLnBrk="1" latinLnBrk="0" hangingPunct="1">
-        <a:defRPr sz="1800" kern="1200">
-          <a:solidFill>
-            <a:schemeClr val="tx1"/>
-          </a:solidFill>
-          <a:latin typeface="+mn-lt"/>
-          <a:ea typeface="+mn-ea"/>
-          <a:cs typeface="+mn-cs"/>
-        </a:defRPr>
-      </a:lvl2pPr>
-      <a:lvl3pPr marL="914400" algn="l" defTabSz="914400" rtl="0" eaLnBrk="1" latinLnBrk="0" hangingPunct="1">
-        <a:defRPr sz="1800" kern="1200">
-          <a:solidFill>
-            <a:schemeClr val="tx1"/>
-          </a:solidFill>
-          <a:latin typeface="+mn-lt"/>
-          <a:ea typeface="+mn-ea"/>
-          <a:cs typeface="+mn-cs"/>
-        </a:defRPr>
-      </a:lvl3pPr>
-      <a:lvl4pPr marL="1371600" algn="l" defTabSz="914400" rtl="0" eaLnBrk="1" latinLnBrk="0" hangingPunct="1">
-        <a:defRPr sz="1800" kern="1200">
-          <a:solidFill>
-            <a:schemeClr val="tx1"/>
-          </a:solidFill>
-          <a:latin typeface="+mn-lt"/>
-          <a:ea typeface="+mn-ea"/>
-          <a:cs typeface="+mn-cs"/>
-        </a:defRPr>
-      </a:lvl4pPr>
-      <a:lvl5pPr marL="1828800" algn="l" defTabSz="914400" rtl="0" eaLnBrk="1" latinLnBrk="0" hangingPunct="1">
-        <a:defRPr sz="1800" kern="1200">
-          <a:solidFill>
-            <a:schemeClr val="tx1"/>
-          </a:solidFill>
-          <a:latin typeface="+mn-lt"/>
-          <a:ea typeface="+mn-ea"/>
-          <a:cs typeface="+mn-cs"/>
-        </a:defRPr>
-      </a:lvl5pPr>
-      <a:lvl6pPr marL="2286000" algn="l" defTabSz="914400" rtl="0" eaLnBrk="1" latinLnBrk="0" hangingPunct="1">
-        <a:defRPr sz="1800" kern="1200">
-          <a:solidFill>
-            <a:schemeClr val="tx1"/>
-          </a:solidFill>
-          <a:latin typeface="+mn-lt"/>
-          <a:ea typeface="+mn-ea"/>
-          <a:cs typeface="+mn-cs"/>
-        </a:defRPr>
-      </a:lvl6pPr>
-      <a:lvl7pPr marL="2743200" algn="l" defTabSz="914400" rtl="0" eaLnBrk="1" latinLnBrk="0" hangingPunct="1">
-        <a:defRPr sz="1800" kern="1200">
-          <a:solidFill>
-            <a:schemeClr val="tx1"/>
-          </a:solidFill>
-          <a:latin typeface="+mn-lt"/>
-          <a:ea typeface="+mn-ea"/>
-          <a:cs typeface="+mn-cs"/>
-        </a:defRPr>
-      </a:lvl7pPr>
-      <a:lvl8pPr marL="3200400" algn="l" defTabSz="914400" rtl="0" eaLnBrk="1" latinLnBrk="0" hangingPunct="1">
-        <a:defRPr sz="1800" kern="1200">
-          <a:solidFill>
-            <a:schemeClr val="tx1"/>
-          </a:solidFill>
-          <a:latin typeface="+mn-lt"/>
-          <a:ea typeface="+mn-ea"/>
-          <a:cs typeface="+mn-cs"/>
-        </a:defRPr>
-      </a:lvl8pPr>
-      <a:lvl9pPr marL="3657600" algn="l" defTabSz="914400" rtl="0" eaLnBrk="1" latinLnBrk="0" hangingPunct="1">
-        <a:defRPr sz="1800" kern="1200">
-          <a:solidFill>
-            <a:schemeClr val="tx1"/>
-          </a:solidFill>
-          <a:latin typeface="+mn-lt"/>
-          <a:ea typeface="+mn-ea"/>
-          <a:cs typeface="+mn-cs"/>
-        </a:defRPr>
-      </a:lvl9pPr>
-    </p:otherStyle>
-  </p:txStyles>
 </p:sldMaster>
 </file>
 
 <file path=ppt/slides/slide1.xml><?xml version="1.0" encoding="utf-8"?>
-<p:sld xmlns:a="http://schemas.openxmlformats.org/drawingml/2006/main" xmlns:r="http://schemas.openxmlformats.org/officeDocument/2006/relationships" xmlns:p="http://schemas.openxmlformats.org/presentationml/2006/main">
+<p:sld xmlns:a="http://schemas.openxmlformats.org/drawingml/2006/main" xmlns:p="http://schemas.openxmlformats.org/presentationml/2006/main" xmlns:r="http://schemas.openxmlformats.org/officeDocument/2006/relationships" xmlns:p14="http://schemas.microsoft.com/office/powerpoint/2010/main" xmlns:p15="http://schemas.microsoft.com/office/powerpoint/2012/main" xmlns:mc="http://schemas.openxmlformats.org/markup-compatibility/2006">
   <p:cSld>
     <p:spTree>
       <p:nvGrpSpPr>
@@ -6874,18 +6148,18 @@
       </p:grpSpPr>
       <p:pic>
         <p:nvPicPr>
-          <p:cNvPr id="82" name="Picture 43"/>
+          <p:cNvPr id="82" name="Picture 43" descr=""/>
           <p:cNvPicPr/>
           <p:nvPr/>
         </p:nvPicPr>
         <p:blipFill>
-          <a:blip r:embed="rId2"/>
+          <a:blip r:embed="rId1"/>
           <a:stretch/>
         </p:blipFill>
         <p:spPr>
           <a:xfrm>
-            <a:off x="958291" y="402336"/>
-            <a:ext cx="7556299" cy="4742410"/>
+            <a:off x="958320" y="402480"/>
+            <a:ext cx="7556040" cy="4741920"/>
           </a:xfrm>
           <a:prstGeom prst="rect">
             <a:avLst/>
@@ -6897,29 +6171,19 @@
       </p:pic>
     </p:spTree>
   </p:cSld>
-  <p:clrMapOvr>
-    <a:masterClrMapping/>
-  </p:clrMapOvr>
-  <mc:AlternateContent xmlns:mc="http://schemas.openxmlformats.org/markup-compatibility/2006" xmlns:p14="http://schemas.microsoft.com/office/powerpoint/2010/main">
+  <mc:AlternateContent>
     <mc:Choice Requires="p14">
       <p:transition spd="slow" p14:dur="2000"/>
     </mc:Choice>
-    <mc:Fallback xmlns:p15="http://schemas.microsoft.com/office/powerpoint/2012/main" xmlns="">
+    <mc:Fallback>
       <p:transition spd="slow"/>
     </mc:Fallback>
   </mc:AlternateContent>
-  <p:timing>
-    <p:tnLst>
-      <p:par>
-        <p:cTn id="1" dur="indefinite" restart="never" nodeType="tmRoot"/>
-      </p:par>
-    </p:tnLst>
-  </p:timing>
 </p:sld>
 </file>
 
 <file path=ppt/slides/slide2.xml><?xml version="1.0" encoding="utf-8"?>
-<p:sld xmlns:a="http://schemas.openxmlformats.org/drawingml/2006/main" xmlns:r="http://schemas.openxmlformats.org/officeDocument/2006/relationships" xmlns:p="http://schemas.openxmlformats.org/presentationml/2006/main">
+<p:sld xmlns:a="http://schemas.openxmlformats.org/drawingml/2006/main" xmlns:p="http://schemas.openxmlformats.org/presentationml/2006/main" xmlns:r="http://schemas.openxmlformats.org/officeDocument/2006/relationships" xmlns:p14="http://schemas.microsoft.com/office/powerpoint/2010/main" xmlns:p15="http://schemas.microsoft.com/office/powerpoint/2012/main" xmlns:mc="http://schemas.openxmlformats.org/markup-compatibility/2006">
   <p:cSld>
     <p:spTree>
       <p:nvGrpSpPr>
@@ -6937,19 +6201,19 @@
       </p:grpSpPr>
       <p:pic>
         <p:nvPicPr>
-          <p:cNvPr id="87" name="Picture 86"/>
+          <p:cNvPr id="83" name="Picture 86" descr=""/>
           <p:cNvPicPr/>
           <p:nvPr/>
         </p:nvPicPr>
-        <p:blipFill rotWithShape="1">
-          <a:blip r:embed="rId2"/>
-          <a:srcRect r="2143"/>
+        <p:blipFill>
+          <a:blip r:embed="rId1"/>
+          <a:srcRect l="0" t="0" r="2144" b="0"/>
           <a:stretch/>
         </p:blipFill>
         <p:spPr>
           <a:xfrm>
-            <a:off x="5585170" y="1124972"/>
-            <a:ext cx="4388802" cy="3566880"/>
+            <a:off x="5585040" y="1125000"/>
+            <a:ext cx="4388400" cy="3566520"/>
           </a:xfrm>
           <a:prstGeom prst="rect">
             <a:avLst/>
@@ -6959,18 +6223,18 @@
           </a:ln>
         </p:spPr>
       </p:pic>
-      <mc:AlternateContent xmlns:mc="http://schemas.openxmlformats.org/markup-compatibility/2006">
+      <mc:AlternateContent>
         <mc:Choice xmlns:a14="http://schemas.microsoft.com/office/drawing/2010/main" Requires="a14">
           <p:sp>
             <p:nvSpPr>
-              <p:cNvPr id="22" name="TextBox 1"/>
+              <p:cNvPr id="84" name="TextBox 1"/>
               <p:cNvSpPr txBox="1"/>
               <p:nvPr/>
             </p:nvSpPr>
             <p:spPr>
               <a:xfrm>
-                <a:off x="1079439" y="4617148"/>
-                <a:ext cx="1174680" cy="276480"/>
+                <a:off x="1079280" y="4617000"/>
+                <a:ext cx="1174320" cy="276120"/>
               </a:xfrm>
               <a:prstGeom prst="rect">
                 <a:avLst/>
@@ -6978,79 +6242,32 @@
             </p:spPr>
             <p:txBody>
               <a:bodyPr/>
-              <a:lstStyle/>
               <a:p>
                 <a14:m>
-                  <m:oMathPara xmlns:m="http://schemas.openxmlformats.org/officeDocument/2006/math">
-                    <m:oMathParaPr>
-                      <m:jc m:val="centerGroup"/>
-                    </m:oMathParaPr>
-                    <m:oMath xmlns:m="http://schemas.openxmlformats.org/officeDocument/2006/math">
-                      <m:r>
-                        <a:rPr sz="1200">
-                          <a:latin typeface="Cambria Math" panose="02040503050406030204" pitchFamily="18" charset="0"/>
-                        </a:rPr>
-                        <m:t>𝑅𝑢𝑛𝑛𝑖𝑛𝑔𝑡𝑖𝑚𝑒</m:t>
-                      </m:r>
-                    </m:oMath>
-                  </m:oMathPara>
+                  <m:oMath xmlns:m="http://schemas.openxmlformats.org/officeDocument/2006/math">
+                    <m:r>
+                      <m:t xml:space="preserve">𝑅𝑢𝑛𝑛𝑖𝑛𝑔𝑡𝑖𝑚𝑒</m:t>
+                    </m:r>
+                  </m:oMath>
                 </a14:m>
-                <a:endParaRPr sz="1200" dirty="0"/>
               </a:p>
             </p:txBody>
           </p:sp>
         </mc:Choice>
-        <mc:Fallback>
-          <p:sp>
-            <p:nvSpPr>
-              <p:cNvPr id="22" name="TextBox 1"/>
-              <p:cNvSpPr txBox="1">
-                <a:spLocks noRot="1" noChangeAspect="1" noMove="1" noResize="1" noEditPoints="1" noAdjustHandles="1" noChangeArrowheads="1" noChangeShapeType="1" noTextEdit="1"/>
-              </p:cNvSpPr>
-              <p:nvPr/>
-            </p:nvSpPr>
-            <p:spPr>
-              <a:xfrm>
-                <a:off x="1079439" y="4617148"/>
-                <a:ext cx="1174680" cy="276480"/>
-              </a:xfrm>
-              <a:prstGeom prst="rect">
-                <a:avLst/>
-              </a:prstGeom>
-              <a:blipFill>
-                <a:blip r:embed="rId3"/>
-                <a:stretch>
-                  <a:fillRect b="-4348"/>
-                </a:stretch>
-              </a:blipFill>
-            </p:spPr>
-            <p:txBody>
-              <a:bodyPr/>
-              <a:lstStyle/>
-              <a:p>
-                <a:r>
-                  <a:rPr lang="fi-FI">
-                    <a:noFill/>
-                  </a:rPr>
-                  <a:t> </a:t>
-                </a:r>
-              </a:p>
-            </p:txBody>
-          </p:sp>
-        </mc:Fallback>
+        <mc:Fallback/>
       </mc:AlternateContent>
-      <mc:AlternateContent xmlns:mc="http://schemas.openxmlformats.org/markup-compatibility/2006">
+      <mc:AlternateContent>
         <mc:Choice xmlns:a14="http://schemas.microsoft.com/office/drawing/2010/main" Requires="a14">
           <p:sp>
             <p:nvSpPr>
-              <p:cNvPr id="23" name="TextBox 2"/>
+              <p:cNvPr id="85" name="TextBox 2"/>
               <p:cNvSpPr txBox="1"/>
               <p:nvPr/>
             </p:nvSpPr>
             <p:spPr>
               <a:xfrm>
-                <a:off x="6074940" y="4338644"/>
-                <a:ext cx="2116560" cy="554984"/>
+                <a:off x="6075000" y="4338720"/>
+                <a:ext cx="2116080" cy="554760"/>
               </a:xfrm>
               <a:prstGeom prst="rect">
                 <a:avLst/>
@@ -7058,140 +6275,70 @@
             </p:spPr>
             <p:txBody>
               <a:bodyPr/>
-              <a:lstStyle/>
               <a:p>
                 <a14:m>
-                  <m:oMathPara xmlns:m="http://schemas.openxmlformats.org/officeDocument/2006/math">
-                    <m:oMathParaPr>
-                      <m:jc m:val="centerGroup"/>
-                    </m:oMathParaPr>
-                    <m:oMath xmlns:m="http://schemas.openxmlformats.org/officeDocument/2006/math">
-                      <m:sSub>
-                        <m:sSubPr>
-                          <m:ctrlPr>
-                            <a:rPr sz="1200">
-                              <a:latin typeface="Cambria Math" panose="02040503050406030204" pitchFamily="18" charset="0"/>
-                            </a:rPr>
-                          </m:ctrlPr>
-                        </m:sSubPr>
-                        <m:e>
-                          <m:r>
-                            <a:rPr sz="1200">
-                              <a:latin typeface="Cambria Math" panose="02040503050406030204" pitchFamily="18" charset="0"/>
-                            </a:rPr>
-                            <m:t>𝑙𝑜𝑔</m:t>
-                          </m:r>
-                        </m:e>
-                        <m:sub>
-                          <m:r>
-                            <a:rPr sz="1200">
-                              <a:latin typeface="Cambria Math" panose="02040503050406030204" pitchFamily="18" charset="0"/>
-                            </a:rPr>
-                            <m:t>10</m:t>
-                          </m:r>
-                        </m:sub>
-                      </m:sSub>
-                      <m:f>
-                        <m:fPr>
-                          <m:ctrlPr>
-                            <a:rPr sz="1200" i="1">
-                              <a:latin typeface="Cambria Math" panose="02040503050406030204" pitchFamily="18" charset="0"/>
-                            </a:rPr>
-                          </m:ctrlPr>
-                        </m:fPr>
-                        <m:num>
-                          <m:r>
-                            <a:rPr sz="1200">
-                              <a:latin typeface="Cambria Math" panose="02040503050406030204" pitchFamily="18" charset="0"/>
-                            </a:rPr>
-                            <m:t>𝐴𝑐𝑐𝑢𝑟𝑎𝑐𝑦</m:t>
-                          </m:r>
-                        </m:num>
-                        <m:den>
-                          <m:r>
-                            <a:rPr sz="1200">
-                              <a:latin typeface="Cambria Math" panose="02040503050406030204" pitchFamily="18" charset="0"/>
-                            </a:rPr>
-                            <m:t>𝑇𝑖𝑚𝑒</m:t>
-                          </m:r>
-                        </m:den>
-                      </m:f>
-                    </m:oMath>
-                  </m:oMathPara>
+                  <m:oMath xmlns:m="http://schemas.openxmlformats.org/officeDocument/2006/math">
+                    <m:sSub>
+                      <m:e>
+                        <m:r>
+                          <m:t xml:space="preserve">𝑙𝑜𝑔</m:t>
+                        </m:r>
+                      </m:e>
+                      <m:sub>
+                        <m:r>
+                          <m:t xml:space="preserve">10</m:t>
+                        </m:r>
+                      </m:sub>
+                    </m:sSub>
+                    <m:f>
+                      <m:num>
+                        <m:r>
+                          <m:t xml:space="preserve">𝐴𝑐𝑐𝑢𝑟𝑎𝑐𝑦</m:t>
+                        </m:r>
+                      </m:num>
+                      <m:den>
+                        <m:r>
+                          <m:t xml:space="preserve">𝑇𝑖𝑚𝑒</m:t>
+                        </m:r>
+                      </m:den>
+                    </m:f>
+                  </m:oMath>
                 </a14:m>
-                <a:endParaRPr sz="1200" dirty="0"/>
               </a:p>
             </p:txBody>
           </p:sp>
         </mc:Choice>
-        <mc:Fallback>
-          <p:sp>
-            <p:nvSpPr>
-              <p:cNvPr id="23" name="TextBox 2"/>
-              <p:cNvSpPr txBox="1">
-                <a:spLocks noRot="1" noChangeAspect="1" noMove="1" noResize="1" noEditPoints="1" noAdjustHandles="1" noChangeArrowheads="1" noChangeShapeType="1" noTextEdit="1"/>
-              </p:cNvSpPr>
-              <p:nvPr/>
-            </p:nvSpPr>
-            <p:spPr>
-              <a:xfrm>
-                <a:off x="6074940" y="4338644"/>
-                <a:ext cx="2116560" cy="554984"/>
-              </a:xfrm>
-              <a:prstGeom prst="rect">
-                <a:avLst/>
-              </a:prstGeom>
-              <a:blipFill>
-                <a:blip r:embed="rId4"/>
-                <a:stretch>
-                  <a:fillRect/>
-                </a:stretch>
-              </a:blipFill>
-            </p:spPr>
-            <p:txBody>
-              <a:bodyPr/>
-              <a:lstStyle/>
-              <a:p>
-                <a:r>
-                  <a:rPr lang="fi-FI">
-                    <a:noFill/>
-                  </a:rPr>
-                  <a:t> </a:t>
-                </a:r>
-              </a:p>
-            </p:txBody>
-          </p:sp>
-        </mc:Fallback>
+        <mc:Fallback/>
       </mc:AlternateContent>
       <p:grpSp>
         <p:nvGrpSpPr>
-          <p:cNvPr id="74" name="Group 73"/>
+          <p:cNvPr id="86" name="Group 73"/>
           <p:cNvGrpSpPr/>
           <p:nvPr/>
         </p:nvGrpSpPr>
         <p:grpSpPr>
           <a:xfrm>
-            <a:off x="284136" y="1049511"/>
-            <a:ext cx="4554565" cy="3289133"/>
-            <a:chOff x="284136" y="1049511"/>
-            <a:chExt cx="4554565" cy="3289133"/>
+            <a:off x="284040" y="1049400"/>
+            <a:ext cx="4554000" cy="3288960"/>
+            <a:chOff x="284040" y="1049400"/>
+            <a:chExt cx="4554000" cy="3288960"/>
           </a:xfrm>
         </p:grpSpPr>
         <p:pic>
           <p:nvPicPr>
-            <p:cNvPr id="88" name="Picture 87"/>
+            <p:cNvPr id="87" name="Picture 87" descr=""/>
             <p:cNvPicPr/>
             <p:nvPr/>
           </p:nvPicPr>
-          <p:blipFill rotWithShape="1">
-            <a:blip r:embed="rId5"/>
-            <a:srcRect l="14705" t="5039" r="14061" b="5771"/>
+          <p:blipFill>
+            <a:blip r:embed="rId2"/>
+            <a:srcRect l="14704" t="5039" r="14059" b="5771"/>
             <a:stretch/>
           </p:blipFill>
           <p:spPr>
             <a:xfrm>
-              <a:off x="284136" y="1478181"/>
-              <a:ext cx="2779629" cy="2860463"/>
+              <a:off x="284040" y="1478160"/>
+              <a:ext cx="2779200" cy="2860200"/>
             </a:xfrm>
             <a:prstGeom prst="rect">
               <a:avLst/>
@@ -7203,14 +6350,14 @@
         </p:pic>
         <p:sp>
           <p:nvSpPr>
-            <p:cNvPr id="2" name="Oval 1"/>
+            <p:cNvPr id="88" name="Oval 1"/>
             <p:cNvSpPr/>
             <p:nvPr/>
           </p:nvSpPr>
           <p:spPr>
             <a:xfrm>
-              <a:off x="1585010" y="2395531"/>
-              <a:ext cx="167839" cy="500372"/>
+              <a:off x="1585080" y="2395440"/>
+              <a:ext cx="167400" cy="500040"/>
             </a:xfrm>
             <a:prstGeom prst="ellipse">
               <a:avLst/>
@@ -7218,7 +6365,7 @@
             <a:noFill/>
             <a:ln w="12700">
               <a:solidFill>
-                <a:schemeClr val="tx1"/>
+                <a:srgbClr val="000000"/>
               </a:solidFill>
               <a:prstDash val="sysDash"/>
             </a:ln>
@@ -7235,38 +6382,26 @@
             <a:effectRef idx="0">
               <a:schemeClr val="accent1"/>
             </a:effectRef>
-            <a:fontRef idx="minor">
-              <a:schemeClr val="lt1"/>
-            </a:fontRef>
+            <a:fontRef idx="minor"/>
           </p:style>
-          <p:txBody>
-            <a:bodyPr rtlCol="0" anchor="ctr"/>
-            <a:lstStyle/>
-            <a:p>
-              <a:pPr algn="ctr"/>
-              <a:endParaRPr lang="fi-FI"/>
-            </a:p>
-          </p:txBody>
         </p:sp>
-        <p:cxnSp>
-          <p:nvCxnSpPr>
-            <p:cNvPr id="5" name="Straight Connector 4"/>
-            <p:cNvCxnSpPr>
-              <a:stCxn id="2" idx="0"/>
-            </p:cNvCxnSpPr>
+        <p:sp>
+          <p:nvSpPr>
+            <p:cNvPr id="89" name="Straight Connector 4"/>
+            <p:cNvSpPr/>
             <p:nvPr/>
-          </p:nvCxnSpPr>
+          </p:nvSpPr>
           <p:spPr>
             <a:xfrm flipV="1">
-              <a:off x="1668930" y="1485901"/>
-              <a:ext cx="2316330" cy="909630"/>
+              <a:off x="1668600" y="1485720"/>
+              <a:ext cx="2316600" cy="909720"/>
             </a:xfrm>
             <a:prstGeom prst="line">
               <a:avLst/>
             </a:prstGeom>
             <a:ln w="12700">
               <a:solidFill>
-                <a:schemeClr val="tx1"/>
+                <a:srgbClr val="000000"/>
               </a:solidFill>
               <a:prstDash val="dash"/>
             </a:ln>
@@ -7281,30 +6416,26 @@
             <a:effectRef idx="0">
               <a:schemeClr val="accent1"/>
             </a:effectRef>
-            <a:fontRef idx="minor">
-              <a:schemeClr val="tx1"/>
-            </a:fontRef>
+            <a:fontRef idx="minor"/>
           </p:style>
-        </p:cxnSp>
-        <p:cxnSp>
-          <p:nvCxnSpPr>
-            <p:cNvPr id="10" name="Straight Connector 9"/>
-            <p:cNvCxnSpPr>
-              <a:endCxn id="26" idx="4"/>
-            </p:cNvCxnSpPr>
+        </p:sp>
+        <p:sp>
+          <p:nvSpPr>
+            <p:cNvPr id="90" name="Straight Connector 9"/>
+            <p:cNvSpPr/>
             <p:nvPr/>
-          </p:nvCxnSpPr>
+          </p:nvSpPr>
           <p:spPr>
             <a:xfrm flipV="1">
-              <a:off x="1666777" y="2834350"/>
-              <a:ext cx="2489306" cy="74062"/>
+              <a:off x="1666440" y="2834280"/>
+              <a:ext cx="2489400" cy="73800"/>
             </a:xfrm>
             <a:prstGeom prst="line">
               <a:avLst/>
             </a:prstGeom>
             <a:ln w="12700">
               <a:solidFill>
-                <a:schemeClr val="tx1"/>
+                <a:srgbClr val="000000"/>
               </a:solidFill>
               <a:prstDash val="dash"/>
             </a:ln>
@@ -7319,128 +6450,146 @@
             <a:effectRef idx="0">
               <a:schemeClr val="accent1"/>
             </a:effectRef>
-            <a:fontRef idx="minor">
-              <a:schemeClr val="tx1"/>
-            </a:fontRef>
+            <a:fontRef idx="minor"/>
           </p:style>
-        </p:cxnSp>
+        </p:sp>
         <p:sp>
           <p:nvSpPr>
-            <p:cNvPr id="9" name="TextBox 8"/>
-            <p:cNvSpPr txBox="1"/>
+            <p:cNvPr id="91" name="TextBox 8"/>
+            <p:cNvSpPr/>
             <p:nvPr/>
           </p:nvSpPr>
           <p:spPr>
             <a:xfrm>
-              <a:off x="1376750" y="1057132"/>
-              <a:ext cx="580055" cy="421049"/>
+              <a:off x="1404360" y="1056960"/>
+              <a:ext cx="524160" cy="363960"/>
             </a:xfrm>
             <a:prstGeom prst="rect">
               <a:avLst/>
             </a:prstGeom>
             <a:noFill/>
+            <a:ln w="0">
+              <a:noFill/>
+            </a:ln>
           </p:spPr>
+          <p:style>
+            <a:lnRef idx="0"/>
+            <a:fillRef idx="0"/>
+            <a:effectRef idx="0"/>
+            <a:fontRef idx="minor"/>
+          </p:style>
           <p:txBody>
-            <a:bodyPr wrap="none" rtlCol="0">
+            <a:bodyPr wrap="none" lIns="90000" rIns="90000" tIns="45000" bIns="45000" anchor="t">
               <a:spAutoFit/>
             </a:bodyPr>
-            <a:lstStyle/>
             <a:p>
+              <a:pPr>
+                <a:lnSpc>
+                  <a:spcPct val="100000"/>
+                </a:lnSpc>
+                <a:buNone/>
+              </a:pPr>
               <a:r>
-                <a:rPr lang="en-US" dirty="0" smtClean="0">
-                  <a:latin typeface="Times New Roman" panose="02020603050405020304" pitchFamily="18" charset="0"/>
-                  <a:cs typeface="Times New Roman" panose="02020603050405020304" pitchFamily="18" charset="0"/>
+                <a:rPr b="0" lang="en-US" sz="1800" spc="-1" strike="noStrike">
+                  <a:solidFill>
+                    <a:srgbClr val="000000"/>
+                  </a:solidFill>
+                  <a:latin typeface="Times New Roman"/>
+                  <a:ea typeface="DejaVu Sans"/>
                 </a:rPr>
                 <a:t>12h</a:t>
               </a:r>
-              <a:endParaRPr lang="fi-FI" dirty="0">
-                <a:latin typeface="Times New Roman" panose="02020603050405020304" pitchFamily="18" charset="0"/>
-                <a:cs typeface="Times New Roman" panose="02020603050405020304" pitchFamily="18" charset="0"/>
+              <a:endParaRPr b="0" lang="en-GB" sz="1800" spc="-1" strike="noStrike">
+                <a:latin typeface="Arial"/>
               </a:endParaRPr>
             </a:p>
           </p:txBody>
         </p:sp>
         <p:sp>
           <p:nvSpPr>
-            <p:cNvPr id="14" name="TextBox 13"/>
-            <p:cNvSpPr txBox="1"/>
+            <p:cNvPr id="92" name="TextBox 13"/>
+            <p:cNvSpPr/>
             <p:nvPr/>
           </p:nvSpPr>
           <p:spPr>
             <a:xfrm>
-              <a:off x="3884160" y="1049511"/>
-              <a:ext cx="524010" cy="421049"/>
+              <a:off x="3908880" y="1049400"/>
+              <a:ext cx="473760" cy="363960"/>
             </a:xfrm>
             <a:prstGeom prst="rect">
               <a:avLst/>
             </a:prstGeom>
             <a:noFill/>
+            <a:ln w="0">
+              <a:noFill/>
+            </a:ln>
           </p:spPr>
+          <p:style>
+            <a:lnRef idx="0"/>
+            <a:fillRef idx="0"/>
+            <a:effectRef idx="0"/>
+            <a:fontRef idx="minor"/>
+          </p:style>
           <p:txBody>
-            <a:bodyPr wrap="none" rtlCol="0">
+            <a:bodyPr wrap="none" lIns="90000" rIns="90000" tIns="45000" bIns="45000" anchor="t">
               <a:spAutoFit/>
             </a:bodyPr>
-            <a:lstStyle/>
             <a:p>
+              <a:pPr>
+                <a:lnSpc>
+                  <a:spcPct val="100000"/>
+                </a:lnSpc>
+                <a:buNone/>
+              </a:pPr>
               <a:r>
-                <a:rPr lang="en-US" dirty="0" smtClean="0">
-                  <a:latin typeface="Times New Roman" panose="02020603050405020304" pitchFamily="18" charset="0"/>
-                  <a:cs typeface="Times New Roman" panose="02020603050405020304" pitchFamily="18" charset="0"/>
+                <a:rPr b="0" lang="en-US" sz="1800" spc="-1" strike="noStrike">
+                  <a:solidFill>
+                    <a:srgbClr val="000000"/>
+                  </a:solidFill>
+                  <a:latin typeface="Times New Roman"/>
+                  <a:ea typeface="DejaVu Sans"/>
                 </a:rPr>
                 <a:t>3m</a:t>
               </a:r>
-              <a:endParaRPr lang="fi-FI" dirty="0">
-                <a:latin typeface="Times New Roman" panose="02020603050405020304" pitchFamily="18" charset="0"/>
-                <a:cs typeface="Times New Roman" panose="02020603050405020304" pitchFamily="18" charset="0"/>
+              <a:endParaRPr b="0" lang="en-GB" sz="1800" spc="-1" strike="noStrike">
+                <a:latin typeface="Arial"/>
               </a:endParaRPr>
             </a:p>
           </p:txBody>
         </p:sp>
         <p:pic>
           <p:nvPicPr>
-            <p:cNvPr id="11" name="Picture 10"/>
-            <p:cNvPicPr>
-              <a:picLocks noChangeAspect="1"/>
-            </p:cNvPicPr>
+            <p:cNvPr id="93" name="Picture 10" descr=""/>
+            <p:cNvPicPr/>
             <p:nvPr/>
           </p:nvPicPr>
           <p:blipFill>
-            <a:blip r:embed="rId6">
-              <a:clrChange>
-                <a:clrFrom>
-                  <a:srgbClr val="FFFFFF"/>
-                </a:clrFrom>
-                <a:clrTo>
-                  <a:srgbClr val="FFFFFF">
-                    <a:alpha val="0"/>
-                  </a:srgbClr>
-                </a:clrTo>
-              </a:clrChange>
-            </a:blip>
-            <a:stretch>
-              <a:fillRect/>
-            </a:stretch>
+            <a:blip r:embed="rId3"/>
+            <a:stretch/>
           </p:blipFill>
           <p:spPr>
             <a:xfrm>
-              <a:off x="3489982" y="1462329"/>
-              <a:ext cx="1348719" cy="1405323"/>
+              <a:off x="3489840" y="1462320"/>
+              <a:ext cx="1348200" cy="1405080"/>
             </a:xfrm>
             <a:prstGeom prst="rect">
               <a:avLst/>
             </a:prstGeom>
+            <a:ln w="0">
+              <a:noFill/>
+            </a:ln>
           </p:spPr>
         </p:pic>
         <p:sp>
           <p:nvSpPr>
-            <p:cNvPr id="18" name="Oval 17"/>
+            <p:cNvPr id="94" name="Oval 17"/>
             <p:cNvSpPr/>
             <p:nvPr/>
           </p:nvSpPr>
           <p:spPr>
             <a:xfrm>
-              <a:off x="317926" y="1511192"/>
-              <a:ext cx="2697706" cy="2771160"/>
+              <a:off x="317880" y="1511280"/>
+              <a:ext cx="2697480" cy="2770920"/>
             </a:xfrm>
             <a:prstGeom prst="ellipse">
               <a:avLst/>
@@ -7448,7 +6597,7 @@
             <a:noFill/>
             <a:ln w="28575">
               <a:solidFill>
-                <a:schemeClr val="tx1"/>
+                <a:srgbClr val="000000"/>
               </a:solidFill>
             </a:ln>
           </p:spPr>
@@ -7464,29 +6613,19 @@
             <a:effectRef idx="0">
               <a:schemeClr val="accent1"/>
             </a:effectRef>
-            <a:fontRef idx="minor">
-              <a:schemeClr val="lt1"/>
-            </a:fontRef>
+            <a:fontRef idx="minor"/>
           </p:style>
-          <p:txBody>
-            <a:bodyPr rtlCol="0" anchor="ctr"/>
-            <a:lstStyle/>
-            <a:p>
-              <a:pPr algn="ctr"/>
-              <a:endParaRPr lang="fi-FI"/>
-            </a:p>
-          </p:txBody>
         </p:sp>
         <p:sp>
           <p:nvSpPr>
-            <p:cNvPr id="26" name="Oval 25"/>
+            <p:cNvPr id="95" name="Oval 25"/>
             <p:cNvSpPr/>
             <p:nvPr/>
           </p:nvSpPr>
           <p:spPr>
             <a:xfrm>
-              <a:off x="3481086" y="1481911"/>
-              <a:ext cx="1349994" cy="1352439"/>
+              <a:off x="3481200" y="1481760"/>
+              <a:ext cx="1349640" cy="1352160"/>
             </a:xfrm>
             <a:prstGeom prst="ellipse">
               <a:avLst/>
@@ -7494,7 +6633,7 @@
             <a:noFill/>
             <a:ln w="19050">
               <a:solidFill>
-                <a:schemeClr val="tx1"/>
+                <a:srgbClr val="000000"/>
               </a:solidFill>
               <a:prstDash val="sysDash"/>
             </a:ln>
@@ -7511,40 +6650,73 @@
             <a:effectRef idx="0">
               <a:schemeClr val="accent1"/>
             </a:effectRef>
-            <a:fontRef idx="minor">
-              <a:schemeClr val="lt1"/>
-            </a:fontRef>
+            <a:fontRef idx="minor"/>
           </p:style>
-          <p:txBody>
-            <a:bodyPr rtlCol="0" anchor="ctr"/>
-            <a:lstStyle/>
-            <a:p>
-              <a:pPr algn="ctr"/>
-              <a:endParaRPr lang="fi-FI"/>
-            </a:p>
-          </p:txBody>
         </p:sp>
       </p:grpSp>
     </p:spTree>
   </p:cSld>
-  <p:clrMapOvr>
-    <a:masterClrMapping/>
-  </p:clrMapOvr>
-  <mc:AlternateContent xmlns:mc="http://schemas.openxmlformats.org/markup-compatibility/2006" xmlns:p14="http://schemas.microsoft.com/office/powerpoint/2010/main">
+  <mc:AlternateContent>
     <mc:Choice Requires="p14">
       <p:transition spd="slow" p14:dur="2000"/>
     </mc:Choice>
-    <mc:Fallback xmlns:p15="http://schemas.microsoft.com/office/powerpoint/2012/main" xmlns="">
+    <mc:Fallback>
       <p:transition spd="slow"/>
     </mc:Fallback>
   </mc:AlternateContent>
-  <p:timing>
-    <p:tnLst>
-      <p:par>
-        <p:cTn id="1" dur="indefinite" restart="never" nodeType="tmRoot"/>
-      </p:par>
-    </p:tnLst>
-  </p:timing>
+</p:sld>
+</file>
+
+<file path=ppt/slides/slide3.xml><?xml version="1.0" encoding="utf-8"?>
+<p:sld xmlns:a="http://schemas.openxmlformats.org/drawingml/2006/main" xmlns:p="http://schemas.openxmlformats.org/presentationml/2006/main" xmlns:r="http://schemas.openxmlformats.org/officeDocument/2006/relationships" xmlns:p14="http://schemas.microsoft.com/office/powerpoint/2010/main" xmlns:p15="http://schemas.microsoft.com/office/powerpoint/2012/main" xmlns:mc="http://schemas.openxmlformats.org/markup-compatibility/2006">
+  <p:cSld>
+    <p:spTree>
+      <p:nvGrpSpPr>
+        <p:cNvPr id="1" name=""/>
+        <p:cNvGrpSpPr/>
+        <p:nvPr/>
+      </p:nvGrpSpPr>
+      <p:grpSpPr>
+        <a:xfrm>
+          <a:off x="0" y="0"/>
+          <a:ext cx="0" cy="0"/>
+          <a:chOff x="0" y="0"/>
+          <a:chExt cx="0" cy="0"/>
+        </a:xfrm>
+      </p:grpSpPr>
+      <p:pic>
+        <p:nvPicPr>
+          <p:cNvPr id="96" name="" descr=""/>
+          <p:cNvPicPr/>
+          <p:nvPr/>
+        </p:nvPicPr>
+        <p:blipFill>
+          <a:blip r:embed="rId1"/>
+          <a:stretch/>
+        </p:blipFill>
+        <p:spPr>
+          <a:xfrm>
+            <a:off x="2600280" y="180000"/>
+            <a:ext cx="3519720" cy="5312520"/>
+          </a:xfrm>
+          <a:prstGeom prst="rect">
+            <a:avLst/>
+          </a:prstGeom>
+          <a:ln w="0">
+            <a:noFill/>
+          </a:ln>
+        </p:spPr>
+      </p:pic>
+    </p:spTree>
+  </p:cSld>
+  <mc:AlternateContent>
+    <mc:Choice Requires="p14">
+      <p:transition spd="slow" p14:dur="2000"/>
+    </mc:Choice>
+    <mc:Fallback>
+      <p:transition spd="slow"/>
+    </mc:Fallback>
+  </mc:AlternateContent>
 </p:sld>
 </file>
 
@@ -7559,31 +6731,31 @@
         <a:sysClr val="window" lastClr="FFFFFF"/>
       </a:lt1>
       <a:dk2>
-        <a:srgbClr val="1F497D"/>
+        <a:srgbClr val="1f497d"/>
       </a:dk2>
       <a:lt2>
-        <a:srgbClr val="EEECE1"/>
+        <a:srgbClr val="eeece1"/>
       </a:lt2>
       <a:accent1>
-        <a:srgbClr val="4F81BD"/>
+        <a:srgbClr val="4f81bd"/>
       </a:accent1>
       <a:accent2>
-        <a:srgbClr val="C0504D"/>
+        <a:srgbClr val="c0504d"/>
       </a:accent2>
       <a:accent3>
-        <a:srgbClr val="9BBB59"/>
+        <a:srgbClr val="9bbb59"/>
       </a:accent3>
       <a:accent4>
-        <a:srgbClr val="8064A2"/>
+        <a:srgbClr val="8064a2"/>
       </a:accent4>
       <a:accent5>
-        <a:srgbClr val="4BACC6"/>
+        <a:srgbClr val="4bacc6"/>
       </a:accent5>
       <a:accent6>
-        <a:srgbClr val="F79646"/>
+        <a:srgbClr val="f79646"/>
       </a:accent6>
       <a:hlink>
-        <a:srgbClr val="0000FF"/>
+        <a:srgbClr val="0000ff"/>
       </a:hlink>
       <a:folHlink>
         <a:srgbClr val="800080"/>
@@ -7771,8 +6943,6 @@
       </a:bgFillStyleLst>
     </a:fmtScheme>
   </a:themeElements>
-  <a:objectDefaults/>
-  <a:extraClrSchemeLst/>
 </a:theme>
 </file>
 
@@ -7787,31 +6957,31 @@
         <a:sysClr val="window" lastClr="FFFFFF"/>
       </a:lt1>
       <a:dk2>
-        <a:srgbClr val="1F497D"/>
+        <a:srgbClr val="1f497d"/>
       </a:dk2>
       <a:lt2>
-        <a:srgbClr val="EEECE1"/>
+        <a:srgbClr val="eeece1"/>
       </a:lt2>
       <a:accent1>
-        <a:srgbClr val="4F81BD"/>
+        <a:srgbClr val="4f81bd"/>
       </a:accent1>
       <a:accent2>
-        <a:srgbClr val="C0504D"/>
+        <a:srgbClr val="c0504d"/>
       </a:accent2>
       <a:accent3>
-        <a:srgbClr val="9BBB59"/>
+        <a:srgbClr val="9bbb59"/>
       </a:accent3>
       <a:accent4>
-        <a:srgbClr val="8064A2"/>
+        <a:srgbClr val="8064a2"/>
       </a:accent4>
       <a:accent5>
-        <a:srgbClr val="4BACC6"/>
+        <a:srgbClr val="4bacc6"/>
       </a:accent5>
       <a:accent6>
-        <a:srgbClr val="F79646"/>
+        <a:srgbClr val="f79646"/>
       </a:accent6>
       <a:hlink>
-        <a:srgbClr val="0000FF"/>
+        <a:srgbClr val="0000ff"/>
       </a:hlink>
       <a:folHlink>
         <a:srgbClr val="800080"/>
@@ -7999,7 +7169,5 @@
       </a:bgFillStyleLst>
     </a:fmtScheme>
   </a:themeElements>
-  <a:objectDefaults/>
-  <a:extraClrSchemeLst/>
 </a:theme>
 </file>